--- a/19 Spatial/spatial audio Part 2- beyond stereo.pptx
+++ b/19 Spatial/spatial audio Part 2- beyond stereo.pptx
@@ -286,35 +286,35 @@
           <a:p>
             <a:pPr lvl="0"/>
             <a:r>
-              <a:rPr lang="en-US" noProof="0" smtClean="0"/>
+              <a:rPr lang="en-US" noProof="0"/>
               <a:t>Click to edit Master text styles</a:t>
             </a:r>
           </a:p>
           <a:p>
             <a:pPr lvl="1"/>
             <a:r>
-              <a:rPr lang="en-US" noProof="0" smtClean="0"/>
+              <a:rPr lang="en-US" noProof="0"/>
               <a:t>Second level</a:t>
             </a:r>
           </a:p>
           <a:p>
             <a:pPr lvl="2"/>
             <a:r>
-              <a:rPr lang="en-US" noProof="0" smtClean="0"/>
+              <a:rPr lang="en-US" noProof="0"/>
               <a:t>Third level</a:t>
             </a:r>
           </a:p>
           <a:p>
             <a:pPr lvl="3"/>
             <a:r>
-              <a:rPr lang="en-US" noProof="0" smtClean="0"/>
+              <a:rPr lang="en-US" noProof="0"/>
               <a:t>Fourth level</a:t>
             </a:r>
           </a:p>
           <a:p>
             <a:pPr lvl="4"/>
             <a:r>
-              <a:rPr lang="en-US" noProof="0" smtClean="0"/>
+              <a:rPr lang="en-US" noProof="0"/>
               <a:t>Fifth level</a:t>
             </a:r>
           </a:p>
@@ -518,7 +518,7 @@
                 <a:spcPct val="0"/>
               </a:spcBef>
             </a:pPr>
-            <a:endParaRPr lang="en-GB" dirty="0" smtClean="0"/>
+            <a:endParaRPr lang="en-GB" dirty="0"/>
           </a:p>
         </p:txBody>
       </p:sp>
@@ -657,7 +657,7 @@
                 <a:spcPct val="0"/>
               </a:spcBef>
             </a:pPr>
-            <a:endParaRPr lang="en-GB" dirty="0" smtClean="0"/>
+            <a:endParaRPr lang="en-GB" dirty="0"/>
           </a:p>
         </p:txBody>
       </p:sp>
@@ -796,7 +796,7 @@
                 <a:spcPct val="0"/>
               </a:spcBef>
             </a:pPr>
-            <a:endParaRPr lang="en-GB" dirty="0" smtClean="0"/>
+            <a:endParaRPr lang="en-GB" dirty="0"/>
           </a:p>
         </p:txBody>
       </p:sp>
@@ -935,7 +935,7 @@
                 <a:spcPct val="0"/>
               </a:spcBef>
             </a:pPr>
-            <a:endParaRPr lang="en-GB" dirty="0" smtClean="0"/>
+            <a:endParaRPr lang="en-GB" dirty="0"/>
           </a:p>
         </p:txBody>
       </p:sp>
@@ -1069,12 +1069,35 @@
           </a:bodyPr>
           <a:lstStyle/>
           <a:p>
+            <a:pPr marL="0" marR="0" lvl="0" indent="0" algn="l" defTabSz="914400" rtl="0" eaLnBrk="0" fontAlgn="base" latinLnBrk="0" hangingPunct="0">
+              <a:lnSpc>
+                <a:spcPct val="100000"/>
+              </a:lnSpc>
+              <a:spcBef>
+                <a:spcPct val="0"/>
+              </a:spcBef>
+              <a:spcAft>
+                <a:spcPct val="0"/>
+              </a:spcAft>
+              <a:buClrTx/>
+              <a:buSzTx/>
+              <a:buFontTx/>
+              <a:buNone/>
+              <a:tabLst/>
+              <a:defRPr/>
+            </a:pPr>
+            <a:r>
+              <a:rPr lang="en-GB" dirty="0"/>
+              <a:t>The gains for speakers 1, 2 and 3 are calculated by multiplying the transform of the point source by the inverse matrix of the loudspeaker locations. Of course when using a 3D speaker array there are more than 3 speakers and the formula is applied to the active triplet. An active triplet is simply chosen by the triplet that the point source lies within. Once the gains have been calculated they are then normalised. There are alternates for calculating the gains such as simultaneous equations or Cramer’s Rule.</a:t>
+            </a:r>
+          </a:p>
+          <a:p>
             <a:pPr>
               <a:spcBef>
                 <a:spcPct val="0"/>
               </a:spcBef>
             </a:pPr>
-            <a:endParaRPr lang="en-GB" dirty="0" smtClean="0"/>
+            <a:endParaRPr lang="en-GB" dirty="0"/>
           </a:p>
         </p:txBody>
       </p:sp>
@@ -1213,7 +1236,7 @@
                 <a:spcPct val="0"/>
               </a:spcBef>
             </a:pPr>
-            <a:endParaRPr lang="en-GB" dirty="0" smtClean="0"/>
+            <a:endParaRPr lang="en-GB" dirty="0"/>
           </a:p>
         </p:txBody>
       </p:sp>
@@ -1325,10 +1348,9 @@
           <a:lstStyle/>
           <a:p>
             <a:r>
-              <a:rPr lang="en-US" smtClean="0"/>
+              <a:rPr lang="en-US"/>
               <a:t>Click to edit Master title style</a:t>
             </a:r>
-            <a:endParaRPr lang="en-US"/>
           </a:p>
         </p:txBody>
       </p:sp>
@@ -1390,10 +1412,9 @@
           </a:lstStyle>
           <a:p>
             <a:r>
-              <a:rPr lang="en-US" smtClean="0"/>
+              <a:rPr lang="en-US"/>
               <a:t>Click to edit Master subtitle style</a:t>
             </a:r>
-            <a:endParaRPr lang="en-US"/>
           </a:p>
         </p:txBody>
       </p:sp>
@@ -1439,10 +1460,9 @@
           <a:lstStyle/>
           <a:p>
             <a:r>
-              <a:rPr lang="en-US" smtClean="0"/>
+              <a:rPr lang="en-US"/>
               <a:t>Click to edit Master title style</a:t>
             </a:r>
-            <a:endParaRPr lang="en-US"/>
           </a:p>
         </p:txBody>
       </p:sp>
@@ -1463,38 +1483,37 @@
           <a:p>
             <a:pPr lvl="0"/>
             <a:r>
-              <a:rPr lang="en-US" smtClean="0"/>
+              <a:rPr lang="en-US"/>
               <a:t>Click to edit Master text styles</a:t>
             </a:r>
           </a:p>
           <a:p>
             <a:pPr lvl="1"/>
             <a:r>
-              <a:rPr lang="en-US" smtClean="0"/>
+              <a:rPr lang="en-US"/>
               <a:t>Second level</a:t>
             </a:r>
           </a:p>
           <a:p>
             <a:pPr lvl="2"/>
             <a:r>
-              <a:rPr lang="en-US" smtClean="0"/>
+              <a:rPr lang="en-US"/>
               <a:t>Third level</a:t>
             </a:r>
           </a:p>
           <a:p>
             <a:pPr lvl="3"/>
             <a:r>
-              <a:rPr lang="en-US" smtClean="0"/>
+              <a:rPr lang="en-US"/>
               <a:t>Fourth level</a:t>
             </a:r>
           </a:p>
           <a:p>
             <a:pPr lvl="4"/>
             <a:r>
-              <a:rPr lang="en-US" smtClean="0"/>
+              <a:rPr lang="en-US"/>
               <a:t>Fifth level</a:t>
             </a:r>
-            <a:endParaRPr lang="en-US"/>
           </a:p>
         </p:txBody>
       </p:sp>
@@ -1545,10 +1564,9 @@
           <a:lstStyle/>
           <a:p>
             <a:r>
-              <a:rPr lang="en-US" smtClean="0"/>
+              <a:rPr lang="en-US"/>
               <a:t>Click to edit Master title style</a:t>
             </a:r>
-            <a:endParaRPr lang="en-US"/>
           </a:p>
         </p:txBody>
       </p:sp>
@@ -1574,38 +1592,37 @@
           <a:p>
             <a:pPr lvl="0"/>
             <a:r>
-              <a:rPr lang="en-US" smtClean="0"/>
+              <a:rPr lang="en-US"/>
               <a:t>Click to edit Master text styles</a:t>
             </a:r>
           </a:p>
           <a:p>
             <a:pPr lvl="1"/>
             <a:r>
-              <a:rPr lang="en-US" smtClean="0"/>
+              <a:rPr lang="en-US"/>
               <a:t>Second level</a:t>
             </a:r>
           </a:p>
           <a:p>
             <a:pPr lvl="2"/>
             <a:r>
-              <a:rPr lang="en-US" smtClean="0"/>
+              <a:rPr lang="en-US"/>
               <a:t>Third level</a:t>
             </a:r>
           </a:p>
           <a:p>
             <a:pPr lvl="3"/>
             <a:r>
-              <a:rPr lang="en-US" smtClean="0"/>
+              <a:rPr lang="en-US"/>
               <a:t>Fourth level</a:t>
             </a:r>
           </a:p>
           <a:p>
             <a:pPr lvl="4"/>
             <a:r>
-              <a:rPr lang="en-US" smtClean="0"/>
+              <a:rPr lang="en-US"/>
               <a:t>Fifth level</a:t>
             </a:r>
-            <a:endParaRPr lang="en-US"/>
           </a:p>
         </p:txBody>
       </p:sp>
@@ -1656,10 +1673,9 @@
           <a:lstStyle/>
           <a:p>
             <a:r>
-              <a:rPr lang="en-US" smtClean="0"/>
+              <a:rPr lang="en-US"/>
               <a:t>Click to edit Master title style</a:t>
             </a:r>
-            <a:endParaRPr lang="en-US"/>
           </a:p>
         </p:txBody>
       </p:sp>
@@ -1721,10 +1737,9 @@
           </a:lstStyle>
           <a:p>
             <a:r>
-              <a:rPr lang="en-US" smtClean="0"/>
+              <a:rPr lang="en-US"/>
               <a:t>Click to edit Master subtitle style</a:t>
             </a:r>
-            <a:endParaRPr lang="en-US"/>
           </a:p>
         </p:txBody>
       </p:sp>
@@ -1770,10 +1785,9 @@
           <a:lstStyle/>
           <a:p>
             <a:r>
-              <a:rPr lang="en-US" smtClean="0"/>
+              <a:rPr lang="en-US"/>
               <a:t>Click to edit Master title style</a:t>
             </a:r>
-            <a:endParaRPr lang="en-US"/>
           </a:p>
         </p:txBody>
       </p:sp>
@@ -1794,38 +1808,37 @@
           <a:p>
             <a:pPr lvl="0"/>
             <a:r>
-              <a:rPr lang="en-US" smtClean="0"/>
+              <a:rPr lang="en-US"/>
               <a:t>Click to edit Master text styles</a:t>
             </a:r>
           </a:p>
           <a:p>
             <a:pPr lvl="1"/>
             <a:r>
-              <a:rPr lang="en-US" smtClean="0"/>
+              <a:rPr lang="en-US"/>
               <a:t>Second level</a:t>
             </a:r>
           </a:p>
           <a:p>
             <a:pPr lvl="2"/>
             <a:r>
-              <a:rPr lang="en-US" smtClean="0"/>
+              <a:rPr lang="en-US"/>
               <a:t>Third level</a:t>
             </a:r>
           </a:p>
           <a:p>
             <a:pPr lvl="3"/>
             <a:r>
-              <a:rPr lang="en-US" smtClean="0"/>
+              <a:rPr lang="en-US"/>
               <a:t>Fourth level</a:t>
             </a:r>
           </a:p>
           <a:p>
             <a:pPr lvl="4"/>
             <a:r>
-              <a:rPr lang="en-US" smtClean="0"/>
+              <a:rPr lang="en-US"/>
               <a:t>Fifth level</a:t>
             </a:r>
-            <a:endParaRPr lang="en-US"/>
           </a:p>
         </p:txBody>
       </p:sp>
@@ -1880,10 +1893,9 @@
           </a:lstStyle>
           <a:p>
             <a:r>
-              <a:rPr lang="en-US" smtClean="0"/>
+              <a:rPr lang="en-US"/>
               <a:t>Click to edit Master title style</a:t>
             </a:r>
-            <a:endParaRPr lang="en-US"/>
           </a:p>
         </p:txBody>
       </p:sp>
@@ -1946,7 +1958,7 @@
           <a:p>
             <a:pPr lvl="0"/>
             <a:r>
-              <a:rPr lang="en-US" smtClean="0"/>
+              <a:rPr lang="en-US"/>
               <a:t>Click to edit Master text styles</a:t>
             </a:r>
           </a:p>
@@ -1994,10 +2006,9 @@
           <a:lstStyle/>
           <a:p>
             <a:r>
-              <a:rPr lang="en-US" smtClean="0"/>
+              <a:rPr lang="en-US"/>
               <a:t>Click to edit Master title style</a:t>
             </a:r>
-            <a:endParaRPr lang="en-US"/>
           </a:p>
         </p:txBody>
       </p:sp>
@@ -2051,38 +2062,37 @@
           <a:p>
             <a:pPr lvl="0"/>
             <a:r>
-              <a:rPr lang="en-US" smtClean="0"/>
+              <a:rPr lang="en-US"/>
               <a:t>Click to edit Master text styles</a:t>
             </a:r>
           </a:p>
           <a:p>
             <a:pPr lvl="1"/>
             <a:r>
-              <a:rPr lang="en-US" smtClean="0"/>
+              <a:rPr lang="en-US"/>
               <a:t>Second level</a:t>
             </a:r>
           </a:p>
           <a:p>
             <a:pPr lvl="2"/>
             <a:r>
-              <a:rPr lang="en-US" smtClean="0"/>
+              <a:rPr lang="en-US"/>
               <a:t>Third level</a:t>
             </a:r>
           </a:p>
           <a:p>
             <a:pPr lvl="3"/>
             <a:r>
-              <a:rPr lang="en-US" smtClean="0"/>
+              <a:rPr lang="en-US"/>
               <a:t>Fourth level</a:t>
             </a:r>
           </a:p>
           <a:p>
             <a:pPr lvl="4"/>
             <a:r>
-              <a:rPr lang="en-US" smtClean="0"/>
+              <a:rPr lang="en-US"/>
               <a:t>Fifth level</a:t>
             </a:r>
-            <a:endParaRPr lang="en-US"/>
           </a:p>
         </p:txBody>
       </p:sp>
@@ -2136,38 +2146,37 @@
           <a:p>
             <a:pPr lvl="0"/>
             <a:r>
-              <a:rPr lang="en-US" smtClean="0"/>
+              <a:rPr lang="en-US"/>
               <a:t>Click to edit Master text styles</a:t>
             </a:r>
           </a:p>
           <a:p>
             <a:pPr lvl="1"/>
             <a:r>
-              <a:rPr lang="en-US" smtClean="0"/>
+              <a:rPr lang="en-US"/>
               <a:t>Second level</a:t>
             </a:r>
           </a:p>
           <a:p>
             <a:pPr lvl="2"/>
             <a:r>
-              <a:rPr lang="en-US" smtClean="0"/>
+              <a:rPr lang="en-US"/>
               <a:t>Third level</a:t>
             </a:r>
           </a:p>
           <a:p>
             <a:pPr lvl="3"/>
             <a:r>
-              <a:rPr lang="en-US" smtClean="0"/>
+              <a:rPr lang="en-US"/>
               <a:t>Fourth level</a:t>
             </a:r>
           </a:p>
           <a:p>
             <a:pPr lvl="4"/>
             <a:r>
-              <a:rPr lang="en-US" smtClean="0"/>
+              <a:rPr lang="en-US"/>
               <a:t>Fifth level</a:t>
             </a:r>
-            <a:endParaRPr lang="en-US"/>
           </a:p>
         </p:txBody>
       </p:sp>
@@ -2222,10 +2231,9 @@
           </a:lstStyle>
           <a:p>
             <a:r>
-              <a:rPr lang="en-US" smtClean="0"/>
+              <a:rPr lang="en-US"/>
               <a:t>Click to edit Master title style</a:t>
             </a:r>
-            <a:endParaRPr lang="en-US"/>
           </a:p>
         </p:txBody>
       </p:sp>
@@ -2288,7 +2296,7 @@
           <a:p>
             <a:pPr lvl="0"/>
             <a:r>
-              <a:rPr lang="en-US" smtClean="0"/>
+              <a:rPr lang="en-US"/>
               <a:t>Click to edit Master text styles</a:t>
             </a:r>
           </a:p>
@@ -2344,38 +2352,37 @@
           <a:p>
             <a:pPr lvl="0"/>
             <a:r>
-              <a:rPr lang="en-US" smtClean="0"/>
+              <a:rPr lang="en-US"/>
               <a:t>Click to edit Master text styles</a:t>
             </a:r>
           </a:p>
           <a:p>
             <a:pPr lvl="1"/>
             <a:r>
-              <a:rPr lang="en-US" smtClean="0"/>
+              <a:rPr lang="en-US"/>
               <a:t>Second level</a:t>
             </a:r>
           </a:p>
           <a:p>
             <a:pPr lvl="2"/>
             <a:r>
-              <a:rPr lang="en-US" smtClean="0"/>
+              <a:rPr lang="en-US"/>
               <a:t>Third level</a:t>
             </a:r>
           </a:p>
           <a:p>
             <a:pPr lvl="3"/>
             <a:r>
-              <a:rPr lang="en-US" smtClean="0"/>
+              <a:rPr lang="en-US"/>
               <a:t>Fourth level</a:t>
             </a:r>
           </a:p>
           <a:p>
             <a:pPr lvl="4"/>
             <a:r>
-              <a:rPr lang="en-US" smtClean="0"/>
+              <a:rPr lang="en-US"/>
               <a:t>Fifth level</a:t>
             </a:r>
-            <a:endParaRPr lang="en-US"/>
           </a:p>
         </p:txBody>
       </p:sp>
@@ -2438,7 +2445,7 @@
           <a:p>
             <a:pPr lvl="0"/>
             <a:r>
-              <a:rPr lang="en-US" smtClean="0"/>
+              <a:rPr lang="en-US"/>
               <a:t>Click to edit Master text styles</a:t>
             </a:r>
           </a:p>
@@ -2494,38 +2501,37 @@
           <a:p>
             <a:pPr lvl="0"/>
             <a:r>
-              <a:rPr lang="en-US" smtClean="0"/>
+              <a:rPr lang="en-US"/>
               <a:t>Click to edit Master text styles</a:t>
             </a:r>
           </a:p>
           <a:p>
             <a:pPr lvl="1"/>
             <a:r>
-              <a:rPr lang="en-US" smtClean="0"/>
+              <a:rPr lang="en-US"/>
               <a:t>Second level</a:t>
             </a:r>
           </a:p>
           <a:p>
             <a:pPr lvl="2"/>
             <a:r>
-              <a:rPr lang="en-US" smtClean="0"/>
+              <a:rPr lang="en-US"/>
               <a:t>Third level</a:t>
             </a:r>
           </a:p>
           <a:p>
             <a:pPr lvl="3"/>
             <a:r>
-              <a:rPr lang="en-US" smtClean="0"/>
+              <a:rPr lang="en-US"/>
               <a:t>Fourth level</a:t>
             </a:r>
           </a:p>
           <a:p>
             <a:pPr lvl="4"/>
             <a:r>
-              <a:rPr lang="en-US" smtClean="0"/>
+              <a:rPr lang="en-US"/>
               <a:t>Fifth level</a:t>
             </a:r>
-            <a:endParaRPr lang="en-US"/>
           </a:p>
         </p:txBody>
       </p:sp>
@@ -2571,10 +2577,9 @@
           <a:lstStyle/>
           <a:p>
             <a:r>
-              <a:rPr lang="en-US" smtClean="0"/>
+              <a:rPr lang="en-US"/>
               <a:t>Click to edit Master title style</a:t>
             </a:r>
-            <a:endParaRPr lang="en-US"/>
           </a:p>
         </p:txBody>
       </p:sp>
@@ -2655,10 +2660,9 @@
           </a:lstStyle>
           <a:p>
             <a:r>
-              <a:rPr lang="en-US" smtClean="0"/>
+              <a:rPr lang="en-US"/>
               <a:t>Click to edit Master title style</a:t>
             </a:r>
-            <a:endParaRPr lang="en-US"/>
           </a:p>
         </p:txBody>
       </p:sp>
@@ -2712,38 +2716,37 @@
           <a:p>
             <a:pPr lvl="0"/>
             <a:r>
-              <a:rPr lang="en-US" smtClean="0"/>
+              <a:rPr lang="en-US"/>
               <a:t>Click to edit Master text styles</a:t>
             </a:r>
           </a:p>
           <a:p>
             <a:pPr lvl="1"/>
             <a:r>
-              <a:rPr lang="en-US" smtClean="0"/>
+              <a:rPr lang="en-US"/>
               <a:t>Second level</a:t>
             </a:r>
           </a:p>
           <a:p>
             <a:pPr lvl="2"/>
             <a:r>
-              <a:rPr lang="en-US" smtClean="0"/>
+              <a:rPr lang="en-US"/>
               <a:t>Third level</a:t>
             </a:r>
           </a:p>
           <a:p>
             <a:pPr lvl="3"/>
             <a:r>
-              <a:rPr lang="en-US" smtClean="0"/>
+              <a:rPr lang="en-US"/>
               <a:t>Fourth level</a:t>
             </a:r>
           </a:p>
           <a:p>
             <a:pPr lvl="4"/>
             <a:r>
-              <a:rPr lang="en-US" smtClean="0"/>
+              <a:rPr lang="en-US"/>
               <a:t>Fifth level</a:t>
             </a:r>
-            <a:endParaRPr lang="en-US"/>
           </a:p>
         </p:txBody>
       </p:sp>
@@ -2806,7 +2809,7 @@
           <a:p>
             <a:pPr lvl="0"/>
             <a:r>
-              <a:rPr lang="en-US" smtClean="0"/>
+              <a:rPr lang="en-US"/>
               <a:t>Click to edit Master text styles</a:t>
             </a:r>
           </a:p>
@@ -2854,10 +2857,9 @@
           <a:lstStyle/>
           <a:p>
             <a:r>
-              <a:rPr lang="en-US" smtClean="0"/>
+              <a:rPr lang="en-US"/>
               <a:t>Click to edit Master title style</a:t>
             </a:r>
-            <a:endParaRPr lang="en-US"/>
           </a:p>
         </p:txBody>
       </p:sp>
@@ -2878,38 +2880,37 @@
           <a:p>
             <a:pPr lvl="0"/>
             <a:r>
-              <a:rPr lang="en-US" smtClean="0"/>
+              <a:rPr lang="en-US"/>
               <a:t>Click to edit Master text styles</a:t>
             </a:r>
           </a:p>
           <a:p>
             <a:pPr lvl="1"/>
             <a:r>
-              <a:rPr lang="en-US" smtClean="0"/>
+              <a:rPr lang="en-US"/>
               <a:t>Second level</a:t>
             </a:r>
           </a:p>
           <a:p>
             <a:pPr lvl="2"/>
             <a:r>
-              <a:rPr lang="en-US" smtClean="0"/>
+              <a:rPr lang="en-US"/>
               <a:t>Third level</a:t>
             </a:r>
           </a:p>
           <a:p>
             <a:pPr lvl="3"/>
             <a:r>
-              <a:rPr lang="en-US" smtClean="0"/>
+              <a:rPr lang="en-US"/>
               <a:t>Fourth level</a:t>
             </a:r>
           </a:p>
           <a:p>
             <a:pPr lvl="4"/>
             <a:r>
-              <a:rPr lang="en-US" smtClean="0"/>
+              <a:rPr lang="en-US"/>
               <a:t>Fifth level</a:t>
             </a:r>
-            <a:endParaRPr lang="en-US"/>
           </a:p>
         </p:txBody>
       </p:sp>
@@ -2964,10 +2965,9 @@
           </a:lstStyle>
           <a:p>
             <a:r>
-              <a:rPr lang="en-US" smtClean="0"/>
+              <a:rPr lang="en-US"/>
               <a:t>Click to edit Master title style</a:t>
             </a:r>
-            <a:endParaRPr lang="en-US"/>
           </a:p>
         </p:txBody>
       </p:sp>
@@ -3029,7 +3029,7 @@
           </a:lstStyle>
           <a:p>
             <a:pPr lvl="0"/>
-            <a:endParaRPr lang="en-US" noProof="0" smtClean="0">
+            <a:endParaRPr lang="en-US" noProof="0">
               <a:sym typeface="Arial" charset="0"/>
             </a:endParaRPr>
           </a:p>
@@ -3094,7 +3094,7 @@
           <a:p>
             <a:pPr lvl="0"/>
             <a:r>
-              <a:rPr lang="en-US" smtClean="0"/>
+              <a:rPr lang="en-US"/>
               <a:t>Click to edit Master text styles</a:t>
             </a:r>
           </a:p>
@@ -3142,10 +3142,9 @@
           <a:lstStyle/>
           <a:p>
             <a:r>
-              <a:rPr lang="en-US" smtClean="0"/>
+              <a:rPr lang="en-US"/>
               <a:t>Click to edit Master title style</a:t>
             </a:r>
-            <a:endParaRPr lang="en-US"/>
           </a:p>
         </p:txBody>
       </p:sp>
@@ -3166,38 +3165,37 @@
           <a:p>
             <a:pPr lvl="0"/>
             <a:r>
-              <a:rPr lang="en-US" smtClean="0"/>
+              <a:rPr lang="en-US"/>
               <a:t>Click to edit Master text styles</a:t>
             </a:r>
           </a:p>
           <a:p>
             <a:pPr lvl="1"/>
             <a:r>
-              <a:rPr lang="en-US" smtClean="0"/>
+              <a:rPr lang="en-US"/>
               <a:t>Second level</a:t>
             </a:r>
           </a:p>
           <a:p>
             <a:pPr lvl="2"/>
             <a:r>
-              <a:rPr lang="en-US" smtClean="0"/>
+              <a:rPr lang="en-US"/>
               <a:t>Third level</a:t>
             </a:r>
           </a:p>
           <a:p>
             <a:pPr lvl="3"/>
             <a:r>
-              <a:rPr lang="en-US" smtClean="0"/>
+              <a:rPr lang="en-US"/>
               <a:t>Fourth level</a:t>
             </a:r>
           </a:p>
           <a:p>
             <a:pPr lvl="4"/>
             <a:r>
-              <a:rPr lang="en-US" smtClean="0"/>
+              <a:rPr lang="en-US"/>
               <a:t>Fifth level</a:t>
             </a:r>
-            <a:endParaRPr lang="en-US"/>
           </a:p>
         </p:txBody>
       </p:sp>
@@ -3248,10 +3246,9 @@
           <a:lstStyle/>
           <a:p>
             <a:r>
-              <a:rPr lang="en-US" smtClean="0"/>
+              <a:rPr lang="en-US"/>
               <a:t>Click to edit Master title style</a:t>
             </a:r>
-            <a:endParaRPr lang="en-US"/>
           </a:p>
         </p:txBody>
       </p:sp>
@@ -3277,38 +3274,37 @@
           <a:p>
             <a:pPr lvl="0"/>
             <a:r>
-              <a:rPr lang="en-US" smtClean="0"/>
+              <a:rPr lang="en-US"/>
               <a:t>Click to edit Master text styles</a:t>
             </a:r>
           </a:p>
           <a:p>
             <a:pPr lvl="1"/>
             <a:r>
-              <a:rPr lang="en-US" smtClean="0"/>
+              <a:rPr lang="en-US"/>
               <a:t>Second level</a:t>
             </a:r>
           </a:p>
           <a:p>
             <a:pPr lvl="2"/>
             <a:r>
-              <a:rPr lang="en-US" smtClean="0"/>
+              <a:rPr lang="en-US"/>
               <a:t>Third level</a:t>
             </a:r>
           </a:p>
           <a:p>
             <a:pPr lvl="3"/>
             <a:r>
-              <a:rPr lang="en-US" smtClean="0"/>
+              <a:rPr lang="en-US"/>
               <a:t>Fourth level</a:t>
             </a:r>
           </a:p>
           <a:p>
             <a:pPr lvl="4"/>
             <a:r>
-              <a:rPr lang="en-US" smtClean="0"/>
+              <a:rPr lang="en-US"/>
               <a:t>Fifth level</a:t>
             </a:r>
-            <a:endParaRPr lang="en-US"/>
           </a:p>
         </p:txBody>
       </p:sp>
@@ -3359,10 +3355,9 @@
           <a:lstStyle/>
           <a:p>
             <a:r>
-              <a:rPr lang="en-US" smtClean="0"/>
+              <a:rPr lang="en-US"/>
               <a:t>Click to edit Master title style</a:t>
             </a:r>
-            <a:endParaRPr lang="en-US"/>
           </a:p>
         </p:txBody>
       </p:sp>
@@ -3424,10 +3419,9 @@
           </a:lstStyle>
           <a:p>
             <a:r>
-              <a:rPr lang="en-US" smtClean="0"/>
+              <a:rPr lang="en-US"/>
               <a:t>Click to edit Master subtitle style</a:t>
             </a:r>
-            <a:endParaRPr lang="en-US"/>
           </a:p>
         </p:txBody>
       </p:sp>
@@ -3473,10 +3467,9 @@
           <a:lstStyle/>
           <a:p>
             <a:r>
-              <a:rPr lang="en-US" smtClean="0"/>
+              <a:rPr lang="en-US"/>
               <a:t>Click to edit Master title style</a:t>
             </a:r>
-            <a:endParaRPr lang="en-US"/>
           </a:p>
         </p:txBody>
       </p:sp>
@@ -3497,38 +3490,37 @@
           <a:p>
             <a:pPr lvl="0"/>
             <a:r>
-              <a:rPr lang="en-US" smtClean="0"/>
+              <a:rPr lang="en-US"/>
               <a:t>Click to edit Master text styles</a:t>
             </a:r>
           </a:p>
           <a:p>
             <a:pPr lvl="1"/>
             <a:r>
-              <a:rPr lang="en-US" smtClean="0"/>
+              <a:rPr lang="en-US"/>
               <a:t>Second level</a:t>
             </a:r>
           </a:p>
           <a:p>
             <a:pPr lvl="2"/>
             <a:r>
-              <a:rPr lang="en-US" smtClean="0"/>
+              <a:rPr lang="en-US"/>
               <a:t>Third level</a:t>
             </a:r>
           </a:p>
           <a:p>
             <a:pPr lvl="3"/>
             <a:r>
-              <a:rPr lang="en-US" smtClean="0"/>
+              <a:rPr lang="en-US"/>
               <a:t>Fourth level</a:t>
             </a:r>
           </a:p>
           <a:p>
             <a:pPr lvl="4"/>
             <a:r>
-              <a:rPr lang="en-US" smtClean="0"/>
+              <a:rPr lang="en-US"/>
               <a:t>Fifth level</a:t>
             </a:r>
-            <a:endParaRPr lang="en-US"/>
           </a:p>
         </p:txBody>
       </p:sp>
@@ -3583,10 +3575,9 @@
           </a:lstStyle>
           <a:p>
             <a:r>
-              <a:rPr lang="en-US" smtClean="0"/>
+              <a:rPr lang="en-US"/>
               <a:t>Click to edit Master title style</a:t>
             </a:r>
-            <a:endParaRPr lang="en-US"/>
           </a:p>
         </p:txBody>
       </p:sp>
@@ -3649,7 +3640,7 @@
           <a:p>
             <a:pPr lvl="0"/>
             <a:r>
-              <a:rPr lang="en-US" smtClean="0"/>
+              <a:rPr lang="en-US"/>
               <a:t>Click to edit Master text styles</a:t>
             </a:r>
           </a:p>
@@ -3697,10 +3688,9 @@
           <a:lstStyle/>
           <a:p>
             <a:r>
-              <a:rPr lang="en-US" smtClean="0"/>
+              <a:rPr lang="en-US"/>
               <a:t>Click to edit Master title style</a:t>
             </a:r>
-            <a:endParaRPr lang="en-US"/>
           </a:p>
         </p:txBody>
       </p:sp>
@@ -3754,38 +3744,37 @@
           <a:p>
             <a:pPr lvl="0"/>
             <a:r>
-              <a:rPr lang="en-US" smtClean="0"/>
+              <a:rPr lang="en-US"/>
               <a:t>Click to edit Master text styles</a:t>
             </a:r>
           </a:p>
           <a:p>
             <a:pPr lvl="1"/>
             <a:r>
-              <a:rPr lang="en-US" smtClean="0"/>
+              <a:rPr lang="en-US"/>
               <a:t>Second level</a:t>
             </a:r>
           </a:p>
           <a:p>
             <a:pPr lvl="2"/>
             <a:r>
-              <a:rPr lang="en-US" smtClean="0"/>
+              <a:rPr lang="en-US"/>
               <a:t>Third level</a:t>
             </a:r>
           </a:p>
           <a:p>
             <a:pPr lvl="3"/>
             <a:r>
-              <a:rPr lang="en-US" smtClean="0"/>
+              <a:rPr lang="en-US"/>
               <a:t>Fourth level</a:t>
             </a:r>
           </a:p>
           <a:p>
             <a:pPr lvl="4"/>
             <a:r>
-              <a:rPr lang="en-US" smtClean="0"/>
+              <a:rPr lang="en-US"/>
               <a:t>Fifth level</a:t>
             </a:r>
-            <a:endParaRPr lang="en-US"/>
           </a:p>
         </p:txBody>
       </p:sp>
@@ -3839,38 +3828,37 @@
           <a:p>
             <a:pPr lvl="0"/>
             <a:r>
-              <a:rPr lang="en-US" smtClean="0"/>
+              <a:rPr lang="en-US"/>
               <a:t>Click to edit Master text styles</a:t>
             </a:r>
           </a:p>
           <a:p>
             <a:pPr lvl="1"/>
             <a:r>
-              <a:rPr lang="en-US" smtClean="0"/>
+              <a:rPr lang="en-US"/>
               <a:t>Second level</a:t>
             </a:r>
           </a:p>
           <a:p>
             <a:pPr lvl="2"/>
             <a:r>
-              <a:rPr lang="en-US" smtClean="0"/>
+              <a:rPr lang="en-US"/>
               <a:t>Third level</a:t>
             </a:r>
           </a:p>
           <a:p>
             <a:pPr lvl="3"/>
             <a:r>
-              <a:rPr lang="en-US" smtClean="0"/>
+              <a:rPr lang="en-US"/>
               <a:t>Fourth level</a:t>
             </a:r>
           </a:p>
           <a:p>
             <a:pPr lvl="4"/>
             <a:r>
-              <a:rPr lang="en-US" smtClean="0"/>
+              <a:rPr lang="en-US"/>
               <a:t>Fifth level</a:t>
             </a:r>
-            <a:endParaRPr lang="en-US"/>
           </a:p>
         </p:txBody>
       </p:sp>
@@ -3925,10 +3913,9 @@
           </a:lstStyle>
           <a:p>
             <a:r>
-              <a:rPr lang="en-US" smtClean="0"/>
+              <a:rPr lang="en-US"/>
               <a:t>Click to edit Master title style</a:t>
             </a:r>
-            <a:endParaRPr lang="en-US"/>
           </a:p>
         </p:txBody>
       </p:sp>
@@ -3991,7 +3978,7 @@
           <a:p>
             <a:pPr lvl="0"/>
             <a:r>
-              <a:rPr lang="en-US" smtClean="0"/>
+              <a:rPr lang="en-US"/>
               <a:t>Click to edit Master text styles</a:t>
             </a:r>
           </a:p>
@@ -4047,38 +4034,37 @@
           <a:p>
             <a:pPr lvl="0"/>
             <a:r>
-              <a:rPr lang="en-US" smtClean="0"/>
+              <a:rPr lang="en-US"/>
               <a:t>Click to edit Master text styles</a:t>
             </a:r>
           </a:p>
           <a:p>
             <a:pPr lvl="1"/>
             <a:r>
-              <a:rPr lang="en-US" smtClean="0"/>
+              <a:rPr lang="en-US"/>
               <a:t>Second level</a:t>
             </a:r>
           </a:p>
           <a:p>
             <a:pPr lvl="2"/>
             <a:r>
-              <a:rPr lang="en-US" smtClean="0"/>
+              <a:rPr lang="en-US"/>
               <a:t>Third level</a:t>
             </a:r>
           </a:p>
           <a:p>
             <a:pPr lvl="3"/>
             <a:r>
-              <a:rPr lang="en-US" smtClean="0"/>
+              <a:rPr lang="en-US"/>
               <a:t>Fourth level</a:t>
             </a:r>
           </a:p>
           <a:p>
             <a:pPr lvl="4"/>
             <a:r>
-              <a:rPr lang="en-US" smtClean="0"/>
+              <a:rPr lang="en-US"/>
               <a:t>Fifth level</a:t>
             </a:r>
-            <a:endParaRPr lang="en-US"/>
           </a:p>
         </p:txBody>
       </p:sp>
@@ -4141,7 +4127,7 @@
           <a:p>
             <a:pPr lvl="0"/>
             <a:r>
-              <a:rPr lang="en-US" smtClean="0"/>
+              <a:rPr lang="en-US"/>
               <a:t>Click to edit Master text styles</a:t>
             </a:r>
           </a:p>
@@ -4197,38 +4183,37 @@
           <a:p>
             <a:pPr lvl="0"/>
             <a:r>
-              <a:rPr lang="en-US" smtClean="0"/>
+              <a:rPr lang="en-US"/>
               <a:t>Click to edit Master text styles</a:t>
             </a:r>
           </a:p>
           <a:p>
             <a:pPr lvl="1"/>
             <a:r>
-              <a:rPr lang="en-US" smtClean="0"/>
+              <a:rPr lang="en-US"/>
               <a:t>Second level</a:t>
             </a:r>
           </a:p>
           <a:p>
             <a:pPr lvl="2"/>
             <a:r>
-              <a:rPr lang="en-US" smtClean="0"/>
+              <a:rPr lang="en-US"/>
               <a:t>Third level</a:t>
             </a:r>
           </a:p>
           <a:p>
             <a:pPr lvl="3"/>
             <a:r>
-              <a:rPr lang="en-US" smtClean="0"/>
+              <a:rPr lang="en-US"/>
               <a:t>Fourth level</a:t>
             </a:r>
           </a:p>
           <a:p>
             <a:pPr lvl="4"/>
             <a:r>
-              <a:rPr lang="en-US" smtClean="0"/>
+              <a:rPr lang="en-US"/>
               <a:t>Fifth level</a:t>
             </a:r>
-            <a:endParaRPr lang="en-US"/>
           </a:p>
         </p:txBody>
       </p:sp>
@@ -4274,10 +4259,9 @@
           <a:lstStyle/>
           <a:p>
             <a:r>
-              <a:rPr lang="en-US" smtClean="0"/>
+              <a:rPr lang="en-US"/>
               <a:t>Click to edit Master title style</a:t>
             </a:r>
-            <a:endParaRPr lang="en-US"/>
           </a:p>
         </p:txBody>
       </p:sp>
@@ -4358,10 +4342,9 @@
           </a:lstStyle>
           <a:p>
             <a:r>
-              <a:rPr lang="en-US" smtClean="0"/>
+              <a:rPr lang="en-US"/>
               <a:t>Click to edit Master title style</a:t>
             </a:r>
-            <a:endParaRPr lang="en-US"/>
           </a:p>
         </p:txBody>
       </p:sp>
@@ -4424,7 +4407,7 @@
           <a:p>
             <a:pPr lvl="0"/>
             <a:r>
-              <a:rPr lang="en-US" smtClean="0"/>
+              <a:rPr lang="en-US"/>
               <a:t>Click to edit Master text styles</a:t>
             </a:r>
           </a:p>
@@ -4481,10 +4464,9 @@
           </a:lstStyle>
           <a:p>
             <a:r>
-              <a:rPr lang="en-US" smtClean="0"/>
+              <a:rPr lang="en-US"/>
               <a:t>Click to edit Master title style</a:t>
             </a:r>
-            <a:endParaRPr lang="en-US"/>
           </a:p>
         </p:txBody>
       </p:sp>
@@ -4538,38 +4520,37 @@
           <a:p>
             <a:pPr lvl="0"/>
             <a:r>
-              <a:rPr lang="en-US" smtClean="0"/>
+              <a:rPr lang="en-US"/>
               <a:t>Click to edit Master text styles</a:t>
             </a:r>
           </a:p>
           <a:p>
             <a:pPr lvl="1"/>
             <a:r>
-              <a:rPr lang="en-US" smtClean="0"/>
+              <a:rPr lang="en-US"/>
               <a:t>Second level</a:t>
             </a:r>
           </a:p>
           <a:p>
             <a:pPr lvl="2"/>
             <a:r>
-              <a:rPr lang="en-US" smtClean="0"/>
+              <a:rPr lang="en-US"/>
               <a:t>Third level</a:t>
             </a:r>
           </a:p>
           <a:p>
             <a:pPr lvl="3"/>
             <a:r>
-              <a:rPr lang="en-US" smtClean="0"/>
+              <a:rPr lang="en-US"/>
               <a:t>Fourth level</a:t>
             </a:r>
           </a:p>
           <a:p>
             <a:pPr lvl="4"/>
             <a:r>
-              <a:rPr lang="en-US" smtClean="0"/>
+              <a:rPr lang="en-US"/>
               <a:t>Fifth level</a:t>
             </a:r>
-            <a:endParaRPr lang="en-US"/>
           </a:p>
         </p:txBody>
       </p:sp>
@@ -4632,7 +4613,7 @@
           <a:p>
             <a:pPr lvl="0"/>
             <a:r>
-              <a:rPr lang="en-US" smtClean="0"/>
+              <a:rPr lang="en-US"/>
               <a:t>Click to edit Master text styles</a:t>
             </a:r>
           </a:p>
@@ -4689,10 +4670,9 @@
           </a:lstStyle>
           <a:p>
             <a:r>
-              <a:rPr lang="en-US" smtClean="0"/>
+              <a:rPr lang="en-US"/>
               <a:t>Click to edit Master title style</a:t>
             </a:r>
-            <a:endParaRPr lang="en-US"/>
           </a:p>
         </p:txBody>
       </p:sp>
@@ -4754,7 +4734,7 @@
           </a:lstStyle>
           <a:p>
             <a:pPr lvl="0"/>
-            <a:endParaRPr lang="en-US" noProof="0" smtClean="0">
+            <a:endParaRPr lang="en-US" noProof="0">
               <a:sym typeface="Arial" charset="0"/>
             </a:endParaRPr>
           </a:p>
@@ -4819,7 +4799,7 @@
           <a:p>
             <a:pPr lvl="0"/>
             <a:r>
-              <a:rPr lang="en-US" smtClean="0"/>
+              <a:rPr lang="en-US"/>
               <a:t>Click to edit Master text styles</a:t>
             </a:r>
           </a:p>
@@ -4867,10 +4847,9 @@
           <a:lstStyle/>
           <a:p>
             <a:r>
-              <a:rPr lang="en-US" smtClean="0"/>
+              <a:rPr lang="en-US"/>
               <a:t>Click to edit Master title style</a:t>
             </a:r>
-            <a:endParaRPr lang="en-US"/>
           </a:p>
         </p:txBody>
       </p:sp>
@@ -4891,38 +4870,37 @@
           <a:p>
             <a:pPr lvl="0"/>
             <a:r>
-              <a:rPr lang="en-US" smtClean="0"/>
+              <a:rPr lang="en-US"/>
               <a:t>Click to edit Master text styles</a:t>
             </a:r>
           </a:p>
           <a:p>
             <a:pPr lvl="1"/>
             <a:r>
-              <a:rPr lang="en-US" smtClean="0"/>
+              <a:rPr lang="en-US"/>
               <a:t>Second level</a:t>
             </a:r>
           </a:p>
           <a:p>
             <a:pPr lvl="2"/>
             <a:r>
-              <a:rPr lang="en-US" smtClean="0"/>
+              <a:rPr lang="en-US"/>
               <a:t>Third level</a:t>
             </a:r>
           </a:p>
           <a:p>
             <a:pPr lvl="3"/>
             <a:r>
-              <a:rPr lang="en-US" smtClean="0"/>
+              <a:rPr lang="en-US"/>
               <a:t>Fourth level</a:t>
             </a:r>
           </a:p>
           <a:p>
             <a:pPr lvl="4"/>
             <a:r>
-              <a:rPr lang="en-US" smtClean="0"/>
+              <a:rPr lang="en-US"/>
               <a:t>Fifth level</a:t>
             </a:r>
-            <a:endParaRPr lang="en-US"/>
           </a:p>
         </p:txBody>
       </p:sp>
@@ -4973,10 +4951,9 @@
           <a:lstStyle/>
           <a:p>
             <a:r>
-              <a:rPr lang="en-US" smtClean="0"/>
+              <a:rPr lang="en-US"/>
               <a:t>Click to edit Master title style</a:t>
             </a:r>
-            <a:endParaRPr lang="en-US"/>
           </a:p>
         </p:txBody>
       </p:sp>
@@ -5002,38 +4979,37 @@
           <a:p>
             <a:pPr lvl="0"/>
             <a:r>
-              <a:rPr lang="en-US" smtClean="0"/>
+              <a:rPr lang="en-US"/>
               <a:t>Click to edit Master text styles</a:t>
             </a:r>
           </a:p>
           <a:p>
             <a:pPr lvl="1"/>
             <a:r>
-              <a:rPr lang="en-US" smtClean="0"/>
+              <a:rPr lang="en-US"/>
               <a:t>Second level</a:t>
             </a:r>
           </a:p>
           <a:p>
             <a:pPr lvl="2"/>
             <a:r>
-              <a:rPr lang="en-US" smtClean="0"/>
+              <a:rPr lang="en-US"/>
               <a:t>Third level</a:t>
             </a:r>
           </a:p>
           <a:p>
             <a:pPr lvl="3"/>
             <a:r>
-              <a:rPr lang="en-US" smtClean="0"/>
+              <a:rPr lang="en-US"/>
               <a:t>Fourth level</a:t>
             </a:r>
           </a:p>
           <a:p>
             <a:pPr lvl="4"/>
             <a:r>
-              <a:rPr lang="en-US" smtClean="0"/>
+              <a:rPr lang="en-US"/>
               <a:t>Fifth level</a:t>
             </a:r>
-            <a:endParaRPr lang="en-US"/>
           </a:p>
         </p:txBody>
       </p:sp>
@@ -5084,10 +5060,9 @@
           <a:lstStyle/>
           <a:p>
             <a:r>
-              <a:rPr lang="en-US" smtClean="0"/>
+              <a:rPr lang="en-US"/>
               <a:t>Click to edit Master title style</a:t>
             </a:r>
-            <a:endParaRPr lang="en-US"/>
           </a:p>
         </p:txBody>
       </p:sp>
@@ -5152,10 +5127,9 @@
           </a:lstStyle>
           <a:p>
             <a:r>
-              <a:rPr lang="en-US" smtClean="0"/>
+              <a:rPr lang="en-US"/>
               <a:t>Click to edit Master subtitle style</a:t>
             </a:r>
-            <a:endParaRPr lang="en-US"/>
           </a:p>
         </p:txBody>
       </p:sp>
@@ -5201,10 +5175,9 @@
           <a:lstStyle/>
           <a:p>
             <a:r>
-              <a:rPr lang="en-US" smtClean="0"/>
+              <a:rPr lang="en-US"/>
               <a:t>Click to edit Master title style</a:t>
             </a:r>
-            <a:endParaRPr lang="en-US"/>
           </a:p>
         </p:txBody>
       </p:sp>
@@ -5233,38 +5206,37 @@
           <a:p>
             <a:pPr lvl="0"/>
             <a:r>
-              <a:rPr lang="en-US" smtClean="0"/>
+              <a:rPr lang="en-US"/>
               <a:t>Click to edit Master text styles</a:t>
             </a:r>
           </a:p>
           <a:p>
             <a:pPr lvl="1"/>
             <a:r>
-              <a:rPr lang="en-US" smtClean="0"/>
+              <a:rPr lang="en-US"/>
               <a:t>Second level</a:t>
             </a:r>
           </a:p>
           <a:p>
             <a:pPr lvl="2"/>
             <a:r>
-              <a:rPr lang="en-US" smtClean="0"/>
+              <a:rPr lang="en-US"/>
               <a:t>Third level</a:t>
             </a:r>
           </a:p>
           <a:p>
             <a:pPr lvl="3"/>
             <a:r>
-              <a:rPr lang="en-US" smtClean="0"/>
+              <a:rPr lang="en-US"/>
               <a:t>Fourth level</a:t>
             </a:r>
           </a:p>
           <a:p>
             <a:pPr lvl="4"/>
             <a:r>
-              <a:rPr lang="en-US" smtClean="0"/>
+              <a:rPr lang="en-US"/>
               <a:t>Fifth level</a:t>
             </a:r>
-            <a:endParaRPr lang="en-US"/>
           </a:p>
         </p:txBody>
       </p:sp>
@@ -5319,10 +5291,9 @@
           </a:lstStyle>
           <a:p>
             <a:r>
-              <a:rPr lang="en-US" smtClean="0"/>
+              <a:rPr lang="en-US"/>
               <a:t>Click to edit Master title style</a:t>
             </a:r>
-            <a:endParaRPr lang="en-US"/>
           </a:p>
         </p:txBody>
       </p:sp>
@@ -5388,7 +5359,7 @@
           <a:p>
             <a:pPr lvl="0"/>
             <a:r>
-              <a:rPr lang="en-US" smtClean="0"/>
+              <a:rPr lang="en-US"/>
               <a:t>Click to edit Master text styles</a:t>
             </a:r>
           </a:p>
@@ -5436,10 +5407,9 @@
           <a:lstStyle/>
           <a:p>
             <a:r>
-              <a:rPr lang="en-US" smtClean="0"/>
+              <a:rPr lang="en-US"/>
               <a:t>Click to edit Master title style</a:t>
             </a:r>
-            <a:endParaRPr lang="en-US"/>
           </a:p>
         </p:txBody>
       </p:sp>
@@ -5496,38 +5466,37 @@
           <a:p>
             <a:pPr lvl="0"/>
             <a:r>
-              <a:rPr lang="en-US" smtClean="0"/>
+              <a:rPr lang="en-US"/>
               <a:t>Click to edit Master text styles</a:t>
             </a:r>
           </a:p>
           <a:p>
             <a:pPr lvl="1"/>
             <a:r>
-              <a:rPr lang="en-US" smtClean="0"/>
+              <a:rPr lang="en-US"/>
               <a:t>Second level</a:t>
             </a:r>
           </a:p>
           <a:p>
             <a:pPr lvl="2"/>
             <a:r>
-              <a:rPr lang="en-US" smtClean="0"/>
+              <a:rPr lang="en-US"/>
               <a:t>Third level</a:t>
             </a:r>
           </a:p>
           <a:p>
             <a:pPr lvl="3"/>
             <a:r>
-              <a:rPr lang="en-US" smtClean="0"/>
+              <a:rPr lang="en-US"/>
               <a:t>Fourth level</a:t>
             </a:r>
           </a:p>
           <a:p>
             <a:pPr lvl="4"/>
             <a:r>
-              <a:rPr lang="en-US" smtClean="0"/>
+              <a:rPr lang="en-US"/>
               <a:t>Fifth level</a:t>
             </a:r>
-            <a:endParaRPr lang="en-US"/>
           </a:p>
         </p:txBody>
       </p:sp>
@@ -5584,38 +5553,37 @@
           <a:p>
             <a:pPr lvl="0"/>
             <a:r>
-              <a:rPr lang="en-US" smtClean="0"/>
+              <a:rPr lang="en-US"/>
               <a:t>Click to edit Master text styles</a:t>
             </a:r>
           </a:p>
           <a:p>
             <a:pPr lvl="1"/>
             <a:r>
-              <a:rPr lang="en-US" smtClean="0"/>
+              <a:rPr lang="en-US"/>
               <a:t>Second level</a:t>
             </a:r>
           </a:p>
           <a:p>
             <a:pPr lvl="2"/>
             <a:r>
-              <a:rPr lang="en-US" smtClean="0"/>
+              <a:rPr lang="en-US"/>
               <a:t>Third level</a:t>
             </a:r>
           </a:p>
           <a:p>
             <a:pPr lvl="3"/>
             <a:r>
-              <a:rPr lang="en-US" smtClean="0"/>
+              <a:rPr lang="en-US"/>
               <a:t>Fourth level</a:t>
             </a:r>
           </a:p>
           <a:p>
             <a:pPr lvl="4"/>
             <a:r>
-              <a:rPr lang="en-US" smtClean="0"/>
+              <a:rPr lang="en-US"/>
               <a:t>Fifth level</a:t>
             </a:r>
-            <a:endParaRPr lang="en-US"/>
           </a:p>
         </p:txBody>
       </p:sp>
@@ -5670,10 +5638,9 @@
           </a:lstStyle>
           <a:p>
             <a:r>
-              <a:rPr lang="en-US" smtClean="0"/>
+              <a:rPr lang="en-US"/>
               <a:t>Click to edit Master title style</a:t>
             </a:r>
-            <a:endParaRPr lang="en-US"/>
           </a:p>
         </p:txBody>
       </p:sp>
@@ -5739,7 +5706,7 @@
           <a:p>
             <a:pPr lvl="0"/>
             <a:r>
-              <a:rPr lang="en-US" smtClean="0"/>
+              <a:rPr lang="en-US"/>
               <a:t>Click to edit Master text styles</a:t>
             </a:r>
           </a:p>
@@ -5798,38 +5765,37 @@
           <a:p>
             <a:pPr lvl="0"/>
             <a:r>
-              <a:rPr lang="en-US" smtClean="0"/>
+              <a:rPr lang="en-US"/>
               <a:t>Click to edit Master text styles</a:t>
             </a:r>
           </a:p>
           <a:p>
             <a:pPr lvl="1"/>
             <a:r>
-              <a:rPr lang="en-US" smtClean="0"/>
+              <a:rPr lang="en-US"/>
               <a:t>Second level</a:t>
             </a:r>
           </a:p>
           <a:p>
             <a:pPr lvl="2"/>
             <a:r>
-              <a:rPr lang="en-US" smtClean="0"/>
+              <a:rPr lang="en-US"/>
               <a:t>Third level</a:t>
             </a:r>
           </a:p>
           <a:p>
             <a:pPr lvl="3"/>
             <a:r>
-              <a:rPr lang="en-US" smtClean="0"/>
+              <a:rPr lang="en-US"/>
               <a:t>Fourth level</a:t>
             </a:r>
           </a:p>
           <a:p>
             <a:pPr lvl="4"/>
             <a:r>
-              <a:rPr lang="en-US" smtClean="0"/>
+              <a:rPr lang="en-US"/>
               <a:t>Fifth level</a:t>
             </a:r>
-            <a:endParaRPr lang="en-US"/>
           </a:p>
         </p:txBody>
       </p:sp>
@@ -5895,7 +5861,7 @@
           <a:p>
             <a:pPr lvl="0"/>
             <a:r>
-              <a:rPr lang="en-US" smtClean="0"/>
+              <a:rPr lang="en-US"/>
               <a:t>Click to edit Master text styles</a:t>
             </a:r>
           </a:p>
@@ -5954,38 +5920,37 @@
           <a:p>
             <a:pPr lvl="0"/>
             <a:r>
-              <a:rPr lang="en-US" smtClean="0"/>
+              <a:rPr lang="en-US"/>
               <a:t>Click to edit Master text styles</a:t>
             </a:r>
           </a:p>
           <a:p>
             <a:pPr lvl="1"/>
             <a:r>
-              <a:rPr lang="en-US" smtClean="0"/>
+              <a:rPr lang="en-US"/>
               <a:t>Second level</a:t>
             </a:r>
           </a:p>
           <a:p>
             <a:pPr lvl="2"/>
             <a:r>
-              <a:rPr lang="en-US" smtClean="0"/>
+              <a:rPr lang="en-US"/>
               <a:t>Third level</a:t>
             </a:r>
           </a:p>
           <a:p>
             <a:pPr lvl="3"/>
             <a:r>
-              <a:rPr lang="en-US" smtClean="0"/>
+              <a:rPr lang="en-US"/>
               <a:t>Fourth level</a:t>
             </a:r>
           </a:p>
           <a:p>
             <a:pPr lvl="4"/>
             <a:r>
-              <a:rPr lang="en-US" smtClean="0"/>
+              <a:rPr lang="en-US"/>
               <a:t>Fifth level</a:t>
             </a:r>
-            <a:endParaRPr lang="en-US"/>
           </a:p>
         </p:txBody>
       </p:sp>
@@ -6031,10 +5996,9 @@
           <a:lstStyle/>
           <a:p>
             <a:r>
-              <a:rPr lang="en-US" smtClean="0"/>
+              <a:rPr lang="en-US"/>
               <a:t>Click to edit Master title style</a:t>
             </a:r>
-            <a:endParaRPr lang="en-US"/>
           </a:p>
         </p:txBody>
       </p:sp>
@@ -6080,10 +6044,9 @@
           <a:lstStyle/>
           <a:p>
             <a:r>
-              <a:rPr lang="en-US" smtClean="0"/>
+              <a:rPr lang="en-US"/>
               <a:t>Click to edit Master title style</a:t>
             </a:r>
-            <a:endParaRPr lang="en-US"/>
           </a:p>
         </p:txBody>
       </p:sp>
@@ -6137,38 +6100,37 @@
           <a:p>
             <a:pPr lvl="0"/>
             <a:r>
-              <a:rPr lang="en-US" smtClean="0"/>
+              <a:rPr lang="en-US"/>
               <a:t>Click to edit Master text styles</a:t>
             </a:r>
           </a:p>
           <a:p>
             <a:pPr lvl="1"/>
             <a:r>
-              <a:rPr lang="en-US" smtClean="0"/>
+              <a:rPr lang="en-US"/>
               <a:t>Second level</a:t>
             </a:r>
           </a:p>
           <a:p>
             <a:pPr lvl="2"/>
             <a:r>
-              <a:rPr lang="en-US" smtClean="0"/>
+              <a:rPr lang="en-US"/>
               <a:t>Third level</a:t>
             </a:r>
           </a:p>
           <a:p>
             <a:pPr lvl="3"/>
             <a:r>
-              <a:rPr lang="en-US" smtClean="0"/>
+              <a:rPr lang="en-US"/>
               <a:t>Fourth level</a:t>
             </a:r>
           </a:p>
           <a:p>
             <a:pPr lvl="4"/>
             <a:r>
-              <a:rPr lang="en-US" smtClean="0"/>
+              <a:rPr lang="en-US"/>
               <a:t>Fifth level</a:t>
             </a:r>
-            <a:endParaRPr lang="en-US"/>
           </a:p>
         </p:txBody>
       </p:sp>
@@ -6222,38 +6184,37 @@
           <a:p>
             <a:pPr lvl="0"/>
             <a:r>
-              <a:rPr lang="en-US" smtClean="0"/>
+              <a:rPr lang="en-US"/>
               <a:t>Click to edit Master text styles</a:t>
             </a:r>
           </a:p>
           <a:p>
             <a:pPr lvl="1"/>
             <a:r>
-              <a:rPr lang="en-US" smtClean="0"/>
+              <a:rPr lang="en-US"/>
               <a:t>Second level</a:t>
             </a:r>
           </a:p>
           <a:p>
             <a:pPr lvl="2"/>
             <a:r>
-              <a:rPr lang="en-US" smtClean="0"/>
+              <a:rPr lang="en-US"/>
               <a:t>Third level</a:t>
             </a:r>
           </a:p>
           <a:p>
             <a:pPr lvl="3"/>
             <a:r>
-              <a:rPr lang="en-US" smtClean="0"/>
+              <a:rPr lang="en-US"/>
               <a:t>Fourth level</a:t>
             </a:r>
           </a:p>
           <a:p>
             <a:pPr lvl="4"/>
             <a:r>
-              <a:rPr lang="en-US" smtClean="0"/>
+              <a:rPr lang="en-US"/>
               <a:t>Fifth level</a:t>
             </a:r>
-            <a:endParaRPr lang="en-US"/>
           </a:p>
         </p:txBody>
       </p:sp>
@@ -6334,10 +6295,9 @@
           </a:lstStyle>
           <a:p>
             <a:r>
-              <a:rPr lang="en-US" smtClean="0"/>
+              <a:rPr lang="en-US"/>
               <a:t>Click to edit Master title style</a:t>
             </a:r>
-            <a:endParaRPr lang="en-US"/>
           </a:p>
         </p:txBody>
       </p:sp>
@@ -6394,38 +6354,37 @@
           <a:p>
             <a:pPr lvl="0"/>
             <a:r>
-              <a:rPr lang="en-US" smtClean="0"/>
+              <a:rPr lang="en-US"/>
               <a:t>Click to edit Master text styles</a:t>
             </a:r>
           </a:p>
           <a:p>
             <a:pPr lvl="1"/>
             <a:r>
-              <a:rPr lang="en-US" smtClean="0"/>
+              <a:rPr lang="en-US"/>
               <a:t>Second level</a:t>
             </a:r>
           </a:p>
           <a:p>
             <a:pPr lvl="2"/>
             <a:r>
-              <a:rPr lang="en-US" smtClean="0"/>
+              <a:rPr lang="en-US"/>
               <a:t>Third level</a:t>
             </a:r>
           </a:p>
           <a:p>
             <a:pPr lvl="3"/>
             <a:r>
-              <a:rPr lang="en-US" smtClean="0"/>
+              <a:rPr lang="en-US"/>
               <a:t>Fourth level</a:t>
             </a:r>
           </a:p>
           <a:p>
             <a:pPr lvl="4"/>
             <a:r>
-              <a:rPr lang="en-US" smtClean="0"/>
+              <a:rPr lang="en-US"/>
               <a:t>Fifth level</a:t>
             </a:r>
-            <a:endParaRPr lang="en-US"/>
           </a:p>
         </p:txBody>
       </p:sp>
@@ -6491,7 +6450,7 @@
           <a:p>
             <a:pPr lvl="0"/>
             <a:r>
-              <a:rPr lang="en-US" smtClean="0"/>
+              <a:rPr lang="en-US"/>
               <a:t>Click to edit Master text styles</a:t>
             </a:r>
           </a:p>
@@ -6548,10 +6507,9 @@
           </a:lstStyle>
           <a:p>
             <a:r>
-              <a:rPr lang="en-US" smtClean="0"/>
+              <a:rPr lang="en-US"/>
               <a:t>Click to edit Master title style</a:t>
             </a:r>
-            <a:endParaRPr lang="en-US"/>
           </a:p>
         </p:txBody>
       </p:sp>
@@ -6616,7 +6574,7 @@
           </a:lstStyle>
           <a:p>
             <a:pPr lvl="0"/>
-            <a:endParaRPr lang="en-US" noProof="0" smtClean="0">
+            <a:endParaRPr lang="en-US" noProof="0">
               <a:sym typeface="Arial" charset="0"/>
             </a:endParaRPr>
           </a:p>
@@ -6684,7 +6642,7 @@
           <a:p>
             <a:pPr lvl="0"/>
             <a:r>
-              <a:rPr lang="en-US" smtClean="0"/>
+              <a:rPr lang="en-US"/>
               <a:t>Click to edit Master text styles</a:t>
             </a:r>
           </a:p>
@@ -6732,10 +6690,9 @@
           <a:lstStyle/>
           <a:p>
             <a:r>
-              <a:rPr lang="en-US" smtClean="0"/>
+              <a:rPr lang="en-US"/>
               <a:t>Click to edit Master title style</a:t>
             </a:r>
-            <a:endParaRPr lang="en-US"/>
           </a:p>
         </p:txBody>
       </p:sp>
@@ -6764,38 +6721,37 @@
           <a:p>
             <a:pPr lvl="0"/>
             <a:r>
-              <a:rPr lang="en-US" smtClean="0"/>
+              <a:rPr lang="en-US"/>
               <a:t>Click to edit Master text styles</a:t>
             </a:r>
           </a:p>
           <a:p>
             <a:pPr lvl="1"/>
             <a:r>
-              <a:rPr lang="en-US" smtClean="0"/>
+              <a:rPr lang="en-US"/>
               <a:t>Second level</a:t>
             </a:r>
           </a:p>
           <a:p>
             <a:pPr lvl="2"/>
             <a:r>
-              <a:rPr lang="en-US" smtClean="0"/>
+              <a:rPr lang="en-US"/>
               <a:t>Third level</a:t>
             </a:r>
           </a:p>
           <a:p>
             <a:pPr lvl="3"/>
             <a:r>
-              <a:rPr lang="en-US" smtClean="0"/>
+              <a:rPr lang="en-US"/>
               <a:t>Fourth level</a:t>
             </a:r>
           </a:p>
           <a:p>
             <a:pPr lvl="4"/>
             <a:r>
-              <a:rPr lang="en-US" smtClean="0"/>
+              <a:rPr lang="en-US"/>
               <a:t>Fifth level</a:t>
             </a:r>
-            <a:endParaRPr lang="en-US"/>
           </a:p>
         </p:txBody>
       </p:sp>
@@ -6846,10 +6802,9 @@
           <a:lstStyle/>
           <a:p>
             <a:r>
-              <a:rPr lang="en-US" smtClean="0"/>
+              <a:rPr lang="en-US"/>
               <a:t>Click to edit Master title style</a:t>
             </a:r>
-            <a:endParaRPr lang="en-US"/>
           </a:p>
         </p:txBody>
       </p:sp>
@@ -6878,38 +6833,37 @@
           <a:p>
             <a:pPr lvl="0"/>
             <a:r>
-              <a:rPr lang="en-US" smtClean="0"/>
+              <a:rPr lang="en-US"/>
               <a:t>Click to edit Master text styles</a:t>
             </a:r>
           </a:p>
           <a:p>
             <a:pPr lvl="1"/>
             <a:r>
-              <a:rPr lang="en-US" smtClean="0"/>
+              <a:rPr lang="en-US"/>
               <a:t>Second level</a:t>
             </a:r>
           </a:p>
           <a:p>
             <a:pPr lvl="2"/>
             <a:r>
-              <a:rPr lang="en-US" smtClean="0"/>
+              <a:rPr lang="en-US"/>
               <a:t>Third level</a:t>
             </a:r>
           </a:p>
           <a:p>
             <a:pPr lvl="3"/>
             <a:r>
-              <a:rPr lang="en-US" smtClean="0"/>
+              <a:rPr lang="en-US"/>
               <a:t>Fourth level</a:t>
             </a:r>
           </a:p>
           <a:p>
             <a:pPr lvl="4"/>
             <a:r>
-              <a:rPr lang="en-US" smtClean="0"/>
+              <a:rPr lang="en-US"/>
               <a:t>Fifth level</a:t>
             </a:r>
-            <a:endParaRPr lang="en-US"/>
           </a:p>
         </p:txBody>
       </p:sp>
@@ -6960,10 +6914,9 @@
           <a:lstStyle/>
           <a:p>
             <a:r>
-              <a:rPr lang="en-US" smtClean="0"/>
+              <a:rPr lang="en-US"/>
               <a:t>Click to edit Master title style</a:t>
             </a:r>
-            <a:endParaRPr lang="en-US"/>
           </a:p>
         </p:txBody>
       </p:sp>
@@ -7028,10 +6981,9 @@
           </a:lstStyle>
           <a:p>
             <a:r>
-              <a:rPr lang="en-US" smtClean="0"/>
+              <a:rPr lang="en-US"/>
               <a:t>Click to edit Master subtitle style</a:t>
             </a:r>
-            <a:endParaRPr lang="en-US"/>
           </a:p>
         </p:txBody>
       </p:sp>
@@ -7077,10 +7029,9 @@
           <a:lstStyle/>
           <a:p>
             <a:r>
-              <a:rPr lang="en-US" smtClean="0"/>
+              <a:rPr lang="en-US"/>
               <a:t>Click to edit Master title style</a:t>
             </a:r>
-            <a:endParaRPr lang="en-US"/>
           </a:p>
         </p:txBody>
       </p:sp>
@@ -7109,38 +7060,37 @@
           <a:p>
             <a:pPr lvl="0"/>
             <a:r>
-              <a:rPr lang="en-US" smtClean="0"/>
+              <a:rPr lang="en-US"/>
               <a:t>Click to edit Master text styles</a:t>
             </a:r>
           </a:p>
           <a:p>
             <a:pPr lvl="1"/>
             <a:r>
-              <a:rPr lang="en-US" smtClean="0"/>
+              <a:rPr lang="en-US"/>
               <a:t>Second level</a:t>
             </a:r>
           </a:p>
           <a:p>
             <a:pPr lvl="2"/>
             <a:r>
-              <a:rPr lang="en-US" smtClean="0"/>
+              <a:rPr lang="en-US"/>
               <a:t>Third level</a:t>
             </a:r>
           </a:p>
           <a:p>
             <a:pPr lvl="3"/>
             <a:r>
-              <a:rPr lang="en-US" smtClean="0"/>
+              <a:rPr lang="en-US"/>
               <a:t>Fourth level</a:t>
             </a:r>
           </a:p>
           <a:p>
             <a:pPr lvl="4"/>
             <a:r>
-              <a:rPr lang="en-US" smtClean="0"/>
+              <a:rPr lang="en-US"/>
               <a:t>Fifth level</a:t>
             </a:r>
-            <a:endParaRPr lang="en-US"/>
           </a:p>
         </p:txBody>
       </p:sp>
@@ -7195,10 +7145,9 @@
           </a:lstStyle>
           <a:p>
             <a:r>
-              <a:rPr lang="en-US" smtClean="0"/>
+              <a:rPr lang="en-US"/>
               <a:t>Click to edit Master title style</a:t>
             </a:r>
-            <a:endParaRPr lang="en-US"/>
           </a:p>
         </p:txBody>
       </p:sp>
@@ -7264,7 +7213,7 @@
           <a:p>
             <a:pPr lvl="0"/>
             <a:r>
-              <a:rPr lang="en-US" smtClean="0"/>
+              <a:rPr lang="en-US"/>
               <a:t>Click to edit Master text styles</a:t>
             </a:r>
           </a:p>
@@ -7312,10 +7261,9 @@
           <a:lstStyle/>
           <a:p>
             <a:r>
-              <a:rPr lang="en-US" smtClean="0"/>
+              <a:rPr lang="en-US"/>
               <a:t>Click to edit Master title style</a:t>
             </a:r>
-            <a:endParaRPr lang="en-US"/>
           </a:p>
         </p:txBody>
       </p:sp>
@@ -7372,38 +7320,37 @@
           <a:p>
             <a:pPr lvl="0"/>
             <a:r>
-              <a:rPr lang="en-US" smtClean="0"/>
+              <a:rPr lang="en-US"/>
               <a:t>Click to edit Master text styles</a:t>
             </a:r>
           </a:p>
           <a:p>
             <a:pPr lvl="1"/>
             <a:r>
-              <a:rPr lang="en-US" smtClean="0"/>
+              <a:rPr lang="en-US"/>
               <a:t>Second level</a:t>
             </a:r>
           </a:p>
           <a:p>
             <a:pPr lvl="2"/>
             <a:r>
-              <a:rPr lang="en-US" smtClean="0"/>
+              <a:rPr lang="en-US"/>
               <a:t>Third level</a:t>
             </a:r>
           </a:p>
           <a:p>
             <a:pPr lvl="3"/>
             <a:r>
-              <a:rPr lang="en-US" smtClean="0"/>
+              <a:rPr lang="en-US"/>
               <a:t>Fourth level</a:t>
             </a:r>
           </a:p>
           <a:p>
             <a:pPr lvl="4"/>
             <a:r>
-              <a:rPr lang="en-US" smtClean="0"/>
+              <a:rPr lang="en-US"/>
               <a:t>Fifth level</a:t>
             </a:r>
-            <a:endParaRPr lang="en-US"/>
           </a:p>
         </p:txBody>
       </p:sp>
@@ -7460,38 +7407,37 @@
           <a:p>
             <a:pPr lvl="0"/>
             <a:r>
-              <a:rPr lang="en-US" smtClean="0"/>
+              <a:rPr lang="en-US"/>
               <a:t>Click to edit Master text styles</a:t>
             </a:r>
           </a:p>
           <a:p>
             <a:pPr lvl="1"/>
             <a:r>
-              <a:rPr lang="en-US" smtClean="0"/>
+              <a:rPr lang="en-US"/>
               <a:t>Second level</a:t>
             </a:r>
           </a:p>
           <a:p>
             <a:pPr lvl="2"/>
             <a:r>
-              <a:rPr lang="en-US" smtClean="0"/>
+              <a:rPr lang="en-US"/>
               <a:t>Third level</a:t>
             </a:r>
           </a:p>
           <a:p>
             <a:pPr lvl="3"/>
             <a:r>
-              <a:rPr lang="en-US" smtClean="0"/>
+              <a:rPr lang="en-US"/>
               <a:t>Fourth level</a:t>
             </a:r>
           </a:p>
           <a:p>
             <a:pPr lvl="4"/>
             <a:r>
-              <a:rPr lang="en-US" smtClean="0"/>
+              <a:rPr lang="en-US"/>
               <a:t>Fifth level</a:t>
             </a:r>
-            <a:endParaRPr lang="en-US"/>
           </a:p>
         </p:txBody>
       </p:sp>
@@ -7546,10 +7492,9 @@
           </a:lstStyle>
           <a:p>
             <a:r>
-              <a:rPr lang="en-US" smtClean="0"/>
+              <a:rPr lang="en-US"/>
               <a:t>Click to edit Master title style</a:t>
             </a:r>
-            <a:endParaRPr lang="en-US"/>
           </a:p>
         </p:txBody>
       </p:sp>
@@ -7615,7 +7560,7 @@
           <a:p>
             <a:pPr lvl="0"/>
             <a:r>
-              <a:rPr lang="en-US" smtClean="0"/>
+              <a:rPr lang="en-US"/>
               <a:t>Click to edit Master text styles</a:t>
             </a:r>
           </a:p>
@@ -7674,38 +7619,37 @@
           <a:p>
             <a:pPr lvl="0"/>
             <a:r>
-              <a:rPr lang="en-US" smtClean="0"/>
+              <a:rPr lang="en-US"/>
               <a:t>Click to edit Master text styles</a:t>
             </a:r>
           </a:p>
           <a:p>
             <a:pPr lvl="1"/>
             <a:r>
-              <a:rPr lang="en-US" smtClean="0"/>
+              <a:rPr lang="en-US"/>
               <a:t>Second level</a:t>
             </a:r>
           </a:p>
           <a:p>
             <a:pPr lvl="2"/>
             <a:r>
-              <a:rPr lang="en-US" smtClean="0"/>
+              <a:rPr lang="en-US"/>
               <a:t>Third level</a:t>
             </a:r>
           </a:p>
           <a:p>
             <a:pPr lvl="3"/>
             <a:r>
-              <a:rPr lang="en-US" smtClean="0"/>
+              <a:rPr lang="en-US"/>
               <a:t>Fourth level</a:t>
             </a:r>
           </a:p>
           <a:p>
             <a:pPr lvl="4"/>
             <a:r>
-              <a:rPr lang="en-US" smtClean="0"/>
+              <a:rPr lang="en-US"/>
               <a:t>Fifth level</a:t>
             </a:r>
-            <a:endParaRPr lang="en-US"/>
           </a:p>
         </p:txBody>
       </p:sp>
@@ -7771,7 +7715,7 @@
           <a:p>
             <a:pPr lvl="0"/>
             <a:r>
-              <a:rPr lang="en-US" smtClean="0"/>
+              <a:rPr lang="en-US"/>
               <a:t>Click to edit Master text styles</a:t>
             </a:r>
           </a:p>
@@ -7830,38 +7774,37 @@
           <a:p>
             <a:pPr lvl="0"/>
             <a:r>
-              <a:rPr lang="en-US" smtClean="0"/>
+              <a:rPr lang="en-US"/>
               <a:t>Click to edit Master text styles</a:t>
             </a:r>
           </a:p>
           <a:p>
             <a:pPr lvl="1"/>
             <a:r>
-              <a:rPr lang="en-US" smtClean="0"/>
+              <a:rPr lang="en-US"/>
               <a:t>Second level</a:t>
             </a:r>
           </a:p>
           <a:p>
             <a:pPr lvl="2"/>
             <a:r>
-              <a:rPr lang="en-US" smtClean="0"/>
+              <a:rPr lang="en-US"/>
               <a:t>Third level</a:t>
             </a:r>
           </a:p>
           <a:p>
             <a:pPr lvl="3"/>
             <a:r>
-              <a:rPr lang="en-US" smtClean="0"/>
+              <a:rPr lang="en-US"/>
               <a:t>Fourth level</a:t>
             </a:r>
           </a:p>
           <a:p>
             <a:pPr lvl="4"/>
             <a:r>
-              <a:rPr lang="en-US" smtClean="0"/>
+              <a:rPr lang="en-US"/>
               <a:t>Fifth level</a:t>
             </a:r>
-            <a:endParaRPr lang="en-US"/>
           </a:p>
         </p:txBody>
       </p:sp>
@@ -7916,10 +7859,9 @@
           </a:lstStyle>
           <a:p>
             <a:r>
-              <a:rPr lang="en-US" smtClean="0"/>
+              <a:rPr lang="en-US"/>
               <a:t>Click to edit Master title style</a:t>
             </a:r>
-            <a:endParaRPr lang="en-US"/>
           </a:p>
         </p:txBody>
       </p:sp>
@@ -7982,7 +7924,7 @@
           <a:p>
             <a:pPr lvl="0"/>
             <a:r>
-              <a:rPr lang="en-US" smtClean="0"/>
+              <a:rPr lang="en-US"/>
               <a:t>Click to edit Master text styles</a:t>
             </a:r>
           </a:p>
@@ -8038,38 +7980,37 @@
           <a:p>
             <a:pPr lvl="0"/>
             <a:r>
-              <a:rPr lang="en-US" smtClean="0"/>
+              <a:rPr lang="en-US"/>
               <a:t>Click to edit Master text styles</a:t>
             </a:r>
           </a:p>
           <a:p>
             <a:pPr lvl="1"/>
             <a:r>
-              <a:rPr lang="en-US" smtClean="0"/>
+              <a:rPr lang="en-US"/>
               <a:t>Second level</a:t>
             </a:r>
           </a:p>
           <a:p>
             <a:pPr lvl="2"/>
             <a:r>
-              <a:rPr lang="en-US" smtClean="0"/>
+              <a:rPr lang="en-US"/>
               <a:t>Third level</a:t>
             </a:r>
           </a:p>
           <a:p>
             <a:pPr lvl="3"/>
             <a:r>
-              <a:rPr lang="en-US" smtClean="0"/>
+              <a:rPr lang="en-US"/>
               <a:t>Fourth level</a:t>
             </a:r>
           </a:p>
           <a:p>
             <a:pPr lvl="4"/>
             <a:r>
-              <a:rPr lang="en-US" smtClean="0"/>
+              <a:rPr lang="en-US"/>
               <a:t>Fifth level</a:t>
             </a:r>
-            <a:endParaRPr lang="en-US"/>
           </a:p>
         </p:txBody>
       </p:sp>
@@ -8132,7 +8073,7 @@
           <a:p>
             <a:pPr lvl="0"/>
             <a:r>
-              <a:rPr lang="en-US" smtClean="0"/>
+              <a:rPr lang="en-US"/>
               <a:t>Click to edit Master text styles</a:t>
             </a:r>
           </a:p>
@@ -8188,38 +8129,37 @@
           <a:p>
             <a:pPr lvl="0"/>
             <a:r>
-              <a:rPr lang="en-US" smtClean="0"/>
+              <a:rPr lang="en-US"/>
               <a:t>Click to edit Master text styles</a:t>
             </a:r>
           </a:p>
           <a:p>
             <a:pPr lvl="1"/>
             <a:r>
-              <a:rPr lang="en-US" smtClean="0"/>
+              <a:rPr lang="en-US"/>
               <a:t>Second level</a:t>
             </a:r>
           </a:p>
           <a:p>
             <a:pPr lvl="2"/>
             <a:r>
-              <a:rPr lang="en-US" smtClean="0"/>
+              <a:rPr lang="en-US"/>
               <a:t>Third level</a:t>
             </a:r>
           </a:p>
           <a:p>
             <a:pPr lvl="3"/>
             <a:r>
-              <a:rPr lang="en-US" smtClean="0"/>
+              <a:rPr lang="en-US"/>
               <a:t>Fourth level</a:t>
             </a:r>
           </a:p>
           <a:p>
             <a:pPr lvl="4"/>
             <a:r>
-              <a:rPr lang="en-US" smtClean="0"/>
+              <a:rPr lang="en-US"/>
               <a:t>Fifth level</a:t>
             </a:r>
-            <a:endParaRPr lang="en-US"/>
           </a:p>
         </p:txBody>
       </p:sp>
@@ -8265,10 +8205,9 @@
           <a:lstStyle/>
           <a:p>
             <a:r>
-              <a:rPr lang="en-US" smtClean="0"/>
+              <a:rPr lang="en-US"/>
               <a:t>Click to edit Master title style</a:t>
             </a:r>
-            <a:endParaRPr lang="en-US"/>
           </a:p>
         </p:txBody>
       </p:sp>
@@ -8349,10 +8288,9 @@
           </a:lstStyle>
           <a:p>
             <a:r>
-              <a:rPr lang="en-US" smtClean="0"/>
+              <a:rPr lang="en-US"/>
               <a:t>Click to edit Master title style</a:t>
             </a:r>
-            <a:endParaRPr lang="en-US"/>
           </a:p>
         </p:txBody>
       </p:sp>
@@ -8409,38 +8347,37 @@
           <a:p>
             <a:pPr lvl="0"/>
             <a:r>
-              <a:rPr lang="en-US" smtClean="0"/>
+              <a:rPr lang="en-US"/>
               <a:t>Click to edit Master text styles</a:t>
             </a:r>
           </a:p>
           <a:p>
             <a:pPr lvl="1"/>
             <a:r>
-              <a:rPr lang="en-US" smtClean="0"/>
+              <a:rPr lang="en-US"/>
               <a:t>Second level</a:t>
             </a:r>
           </a:p>
           <a:p>
             <a:pPr lvl="2"/>
             <a:r>
-              <a:rPr lang="en-US" smtClean="0"/>
+              <a:rPr lang="en-US"/>
               <a:t>Third level</a:t>
             </a:r>
           </a:p>
           <a:p>
             <a:pPr lvl="3"/>
             <a:r>
-              <a:rPr lang="en-US" smtClean="0"/>
+              <a:rPr lang="en-US"/>
               <a:t>Fourth level</a:t>
             </a:r>
           </a:p>
           <a:p>
             <a:pPr lvl="4"/>
             <a:r>
-              <a:rPr lang="en-US" smtClean="0"/>
+              <a:rPr lang="en-US"/>
               <a:t>Fifth level</a:t>
             </a:r>
-            <a:endParaRPr lang="en-US"/>
           </a:p>
         </p:txBody>
       </p:sp>
@@ -8506,7 +8443,7 @@
           <a:p>
             <a:pPr lvl="0"/>
             <a:r>
-              <a:rPr lang="en-US" smtClean="0"/>
+              <a:rPr lang="en-US"/>
               <a:t>Click to edit Master text styles</a:t>
             </a:r>
           </a:p>
@@ -8563,10 +8500,9 @@
           </a:lstStyle>
           <a:p>
             <a:r>
-              <a:rPr lang="en-US" smtClean="0"/>
+              <a:rPr lang="en-US"/>
               <a:t>Click to edit Master title style</a:t>
             </a:r>
-            <a:endParaRPr lang="en-US"/>
           </a:p>
         </p:txBody>
       </p:sp>
@@ -8631,7 +8567,7 @@
           </a:lstStyle>
           <a:p>
             <a:pPr lvl="0"/>
-            <a:endParaRPr lang="en-US" noProof="0" smtClean="0">
+            <a:endParaRPr lang="en-US" noProof="0">
               <a:sym typeface="Arial" charset="0"/>
             </a:endParaRPr>
           </a:p>
@@ -8699,7 +8635,7 @@
           <a:p>
             <a:pPr lvl="0"/>
             <a:r>
-              <a:rPr lang="en-US" smtClean="0"/>
+              <a:rPr lang="en-US"/>
               <a:t>Click to edit Master text styles</a:t>
             </a:r>
           </a:p>
@@ -8747,10 +8683,9 @@
           <a:lstStyle/>
           <a:p>
             <a:r>
-              <a:rPr lang="en-US" smtClean="0"/>
+              <a:rPr lang="en-US"/>
               <a:t>Click to edit Master title style</a:t>
             </a:r>
-            <a:endParaRPr lang="en-US"/>
           </a:p>
         </p:txBody>
       </p:sp>
@@ -8779,38 +8714,37 @@
           <a:p>
             <a:pPr lvl="0"/>
             <a:r>
-              <a:rPr lang="en-US" smtClean="0"/>
+              <a:rPr lang="en-US"/>
               <a:t>Click to edit Master text styles</a:t>
             </a:r>
           </a:p>
           <a:p>
             <a:pPr lvl="1"/>
             <a:r>
-              <a:rPr lang="en-US" smtClean="0"/>
+              <a:rPr lang="en-US"/>
               <a:t>Second level</a:t>
             </a:r>
           </a:p>
           <a:p>
             <a:pPr lvl="2"/>
             <a:r>
-              <a:rPr lang="en-US" smtClean="0"/>
+              <a:rPr lang="en-US"/>
               <a:t>Third level</a:t>
             </a:r>
           </a:p>
           <a:p>
             <a:pPr lvl="3"/>
             <a:r>
-              <a:rPr lang="en-US" smtClean="0"/>
+              <a:rPr lang="en-US"/>
               <a:t>Fourth level</a:t>
             </a:r>
           </a:p>
           <a:p>
             <a:pPr lvl="4"/>
             <a:r>
-              <a:rPr lang="en-US" smtClean="0"/>
+              <a:rPr lang="en-US"/>
               <a:t>Fifth level</a:t>
             </a:r>
-            <a:endParaRPr lang="en-US"/>
           </a:p>
         </p:txBody>
       </p:sp>
@@ -8861,10 +8795,9 @@
           <a:lstStyle/>
           <a:p>
             <a:r>
-              <a:rPr lang="en-US" smtClean="0"/>
+              <a:rPr lang="en-US"/>
               <a:t>Click to edit Master title style</a:t>
             </a:r>
-            <a:endParaRPr lang="en-US"/>
           </a:p>
         </p:txBody>
       </p:sp>
@@ -8893,38 +8826,37 @@
           <a:p>
             <a:pPr lvl="0"/>
             <a:r>
-              <a:rPr lang="en-US" smtClean="0"/>
+              <a:rPr lang="en-US"/>
               <a:t>Click to edit Master text styles</a:t>
             </a:r>
           </a:p>
           <a:p>
             <a:pPr lvl="1"/>
             <a:r>
-              <a:rPr lang="en-US" smtClean="0"/>
+              <a:rPr lang="en-US"/>
               <a:t>Second level</a:t>
             </a:r>
           </a:p>
           <a:p>
             <a:pPr lvl="2"/>
             <a:r>
-              <a:rPr lang="en-US" smtClean="0"/>
+              <a:rPr lang="en-US"/>
               <a:t>Third level</a:t>
             </a:r>
           </a:p>
           <a:p>
             <a:pPr lvl="3"/>
             <a:r>
-              <a:rPr lang="en-US" smtClean="0"/>
+              <a:rPr lang="en-US"/>
               <a:t>Fourth level</a:t>
             </a:r>
           </a:p>
           <a:p>
             <a:pPr lvl="4"/>
             <a:r>
-              <a:rPr lang="en-US" smtClean="0"/>
+              <a:rPr lang="en-US"/>
               <a:t>Fifth level</a:t>
             </a:r>
-            <a:endParaRPr lang="en-US"/>
           </a:p>
         </p:txBody>
       </p:sp>
@@ -8975,10 +8907,9 @@
           <a:lstStyle/>
           <a:p>
             <a:r>
-              <a:rPr lang="en-US" smtClean="0"/>
+              <a:rPr lang="en-US"/>
               <a:t>Click to edit Master title style</a:t>
             </a:r>
-            <a:endParaRPr lang="en-US"/>
           </a:p>
         </p:txBody>
       </p:sp>
@@ -9040,10 +8971,9 @@
           </a:lstStyle>
           <a:p>
             <a:r>
-              <a:rPr lang="en-US" smtClean="0"/>
+              <a:rPr lang="en-US"/>
               <a:t>Click to edit Master subtitle style</a:t>
             </a:r>
-            <a:endParaRPr lang="en-US"/>
           </a:p>
         </p:txBody>
       </p:sp>
@@ -9089,10 +9019,9 @@
           <a:lstStyle/>
           <a:p>
             <a:r>
-              <a:rPr lang="en-US" smtClean="0"/>
+              <a:rPr lang="en-US"/>
               <a:t>Click to edit Master title style</a:t>
             </a:r>
-            <a:endParaRPr lang="en-US"/>
           </a:p>
         </p:txBody>
       </p:sp>
@@ -9113,38 +9042,37 @@
           <a:p>
             <a:pPr lvl="0"/>
             <a:r>
-              <a:rPr lang="en-US" smtClean="0"/>
+              <a:rPr lang="en-US"/>
               <a:t>Click to edit Master text styles</a:t>
             </a:r>
           </a:p>
           <a:p>
             <a:pPr lvl="1"/>
             <a:r>
-              <a:rPr lang="en-US" smtClean="0"/>
+              <a:rPr lang="en-US"/>
               <a:t>Second level</a:t>
             </a:r>
           </a:p>
           <a:p>
             <a:pPr lvl="2"/>
             <a:r>
-              <a:rPr lang="en-US" smtClean="0"/>
+              <a:rPr lang="en-US"/>
               <a:t>Third level</a:t>
             </a:r>
           </a:p>
           <a:p>
             <a:pPr lvl="3"/>
             <a:r>
-              <a:rPr lang="en-US" smtClean="0"/>
+              <a:rPr lang="en-US"/>
               <a:t>Fourth level</a:t>
             </a:r>
           </a:p>
           <a:p>
             <a:pPr lvl="4"/>
             <a:r>
-              <a:rPr lang="en-US" smtClean="0"/>
+              <a:rPr lang="en-US"/>
               <a:t>Fifth level</a:t>
             </a:r>
-            <a:endParaRPr lang="en-US"/>
           </a:p>
         </p:txBody>
       </p:sp>
@@ -9199,10 +9127,9 @@
           </a:lstStyle>
           <a:p>
             <a:r>
-              <a:rPr lang="en-US" smtClean="0"/>
+              <a:rPr lang="en-US"/>
               <a:t>Click to edit Master title style</a:t>
             </a:r>
-            <a:endParaRPr lang="en-US"/>
           </a:p>
         </p:txBody>
       </p:sp>
@@ -9265,7 +9192,7 @@
           <a:p>
             <a:pPr lvl="0"/>
             <a:r>
-              <a:rPr lang="en-US" smtClean="0"/>
+              <a:rPr lang="en-US"/>
               <a:t>Click to edit Master text styles</a:t>
             </a:r>
           </a:p>
@@ -9313,10 +9240,9 @@
           <a:lstStyle/>
           <a:p>
             <a:r>
-              <a:rPr lang="en-US" smtClean="0"/>
+              <a:rPr lang="en-US"/>
               <a:t>Click to edit Master title style</a:t>
             </a:r>
-            <a:endParaRPr lang="en-US"/>
           </a:p>
         </p:txBody>
       </p:sp>
@@ -9370,38 +9296,37 @@
           <a:p>
             <a:pPr lvl="0"/>
             <a:r>
-              <a:rPr lang="en-US" smtClean="0"/>
+              <a:rPr lang="en-US"/>
               <a:t>Click to edit Master text styles</a:t>
             </a:r>
           </a:p>
           <a:p>
             <a:pPr lvl="1"/>
             <a:r>
-              <a:rPr lang="en-US" smtClean="0"/>
+              <a:rPr lang="en-US"/>
               <a:t>Second level</a:t>
             </a:r>
           </a:p>
           <a:p>
             <a:pPr lvl="2"/>
             <a:r>
-              <a:rPr lang="en-US" smtClean="0"/>
+              <a:rPr lang="en-US"/>
               <a:t>Third level</a:t>
             </a:r>
           </a:p>
           <a:p>
             <a:pPr lvl="3"/>
             <a:r>
-              <a:rPr lang="en-US" smtClean="0"/>
+              <a:rPr lang="en-US"/>
               <a:t>Fourth level</a:t>
             </a:r>
           </a:p>
           <a:p>
             <a:pPr lvl="4"/>
             <a:r>
-              <a:rPr lang="en-US" smtClean="0"/>
+              <a:rPr lang="en-US"/>
               <a:t>Fifth level</a:t>
             </a:r>
-            <a:endParaRPr lang="en-US"/>
           </a:p>
         </p:txBody>
       </p:sp>
@@ -9455,38 +9380,37 @@
           <a:p>
             <a:pPr lvl="0"/>
             <a:r>
-              <a:rPr lang="en-US" smtClean="0"/>
+              <a:rPr lang="en-US"/>
               <a:t>Click to edit Master text styles</a:t>
             </a:r>
           </a:p>
           <a:p>
             <a:pPr lvl="1"/>
             <a:r>
-              <a:rPr lang="en-US" smtClean="0"/>
+              <a:rPr lang="en-US"/>
               <a:t>Second level</a:t>
             </a:r>
           </a:p>
           <a:p>
             <a:pPr lvl="2"/>
             <a:r>
-              <a:rPr lang="en-US" smtClean="0"/>
+              <a:rPr lang="en-US"/>
               <a:t>Third level</a:t>
             </a:r>
           </a:p>
           <a:p>
             <a:pPr lvl="3"/>
             <a:r>
-              <a:rPr lang="en-US" smtClean="0"/>
+              <a:rPr lang="en-US"/>
               <a:t>Fourth level</a:t>
             </a:r>
           </a:p>
           <a:p>
             <a:pPr lvl="4"/>
             <a:r>
-              <a:rPr lang="en-US" smtClean="0"/>
+              <a:rPr lang="en-US"/>
               <a:t>Fifth level</a:t>
             </a:r>
-            <a:endParaRPr lang="en-US"/>
           </a:p>
         </p:txBody>
       </p:sp>
@@ -9532,10 +9456,9 @@
           <a:lstStyle/>
           <a:p>
             <a:r>
-              <a:rPr lang="en-US" smtClean="0"/>
+              <a:rPr lang="en-US"/>
               <a:t>Click to edit Master title style</a:t>
             </a:r>
-            <a:endParaRPr lang="en-US"/>
           </a:p>
         </p:txBody>
       </p:sp>
@@ -9590,10 +9513,9 @@
           </a:lstStyle>
           <a:p>
             <a:r>
-              <a:rPr lang="en-US" smtClean="0"/>
+              <a:rPr lang="en-US"/>
               <a:t>Click to edit Master title style</a:t>
             </a:r>
-            <a:endParaRPr lang="en-US"/>
           </a:p>
         </p:txBody>
       </p:sp>
@@ -9656,7 +9578,7 @@
           <a:p>
             <a:pPr lvl="0"/>
             <a:r>
-              <a:rPr lang="en-US" smtClean="0"/>
+              <a:rPr lang="en-US"/>
               <a:t>Click to edit Master text styles</a:t>
             </a:r>
           </a:p>
@@ -9712,38 +9634,37 @@
           <a:p>
             <a:pPr lvl="0"/>
             <a:r>
-              <a:rPr lang="en-US" smtClean="0"/>
+              <a:rPr lang="en-US"/>
               <a:t>Click to edit Master text styles</a:t>
             </a:r>
           </a:p>
           <a:p>
             <a:pPr lvl="1"/>
             <a:r>
-              <a:rPr lang="en-US" smtClean="0"/>
+              <a:rPr lang="en-US"/>
               <a:t>Second level</a:t>
             </a:r>
           </a:p>
           <a:p>
             <a:pPr lvl="2"/>
             <a:r>
-              <a:rPr lang="en-US" smtClean="0"/>
+              <a:rPr lang="en-US"/>
               <a:t>Third level</a:t>
             </a:r>
           </a:p>
           <a:p>
             <a:pPr lvl="3"/>
             <a:r>
-              <a:rPr lang="en-US" smtClean="0"/>
+              <a:rPr lang="en-US"/>
               <a:t>Fourth level</a:t>
             </a:r>
           </a:p>
           <a:p>
             <a:pPr lvl="4"/>
             <a:r>
-              <a:rPr lang="en-US" smtClean="0"/>
+              <a:rPr lang="en-US"/>
               <a:t>Fifth level</a:t>
             </a:r>
-            <a:endParaRPr lang="en-US"/>
           </a:p>
         </p:txBody>
       </p:sp>
@@ -9806,7 +9727,7 @@
           <a:p>
             <a:pPr lvl="0"/>
             <a:r>
-              <a:rPr lang="en-US" smtClean="0"/>
+              <a:rPr lang="en-US"/>
               <a:t>Click to edit Master text styles</a:t>
             </a:r>
           </a:p>
@@ -9862,38 +9783,37 @@
           <a:p>
             <a:pPr lvl="0"/>
             <a:r>
-              <a:rPr lang="en-US" smtClean="0"/>
+              <a:rPr lang="en-US"/>
               <a:t>Click to edit Master text styles</a:t>
             </a:r>
           </a:p>
           <a:p>
             <a:pPr lvl="1"/>
             <a:r>
-              <a:rPr lang="en-US" smtClean="0"/>
+              <a:rPr lang="en-US"/>
               <a:t>Second level</a:t>
             </a:r>
           </a:p>
           <a:p>
             <a:pPr lvl="2"/>
             <a:r>
-              <a:rPr lang="en-US" smtClean="0"/>
+              <a:rPr lang="en-US"/>
               <a:t>Third level</a:t>
             </a:r>
           </a:p>
           <a:p>
             <a:pPr lvl="3"/>
             <a:r>
-              <a:rPr lang="en-US" smtClean="0"/>
+              <a:rPr lang="en-US"/>
               <a:t>Fourth level</a:t>
             </a:r>
           </a:p>
           <a:p>
             <a:pPr lvl="4"/>
             <a:r>
-              <a:rPr lang="en-US" smtClean="0"/>
+              <a:rPr lang="en-US"/>
               <a:t>Fifth level</a:t>
             </a:r>
-            <a:endParaRPr lang="en-US"/>
           </a:p>
         </p:txBody>
       </p:sp>
@@ -9939,10 +9859,9 @@
           <a:lstStyle/>
           <a:p>
             <a:r>
-              <a:rPr lang="en-US" smtClean="0"/>
+              <a:rPr lang="en-US"/>
               <a:t>Click to edit Master title style</a:t>
             </a:r>
-            <a:endParaRPr lang="en-US"/>
           </a:p>
         </p:txBody>
       </p:sp>
@@ -10023,10 +9942,9 @@
           </a:lstStyle>
           <a:p>
             <a:r>
-              <a:rPr lang="en-US" smtClean="0"/>
+              <a:rPr lang="en-US"/>
               <a:t>Click to edit Master title style</a:t>
             </a:r>
-            <a:endParaRPr lang="en-US"/>
           </a:p>
         </p:txBody>
       </p:sp>
@@ -10080,38 +9998,37 @@
           <a:p>
             <a:pPr lvl="0"/>
             <a:r>
-              <a:rPr lang="en-US" smtClean="0"/>
+              <a:rPr lang="en-US"/>
               <a:t>Click to edit Master text styles</a:t>
             </a:r>
           </a:p>
           <a:p>
             <a:pPr lvl="1"/>
             <a:r>
-              <a:rPr lang="en-US" smtClean="0"/>
+              <a:rPr lang="en-US"/>
               <a:t>Second level</a:t>
             </a:r>
           </a:p>
           <a:p>
             <a:pPr lvl="2"/>
             <a:r>
-              <a:rPr lang="en-US" smtClean="0"/>
+              <a:rPr lang="en-US"/>
               <a:t>Third level</a:t>
             </a:r>
           </a:p>
           <a:p>
             <a:pPr lvl="3"/>
             <a:r>
-              <a:rPr lang="en-US" smtClean="0"/>
+              <a:rPr lang="en-US"/>
               <a:t>Fourth level</a:t>
             </a:r>
           </a:p>
           <a:p>
             <a:pPr lvl="4"/>
             <a:r>
-              <a:rPr lang="en-US" smtClean="0"/>
+              <a:rPr lang="en-US"/>
               <a:t>Fifth level</a:t>
             </a:r>
-            <a:endParaRPr lang="en-US"/>
           </a:p>
         </p:txBody>
       </p:sp>
@@ -10174,7 +10091,7 @@
           <a:p>
             <a:pPr lvl="0"/>
             <a:r>
-              <a:rPr lang="en-US" smtClean="0"/>
+              <a:rPr lang="en-US"/>
               <a:t>Click to edit Master text styles</a:t>
             </a:r>
           </a:p>
@@ -10231,10 +10148,9 @@
           </a:lstStyle>
           <a:p>
             <a:r>
-              <a:rPr lang="en-US" smtClean="0"/>
+              <a:rPr lang="en-US"/>
               <a:t>Click to edit Master title style</a:t>
             </a:r>
-            <a:endParaRPr lang="en-US"/>
           </a:p>
         </p:txBody>
       </p:sp>
@@ -10296,7 +10212,7 @@
           </a:lstStyle>
           <a:p>
             <a:pPr lvl="0"/>
-            <a:endParaRPr lang="en-US" noProof="0" smtClean="0">
+            <a:endParaRPr lang="en-US" noProof="0">
               <a:sym typeface="Arial" charset="0"/>
             </a:endParaRPr>
           </a:p>
@@ -10361,7 +10277,7 @@
           <a:p>
             <a:pPr lvl="0"/>
             <a:r>
-              <a:rPr lang="en-US" smtClean="0"/>
+              <a:rPr lang="en-US"/>
               <a:t>Click to edit Master text styles</a:t>
             </a:r>
           </a:p>
@@ -10409,10 +10325,9 @@
           <a:lstStyle/>
           <a:p>
             <a:r>
-              <a:rPr lang="en-US" smtClean="0"/>
+              <a:rPr lang="en-US"/>
               <a:t>Click to edit Master title style</a:t>
             </a:r>
-            <a:endParaRPr lang="en-US"/>
           </a:p>
         </p:txBody>
       </p:sp>
@@ -10433,38 +10348,37 @@
           <a:p>
             <a:pPr lvl="0"/>
             <a:r>
-              <a:rPr lang="en-US" smtClean="0"/>
+              <a:rPr lang="en-US"/>
               <a:t>Click to edit Master text styles</a:t>
             </a:r>
           </a:p>
           <a:p>
             <a:pPr lvl="1"/>
             <a:r>
-              <a:rPr lang="en-US" smtClean="0"/>
+              <a:rPr lang="en-US"/>
               <a:t>Second level</a:t>
             </a:r>
           </a:p>
           <a:p>
             <a:pPr lvl="2"/>
             <a:r>
-              <a:rPr lang="en-US" smtClean="0"/>
+              <a:rPr lang="en-US"/>
               <a:t>Third level</a:t>
             </a:r>
           </a:p>
           <a:p>
             <a:pPr lvl="3"/>
             <a:r>
-              <a:rPr lang="en-US" smtClean="0"/>
+              <a:rPr lang="en-US"/>
               <a:t>Fourth level</a:t>
             </a:r>
           </a:p>
           <a:p>
             <a:pPr lvl="4"/>
             <a:r>
-              <a:rPr lang="en-US" smtClean="0"/>
+              <a:rPr lang="en-US"/>
               <a:t>Fifth level</a:t>
             </a:r>
-            <a:endParaRPr lang="en-US"/>
           </a:p>
         </p:txBody>
       </p:sp>
@@ -10515,10 +10429,9 @@
           <a:lstStyle/>
           <a:p>
             <a:r>
-              <a:rPr lang="en-US" smtClean="0"/>
+              <a:rPr lang="en-US"/>
               <a:t>Click to edit Master title style</a:t>
             </a:r>
-            <a:endParaRPr lang="en-US"/>
           </a:p>
         </p:txBody>
       </p:sp>
@@ -10544,38 +10457,37 @@
           <a:p>
             <a:pPr lvl="0"/>
             <a:r>
-              <a:rPr lang="en-US" smtClean="0"/>
+              <a:rPr lang="en-US"/>
               <a:t>Click to edit Master text styles</a:t>
             </a:r>
           </a:p>
           <a:p>
             <a:pPr lvl="1"/>
             <a:r>
-              <a:rPr lang="en-US" smtClean="0"/>
+              <a:rPr lang="en-US"/>
               <a:t>Second level</a:t>
             </a:r>
           </a:p>
           <a:p>
             <a:pPr lvl="2"/>
             <a:r>
-              <a:rPr lang="en-US" smtClean="0"/>
+              <a:rPr lang="en-US"/>
               <a:t>Third level</a:t>
             </a:r>
           </a:p>
           <a:p>
             <a:pPr lvl="3"/>
             <a:r>
-              <a:rPr lang="en-US" smtClean="0"/>
+              <a:rPr lang="en-US"/>
               <a:t>Fourth level</a:t>
             </a:r>
           </a:p>
           <a:p>
             <a:pPr lvl="4"/>
             <a:r>
-              <a:rPr lang="en-US" smtClean="0"/>
+              <a:rPr lang="en-US"/>
               <a:t>Fifth level</a:t>
             </a:r>
-            <a:endParaRPr lang="en-US"/>
           </a:p>
         </p:txBody>
       </p:sp>
@@ -10629,10 +10541,9 @@
           <a:lstStyle/>
           <a:p>
             <a:r>
-              <a:rPr lang="en-US" smtClean="0"/>
+              <a:rPr lang="en-US"/>
               <a:t>Click to edit Master title style</a:t>
             </a:r>
-            <a:endParaRPr lang="en-US"/>
           </a:p>
         </p:txBody>
       </p:sp>
@@ -10697,10 +10608,9 @@
           </a:lstStyle>
           <a:p>
             <a:r>
-              <a:rPr lang="en-US" smtClean="0"/>
+              <a:rPr lang="en-US"/>
               <a:t>Click to edit Master subtitle style</a:t>
             </a:r>
-            <a:endParaRPr lang="en-US"/>
           </a:p>
         </p:txBody>
       </p:sp>
@@ -10754,10 +10664,9 @@
           <a:lstStyle/>
           <a:p>
             <a:r>
-              <a:rPr lang="en-US" smtClean="0"/>
+              <a:rPr lang="en-US"/>
               <a:t>Click to edit Master title style</a:t>
             </a:r>
-            <a:endParaRPr lang="en-US"/>
           </a:p>
         </p:txBody>
       </p:sp>
@@ -10786,38 +10695,37 @@
           <a:p>
             <a:pPr lvl="0"/>
             <a:r>
-              <a:rPr lang="en-US" smtClean="0"/>
+              <a:rPr lang="en-US"/>
               <a:t>Click to edit Master text styles</a:t>
             </a:r>
           </a:p>
           <a:p>
             <a:pPr lvl="1"/>
             <a:r>
-              <a:rPr lang="en-US" smtClean="0"/>
+              <a:rPr lang="en-US"/>
               <a:t>Second level</a:t>
             </a:r>
           </a:p>
           <a:p>
             <a:pPr lvl="2"/>
             <a:r>
-              <a:rPr lang="en-US" smtClean="0"/>
+              <a:rPr lang="en-US"/>
               <a:t>Third level</a:t>
             </a:r>
           </a:p>
           <a:p>
             <a:pPr lvl="3"/>
             <a:r>
-              <a:rPr lang="en-US" smtClean="0"/>
+              <a:rPr lang="en-US"/>
               <a:t>Fourth level</a:t>
             </a:r>
           </a:p>
           <a:p>
             <a:pPr lvl="4"/>
             <a:r>
-              <a:rPr lang="en-US" smtClean="0"/>
+              <a:rPr lang="en-US"/>
               <a:t>Fifth level</a:t>
             </a:r>
-            <a:endParaRPr lang="en-US"/>
           </a:p>
         </p:txBody>
       </p:sp>
@@ -10875,10 +10783,9 @@
           </a:lstStyle>
           <a:p>
             <a:r>
-              <a:rPr lang="en-US" smtClean="0"/>
+              <a:rPr lang="en-US"/>
               <a:t>Click to edit Master title style</a:t>
             </a:r>
-            <a:endParaRPr lang="en-US"/>
           </a:p>
         </p:txBody>
       </p:sp>
@@ -10944,7 +10851,7 @@
           <a:p>
             <a:pPr lvl="0"/>
             <a:r>
-              <a:rPr lang="en-US" smtClean="0"/>
+              <a:rPr lang="en-US"/>
               <a:t>Click to edit Master text styles</a:t>
             </a:r>
           </a:p>
@@ -11026,10 +10933,9 @@
           <a:lstStyle/>
           <a:p>
             <a:r>
-              <a:rPr lang="en-US" smtClean="0"/>
+              <a:rPr lang="en-US"/>
               <a:t>Click to edit Master title style</a:t>
             </a:r>
-            <a:endParaRPr lang="en-US"/>
           </a:p>
         </p:txBody>
       </p:sp>
@@ -11086,38 +10992,37 @@
           <a:p>
             <a:pPr lvl="0"/>
             <a:r>
-              <a:rPr lang="en-US" smtClean="0"/>
+              <a:rPr lang="en-US"/>
               <a:t>Click to edit Master text styles</a:t>
             </a:r>
           </a:p>
           <a:p>
             <a:pPr lvl="1"/>
             <a:r>
-              <a:rPr lang="en-US" smtClean="0"/>
+              <a:rPr lang="en-US"/>
               <a:t>Second level</a:t>
             </a:r>
           </a:p>
           <a:p>
             <a:pPr lvl="2"/>
             <a:r>
-              <a:rPr lang="en-US" smtClean="0"/>
+              <a:rPr lang="en-US"/>
               <a:t>Third level</a:t>
             </a:r>
           </a:p>
           <a:p>
             <a:pPr lvl="3"/>
             <a:r>
-              <a:rPr lang="en-US" smtClean="0"/>
+              <a:rPr lang="en-US"/>
               <a:t>Fourth level</a:t>
             </a:r>
           </a:p>
           <a:p>
             <a:pPr lvl="4"/>
             <a:r>
-              <a:rPr lang="en-US" smtClean="0"/>
+              <a:rPr lang="en-US"/>
               <a:t>Fifth level</a:t>
             </a:r>
-            <a:endParaRPr lang="en-US"/>
           </a:p>
         </p:txBody>
       </p:sp>
@@ -11174,38 +11079,37 @@
           <a:p>
             <a:pPr lvl="0"/>
             <a:r>
-              <a:rPr lang="en-US" smtClean="0"/>
+              <a:rPr lang="en-US"/>
               <a:t>Click to edit Master text styles</a:t>
             </a:r>
           </a:p>
           <a:p>
             <a:pPr lvl="1"/>
             <a:r>
-              <a:rPr lang="en-US" smtClean="0"/>
+              <a:rPr lang="en-US"/>
               <a:t>Second level</a:t>
             </a:r>
           </a:p>
           <a:p>
             <a:pPr lvl="2"/>
             <a:r>
-              <a:rPr lang="en-US" smtClean="0"/>
+              <a:rPr lang="en-US"/>
               <a:t>Third level</a:t>
             </a:r>
           </a:p>
           <a:p>
             <a:pPr lvl="3"/>
             <a:r>
-              <a:rPr lang="en-US" smtClean="0"/>
+              <a:rPr lang="en-US"/>
               <a:t>Fourth level</a:t>
             </a:r>
           </a:p>
           <a:p>
             <a:pPr lvl="4"/>
             <a:r>
-              <a:rPr lang="en-US" smtClean="0"/>
+              <a:rPr lang="en-US"/>
               <a:t>Fifth level</a:t>
             </a:r>
-            <a:endParaRPr lang="en-US"/>
           </a:p>
         </p:txBody>
       </p:sp>
@@ -11263,10 +11167,9 @@
           </a:lstStyle>
           <a:p>
             <a:r>
-              <a:rPr lang="en-US" smtClean="0"/>
+              <a:rPr lang="en-US"/>
               <a:t>Click to edit Master title style</a:t>
             </a:r>
-            <a:endParaRPr lang="en-US"/>
           </a:p>
         </p:txBody>
       </p:sp>
@@ -11332,7 +11235,7 @@
           <a:p>
             <a:pPr lvl="0"/>
             <a:r>
-              <a:rPr lang="en-US" smtClean="0"/>
+              <a:rPr lang="en-US"/>
               <a:t>Click to edit Master text styles</a:t>
             </a:r>
           </a:p>
@@ -11391,38 +11294,37 @@
           <a:p>
             <a:pPr lvl="0"/>
             <a:r>
-              <a:rPr lang="en-US" smtClean="0"/>
+              <a:rPr lang="en-US"/>
               <a:t>Click to edit Master text styles</a:t>
             </a:r>
           </a:p>
           <a:p>
             <a:pPr lvl="1"/>
             <a:r>
-              <a:rPr lang="en-US" smtClean="0"/>
+              <a:rPr lang="en-US"/>
               <a:t>Second level</a:t>
             </a:r>
           </a:p>
           <a:p>
             <a:pPr lvl="2"/>
             <a:r>
-              <a:rPr lang="en-US" smtClean="0"/>
+              <a:rPr lang="en-US"/>
               <a:t>Third level</a:t>
             </a:r>
           </a:p>
           <a:p>
             <a:pPr lvl="3"/>
             <a:r>
-              <a:rPr lang="en-US" smtClean="0"/>
+              <a:rPr lang="en-US"/>
               <a:t>Fourth level</a:t>
             </a:r>
           </a:p>
           <a:p>
             <a:pPr lvl="4"/>
             <a:r>
-              <a:rPr lang="en-US" smtClean="0"/>
+              <a:rPr lang="en-US"/>
               <a:t>Fifth level</a:t>
             </a:r>
-            <a:endParaRPr lang="en-US"/>
           </a:p>
         </p:txBody>
       </p:sp>
@@ -11488,7 +11390,7 @@
           <a:p>
             <a:pPr lvl="0"/>
             <a:r>
-              <a:rPr lang="en-US" smtClean="0"/>
+              <a:rPr lang="en-US"/>
               <a:t>Click to edit Master text styles</a:t>
             </a:r>
           </a:p>
@@ -11547,38 +11449,37 @@
           <a:p>
             <a:pPr lvl="0"/>
             <a:r>
-              <a:rPr lang="en-US" smtClean="0"/>
+              <a:rPr lang="en-US"/>
               <a:t>Click to edit Master text styles</a:t>
             </a:r>
           </a:p>
           <a:p>
             <a:pPr lvl="1"/>
             <a:r>
-              <a:rPr lang="en-US" smtClean="0"/>
+              <a:rPr lang="en-US"/>
               <a:t>Second level</a:t>
             </a:r>
           </a:p>
           <a:p>
             <a:pPr lvl="2"/>
             <a:r>
-              <a:rPr lang="en-US" smtClean="0"/>
+              <a:rPr lang="en-US"/>
               <a:t>Third level</a:t>
             </a:r>
           </a:p>
           <a:p>
             <a:pPr lvl="3"/>
             <a:r>
-              <a:rPr lang="en-US" smtClean="0"/>
+              <a:rPr lang="en-US"/>
               <a:t>Fourth level</a:t>
             </a:r>
           </a:p>
           <a:p>
             <a:pPr lvl="4"/>
             <a:r>
-              <a:rPr lang="en-US" smtClean="0"/>
+              <a:rPr lang="en-US"/>
               <a:t>Fifth level</a:t>
             </a:r>
-            <a:endParaRPr lang="en-US"/>
           </a:p>
         </p:txBody>
       </p:sp>
@@ -11632,10 +11533,9 @@
           <a:lstStyle/>
           <a:p>
             <a:r>
-              <a:rPr lang="en-US" smtClean="0"/>
+              <a:rPr lang="en-US"/>
               <a:t>Click to edit Master title style</a:t>
             </a:r>
-            <a:endParaRPr lang="en-US"/>
           </a:p>
         </p:txBody>
       </p:sp>
@@ -11719,10 +11619,9 @@
           </a:lstStyle>
           <a:p>
             <a:r>
-              <a:rPr lang="en-US" smtClean="0"/>
+              <a:rPr lang="en-US"/>
               <a:t>Click to edit Master title style</a:t>
             </a:r>
-            <a:endParaRPr lang="en-US"/>
           </a:p>
         </p:txBody>
       </p:sp>
@@ -11779,38 +11678,37 @@
           <a:p>
             <a:pPr lvl="0"/>
             <a:r>
-              <a:rPr lang="en-US" smtClean="0"/>
+              <a:rPr lang="en-US"/>
               <a:t>Click to edit Master text styles</a:t>
             </a:r>
           </a:p>
           <a:p>
             <a:pPr lvl="1"/>
             <a:r>
-              <a:rPr lang="en-US" smtClean="0"/>
+              <a:rPr lang="en-US"/>
               <a:t>Second level</a:t>
             </a:r>
           </a:p>
           <a:p>
             <a:pPr lvl="2"/>
             <a:r>
-              <a:rPr lang="en-US" smtClean="0"/>
+              <a:rPr lang="en-US"/>
               <a:t>Third level</a:t>
             </a:r>
           </a:p>
           <a:p>
             <a:pPr lvl="3"/>
             <a:r>
-              <a:rPr lang="en-US" smtClean="0"/>
+              <a:rPr lang="en-US"/>
               <a:t>Fourth level</a:t>
             </a:r>
           </a:p>
           <a:p>
             <a:pPr lvl="4"/>
             <a:r>
-              <a:rPr lang="en-US" smtClean="0"/>
+              <a:rPr lang="en-US"/>
               <a:t>Fifth level</a:t>
             </a:r>
-            <a:endParaRPr lang="en-US"/>
           </a:p>
         </p:txBody>
       </p:sp>
@@ -11876,7 +11774,7 @@
           <a:p>
             <a:pPr lvl="0"/>
             <a:r>
-              <a:rPr lang="en-US" smtClean="0"/>
+              <a:rPr lang="en-US"/>
               <a:t>Click to edit Master text styles</a:t>
             </a:r>
           </a:p>
@@ -11936,10 +11834,9 @@
           </a:lstStyle>
           <a:p>
             <a:r>
-              <a:rPr lang="en-US" smtClean="0"/>
+              <a:rPr lang="en-US"/>
               <a:t>Click to edit Master title style</a:t>
             </a:r>
-            <a:endParaRPr lang="en-US"/>
           </a:p>
         </p:txBody>
       </p:sp>
@@ -12004,7 +11901,7 @@
           </a:lstStyle>
           <a:p>
             <a:pPr lvl="0"/>
-            <a:endParaRPr lang="en-US" noProof="0" smtClean="0">
+            <a:endParaRPr lang="en-US" noProof="0">
               <a:sym typeface="Gill Sans" charset="0"/>
             </a:endParaRPr>
           </a:p>
@@ -12072,7 +11969,7 @@
           <a:p>
             <a:pPr lvl="0"/>
             <a:r>
-              <a:rPr lang="en-US" smtClean="0"/>
+              <a:rPr lang="en-US"/>
               <a:t>Click to edit Master text styles</a:t>
             </a:r>
           </a:p>
@@ -12128,10 +12025,9 @@
           <a:lstStyle/>
           <a:p>
             <a:r>
-              <a:rPr lang="en-US" smtClean="0"/>
+              <a:rPr lang="en-US"/>
               <a:t>Click to edit Master title style</a:t>
             </a:r>
-            <a:endParaRPr lang="en-US"/>
           </a:p>
         </p:txBody>
       </p:sp>
@@ -12160,38 +12056,37 @@
           <a:p>
             <a:pPr lvl="0"/>
             <a:r>
-              <a:rPr lang="en-US" smtClean="0"/>
+              <a:rPr lang="en-US"/>
               <a:t>Click to edit Master text styles</a:t>
             </a:r>
           </a:p>
           <a:p>
             <a:pPr lvl="1"/>
             <a:r>
-              <a:rPr lang="en-US" smtClean="0"/>
+              <a:rPr lang="en-US"/>
               <a:t>Second level</a:t>
             </a:r>
           </a:p>
           <a:p>
             <a:pPr lvl="2"/>
             <a:r>
-              <a:rPr lang="en-US" smtClean="0"/>
+              <a:rPr lang="en-US"/>
               <a:t>Third level</a:t>
             </a:r>
           </a:p>
           <a:p>
             <a:pPr lvl="3"/>
             <a:r>
-              <a:rPr lang="en-US" smtClean="0"/>
+              <a:rPr lang="en-US"/>
               <a:t>Fourth level</a:t>
             </a:r>
           </a:p>
           <a:p>
             <a:pPr lvl="4"/>
             <a:r>
-              <a:rPr lang="en-US" smtClean="0"/>
+              <a:rPr lang="en-US"/>
               <a:t>Fifth level</a:t>
             </a:r>
-            <a:endParaRPr lang="en-US"/>
           </a:p>
         </p:txBody>
       </p:sp>
@@ -12245,10 +12140,9 @@
           <a:lstStyle/>
           <a:p>
             <a:r>
-              <a:rPr lang="en-US" smtClean="0"/>
+              <a:rPr lang="en-US"/>
               <a:t>Click to edit Master title style</a:t>
             </a:r>
-            <a:endParaRPr lang="en-US"/>
           </a:p>
         </p:txBody>
       </p:sp>
@@ -12277,38 +12171,37 @@
           <a:p>
             <a:pPr lvl="0"/>
             <a:r>
-              <a:rPr lang="en-US" smtClean="0"/>
+              <a:rPr lang="en-US"/>
               <a:t>Click to edit Master text styles</a:t>
             </a:r>
           </a:p>
           <a:p>
             <a:pPr lvl="1"/>
             <a:r>
-              <a:rPr lang="en-US" smtClean="0"/>
+              <a:rPr lang="en-US"/>
               <a:t>Second level</a:t>
             </a:r>
           </a:p>
           <a:p>
             <a:pPr lvl="2"/>
             <a:r>
-              <a:rPr lang="en-US" smtClean="0"/>
+              <a:rPr lang="en-US"/>
               <a:t>Third level</a:t>
             </a:r>
           </a:p>
           <a:p>
             <a:pPr lvl="3"/>
             <a:r>
-              <a:rPr lang="en-US" smtClean="0"/>
+              <a:rPr lang="en-US"/>
               <a:t>Fourth level</a:t>
             </a:r>
           </a:p>
           <a:p>
             <a:pPr lvl="4"/>
             <a:r>
-              <a:rPr lang="en-US" smtClean="0"/>
+              <a:rPr lang="en-US"/>
               <a:t>Fifth level</a:t>
             </a:r>
-            <a:endParaRPr lang="en-US"/>
           </a:p>
         </p:txBody>
       </p:sp>
@@ -12359,7 +12252,7 @@
           <a:lstStyle/>
           <a:p>
             <a:r>
-              <a:rPr lang="en-US" smtClean="0"/>
+              <a:rPr lang="en-US"/>
               <a:t>Click to edit Master title style</a:t>
             </a:r>
             <a:endParaRPr lang="en-GB"/>
@@ -12478,7 +12371,7 @@
           </a:lstStyle>
           <a:p>
             <a:r>
-              <a:rPr lang="en-US" smtClean="0"/>
+              <a:rPr lang="en-US"/>
               <a:t>Click to edit Master subtitle style</a:t>
             </a:r>
             <a:endParaRPr lang="en-GB"/>
@@ -12509,7 +12402,7 @@
                 </a:solidFill>
               </a:rPr>
               <a:pPr/>
-              <a:t>20/03/2020</a:t>
+              <a:t>01/12/2023</a:t>
             </a:fld>
             <a:endParaRPr lang="en-GB">
               <a:solidFill>
@@ -12628,7 +12521,7 @@
           <a:lstStyle/>
           <a:p>
             <a:r>
-              <a:rPr lang="en-US" smtClean="0"/>
+              <a:rPr lang="en-US"/>
               <a:t>Click to edit Master title style</a:t>
             </a:r>
             <a:endParaRPr lang="en-GB"/>
@@ -12652,35 +12545,35 @@
           <a:p>
             <a:pPr lvl="0"/>
             <a:r>
-              <a:rPr lang="en-US" smtClean="0"/>
+              <a:rPr lang="en-US"/>
               <a:t>Click to edit Master text styles</a:t>
             </a:r>
           </a:p>
           <a:p>
             <a:pPr lvl="1"/>
             <a:r>
-              <a:rPr lang="en-US" smtClean="0"/>
+              <a:rPr lang="en-US"/>
               <a:t>Second level</a:t>
             </a:r>
           </a:p>
           <a:p>
             <a:pPr lvl="2"/>
             <a:r>
-              <a:rPr lang="en-US" smtClean="0"/>
+              <a:rPr lang="en-US"/>
               <a:t>Third level</a:t>
             </a:r>
           </a:p>
           <a:p>
             <a:pPr lvl="3"/>
             <a:r>
-              <a:rPr lang="en-US" smtClean="0"/>
+              <a:rPr lang="en-US"/>
               <a:t>Fourth level</a:t>
             </a:r>
           </a:p>
           <a:p>
             <a:pPr lvl="4"/>
             <a:r>
-              <a:rPr lang="en-US" smtClean="0"/>
+              <a:rPr lang="en-US"/>
               <a:t>Fifth level</a:t>
             </a:r>
             <a:endParaRPr lang="en-GB"/>
@@ -12711,7 +12604,7 @@
                 </a:solidFill>
               </a:rPr>
               <a:pPr/>
-              <a:t>20/03/2020</a:t>
+              <a:t>01/12/2023</a:t>
             </a:fld>
             <a:endParaRPr lang="en-GB">
               <a:solidFill>
@@ -12839,10 +12732,9 @@
           </a:lstStyle>
           <a:p>
             <a:r>
-              <a:rPr lang="en-US" smtClean="0"/>
+              <a:rPr lang="en-US"/>
               <a:t>Click to edit Master title style</a:t>
             </a:r>
-            <a:endParaRPr lang="en-US"/>
           </a:p>
         </p:txBody>
       </p:sp>
@@ -12896,38 +12788,37 @@
           <a:p>
             <a:pPr lvl="0"/>
             <a:r>
-              <a:rPr lang="en-US" smtClean="0"/>
+              <a:rPr lang="en-US"/>
               <a:t>Click to edit Master text styles</a:t>
             </a:r>
           </a:p>
           <a:p>
             <a:pPr lvl="1"/>
             <a:r>
-              <a:rPr lang="en-US" smtClean="0"/>
+              <a:rPr lang="en-US"/>
               <a:t>Second level</a:t>
             </a:r>
           </a:p>
           <a:p>
             <a:pPr lvl="2"/>
             <a:r>
-              <a:rPr lang="en-US" smtClean="0"/>
+              <a:rPr lang="en-US"/>
               <a:t>Third level</a:t>
             </a:r>
           </a:p>
           <a:p>
             <a:pPr lvl="3"/>
             <a:r>
-              <a:rPr lang="en-US" smtClean="0"/>
+              <a:rPr lang="en-US"/>
               <a:t>Fourth level</a:t>
             </a:r>
           </a:p>
           <a:p>
             <a:pPr lvl="4"/>
             <a:r>
-              <a:rPr lang="en-US" smtClean="0"/>
+              <a:rPr lang="en-US"/>
               <a:t>Fifth level</a:t>
             </a:r>
-            <a:endParaRPr lang="en-US"/>
           </a:p>
         </p:txBody>
       </p:sp>
@@ -12990,7 +12881,7 @@
           <a:p>
             <a:pPr lvl="0"/>
             <a:r>
-              <a:rPr lang="en-US" smtClean="0"/>
+              <a:rPr lang="en-US"/>
               <a:t>Click to edit Master text styles</a:t>
             </a:r>
           </a:p>
@@ -13047,7 +12938,7 @@
           </a:lstStyle>
           <a:p>
             <a:r>
-              <a:rPr lang="en-US" smtClean="0"/>
+              <a:rPr lang="en-US"/>
               <a:t>Click to edit Master title style</a:t>
             </a:r>
             <a:endParaRPr lang="en-GB"/>
@@ -13167,7 +13058,7 @@
           <a:p>
             <a:pPr lvl="0"/>
             <a:r>
-              <a:rPr lang="en-US" smtClean="0"/>
+              <a:rPr lang="en-US"/>
               <a:t>Click to edit Master text styles</a:t>
             </a:r>
           </a:p>
@@ -13197,7 +13088,7 @@
                 </a:solidFill>
               </a:rPr>
               <a:pPr/>
-              <a:t>20/03/2020</a:t>
+              <a:t>01/12/2023</a:t>
             </a:fld>
             <a:endParaRPr lang="en-GB">
               <a:solidFill>
@@ -13316,7 +13207,7 @@
           <a:lstStyle/>
           <a:p>
             <a:r>
-              <a:rPr lang="en-US" smtClean="0"/>
+              <a:rPr lang="en-US"/>
               <a:t>Click to edit Master title style</a:t>
             </a:r>
             <a:endParaRPr lang="en-GB"/>
@@ -13373,35 +13264,35 @@
           <a:p>
             <a:pPr lvl="0"/>
             <a:r>
-              <a:rPr lang="en-US" smtClean="0"/>
+              <a:rPr lang="en-US"/>
               <a:t>Click to edit Master text styles</a:t>
             </a:r>
           </a:p>
           <a:p>
             <a:pPr lvl="1"/>
             <a:r>
-              <a:rPr lang="en-US" smtClean="0"/>
+              <a:rPr lang="en-US"/>
               <a:t>Second level</a:t>
             </a:r>
           </a:p>
           <a:p>
             <a:pPr lvl="2"/>
             <a:r>
-              <a:rPr lang="en-US" smtClean="0"/>
+              <a:rPr lang="en-US"/>
               <a:t>Third level</a:t>
             </a:r>
           </a:p>
           <a:p>
             <a:pPr lvl="3"/>
             <a:r>
-              <a:rPr lang="en-US" smtClean="0"/>
+              <a:rPr lang="en-US"/>
               <a:t>Fourth level</a:t>
             </a:r>
           </a:p>
           <a:p>
             <a:pPr lvl="4"/>
             <a:r>
-              <a:rPr lang="en-US" smtClean="0"/>
+              <a:rPr lang="en-US"/>
               <a:t>Fifth level</a:t>
             </a:r>
             <a:endParaRPr lang="en-GB"/>
@@ -13458,35 +13349,35 @@
           <a:p>
             <a:pPr lvl="0"/>
             <a:r>
-              <a:rPr lang="en-US" smtClean="0"/>
+              <a:rPr lang="en-US"/>
               <a:t>Click to edit Master text styles</a:t>
             </a:r>
           </a:p>
           <a:p>
             <a:pPr lvl="1"/>
             <a:r>
-              <a:rPr lang="en-US" smtClean="0"/>
+              <a:rPr lang="en-US"/>
               <a:t>Second level</a:t>
             </a:r>
           </a:p>
           <a:p>
             <a:pPr lvl="2"/>
             <a:r>
-              <a:rPr lang="en-US" smtClean="0"/>
+              <a:rPr lang="en-US"/>
               <a:t>Third level</a:t>
             </a:r>
           </a:p>
           <a:p>
             <a:pPr lvl="3"/>
             <a:r>
-              <a:rPr lang="en-US" smtClean="0"/>
+              <a:rPr lang="en-US"/>
               <a:t>Fourth level</a:t>
             </a:r>
           </a:p>
           <a:p>
             <a:pPr lvl="4"/>
             <a:r>
-              <a:rPr lang="en-US" smtClean="0"/>
+              <a:rPr lang="en-US"/>
               <a:t>Fifth level</a:t>
             </a:r>
             <a:endParaRPr lang="en-GB"/>
@@ -13517,7 +13408,7 @@
                 </a:solidFill>
               </a:rPr>
               <a:pPr/>
-              <a:t>20/03/2020</a:t>
+              <a:t>01/12/2023</a:t>
             </a:fld>
             <a:endParaRPr lang="en-GB">
               <a:solidFill>
@@ -13640,7 +13531,7 @@
           </a:lstStyle>
           <a:p>
             <a:r>
-              <a:rPr lang="en-US" smtClean="0"/>
+              <a:rPr lang="en-US"/>
               <a:t>Click to edit Master title style</a:t>
             </a:r>
             <a:endParaRPr lang="en-GB"/>
@@ -13706,7 +13597,7 @@
           <a:p>
             <a:pPr lvl="0"/>
             <a:r>
-              <a:rPr lang="en-US" smtClean="0"/>
+              <a:rPr lang="en-US"/>
               <a:t>Click to edit Master text styles</a:t>
             </a:r>
           </a:p>
@@ -13762,35 +13653,35 @@
           <a:p>
             <a:pPr lvl="0"/>
             <a:r>
-              <a:rPr lang="en-US" smtClean="0"/>
+              <a:rPr lang="en-US"/>
               <a:t>Click to edit Master text styles</a:t>
             </a:r>
           </a:p>
           <a:p>
             <a:pPr lvl="1"/>
             <a:r>
-              <a:rPr lang="en-US" smtClean="0"/>
+              <a:rPr lang="en-US"/>
               <a:t>Second level</a:t>
             </a:r>
           </a:p>
           <a:p>
             <a:pPr lvl="2"/>
             <a:r>
-              <a:rPr lang="en-US" smtClean="0"/>
+              <a:rPr lang="en-US"/>
               <a:t>Third level</a:t>
             </a:r>
           </a:p>
           <a:p>
             <a:pPr lvl="3"/>
             <a:r>
-              <a:rPr lang="en-US" smtClean="0"/>
+              <a:rPr lang="en-US"/>
               <a:t>Fourth level</a:t>
             </a:r>
           </a:p>
           <a:p>
             <a:pPr lvl="4"/>
             <a:r>
-              <a:rPr lang="en-US" smtClean="0"/>
+              <a:rPr lang="en-US"/>
               <a:t>Fifth level</a:t>
             </a:r>
             <a:endParaRPr lang="en-GB"/>
@@ -13856,7 +13747,7 @@
           <a:p>
             <a:pPr lvl="0"/>
             <a:r>
-              <a:rPr lang="en-US" smtClean="0"/>
+              <a:rPr lang="en-US"/>
               <a:t>Click to edit Master text styles</a:t>
             </a:r>
           </a:p>
@@ -13912,35 +13803,35 @@
           <a:p>
             <a:pPr lvl="0"/>
             <a:r>
-              <a:rPr lang="en-US" smtClean="0"/>
+              <a:rPr lang="en-US"/>
               <a:t>Click to edit Master text styles</a:t>
             </a:r>
           </a:p>
           <a:p>
             <a:pPr lvl="1"/>
             <a:r>
-              <a:rPr lang="en-US" smtClean="0"/>
+              <a:rPr lang="en-US"/>
               <a:t>Second level</a:t>
             </a:r>
           </a:p>
           <a:p>
             <a:pPr lvl="2"/>
             <a:r>
-              <a:rPr lang="en-US" smtClean="0"/>
+              <a:rPr lang="en-US"/>
               <a:t>Third level</a:t>
             </a:r>
           </a:p>
           <a:p>
             <a:pPr lvl="3"/>
             <a:r>
-              <a:rPr lang="en-US" smtClean="0"/>
+              <a:rPr lang="en-US"/>
               <a:t>Fourth level</a:t>
             </a:r>
           </a:p>
           <a:p>
             <a:pPr lvl="4"/>
             <a:r>
-              <a:rPr lang="en-US" smtClean="0"/>
+              <a:rPr lang="en-US"/>
               <a:t>Fifth level</a:t>
             </a:r>
             <a:endParaRPr lang="en-GB"/>
@@ -13971,7 +13862,7 @@
                 </a:solidFill>
               </a:rPr>
               <a:pPr/>
-              <a:t>20/03/2020</a:t>
+              <a:t>01/12/2023</a:t>
             </a:fld>
             <a:endParaRPr lang="en-GB">
               <a:solidFill>
@@ -14090,7 +13981,7 @@
           <a:lstStyle/>
           <a:p>
             <a:r>
-              <a:rPr lang="en-US" smtClean="0"/>
+              <a:rPr lang="en-US"/>
               <a:t>Click to edit Master title style</a:t>
             </a:r>
             <a:endParaRPr lang="en-GB"/>
@@ -14121,7 +14012,7 @@
                 </a:solidFill>
               </a:rPr>
               <a:pPr/>
-              <a:t>20/03/2020</a:t>
+              <a:t>01/12/2023</a:t>
             </a:fld>
             <a:endParaRPr lang="en-GB">
               <a:solidFill>
@@ -14248,7 +14139,7 @@
                 </a:solidFill>
               </a:rPr>
               <a:pPr/>
-              <a:t>20/03/2020</a:t>
+              <a:t>01/12/2023</a:t>
             </a:fld>
             <a:endParaRPr lang="en-GB">
               <a:solidFill>
@@ -14376,7 +14267,7 @@
           </a:lstStyle>
           <a:p>
             <a:r>
-              <a:rPr lang="en-US" smtClean="0"/>
+              <a:rPr lang="en-US"/>
               <a:t>Click to edit Master title style</a:t>
             </a:r>
             <a:endParaRPr lang="en-GB"/>
@@ -14433,35 +14324,35 @@
           <a:p>
             <a:pPr lvl="0"/>
             <a:r>
-              <a:rPr lang="en-US" smtClean="0"/>
+              <a:rPr lang="en-US"/>
               <a:t>Click to edit Master text styles</a:t>
             </a:r>
           </a:p>
           <a:p>
             <a:pPr lvl="1"/>
             <a:r>
-              <a:rPr lang="en-US" smtClean="0"/>
+              <a:rPr lang="en-US"/>
               <a:t>Second level</a:t>
             </a:r>
           </a:p>
           <a:p>
             <a:pPr lvl="2"/>
             <a:r>
-              <a:rPr lang="en-US" smtClean="0"/>
+              <a:rPr lang="en-US"/>
               <a:t>Third level</a:t>
             </a:r>
           </a:p>
           <a:p>
             <a:pPr lvl="3"/>
             <a:r>
-              <a:rPr lang="en-US" smtClean="0"/>
+              <a:rPr lang="en-US"/>
               <a:t>Fourth level</a:t>
             </a:r>
           </a:p>
           <a:p>
             <a:pPr lvl="4"/>
             <a:r>
-              <a:rPr lang="en-US" smtClean="0"/>
+              <a:rPr lang="en-US"/>
               <a:t>Fifth level</a:t>
             </a:r>
             <a:endParaRPr lang="en-GB"/>
@@ -14527,7 +14418,7 @@
           <a:p>
             <a:pPr lvl="0"/>
             <a:r>
-              <a:rPr lang="en-US" smtClean="0"/>
+              <a:rPr lang="en-US"/>
               <a:t>Click to edit Master text styles</a:t>
             </a:r>
           </a:p>
@@ -14557,7 +14448,7 @@
                 </a:solidFill>
               </a:rPr>
               <a:pPr/>
-              <a:t>20/03/2020</a:t>
+              <a:t>01/12/2023</a:t>
             </a:fld>
             <a:endParaRPr lang="en-GB">
               <a:solidFill>
@@ -14685,7 +14576,7 @@
           </a:lstStyle>
           <a:p>
             <a:r>
-              <a:rPr lang="en-US" smtClean="0"/>
+              <a:rPr lang="en-US"/>
               <a:t>Click to edit Master title style</a:t>
             </a:r>
             <a:endParaRPr lang="en-GB"/>
@@ -14812,7 +14703,7 @@
           <a:p>
             <a:pPr lvl="0"/>
             <a:r>
-              <a:rPr lang="en-US" smtClean="0"/>
+              <a:rPr lang="en-US"/>
               <a:t>Click to edit Master text styles</a:t>
             </a:r>
           </a:p>
@@ -14842,7 +14733,7 @@
                 </a:solidFill>
               </a:rPr>
               <a:pPr/>
-              <a:t>20/03/2020</a:t>
+              <a:t>01/12/2023</a:t>
             </a:fld>
             <a:endParaRPr lang="en-GB">
               <a:solidFill>
@@ -14961,7 +14852,7 @@
           <a:lstStyle/>
           <a:p>
             <a:r>
-              <a:rPr lang="en-US" smtClean="0"/>
+              <a:rPr lang="en-US"/>
               <a:t>Click to edit Master title style</a:t>
             </a:r>
             <a:endParaRPr lang="en-GB"/>
@@ -14985,35 +14876,35 @@
           <a:p>
             <a:pPr lvl="0"/>
             <a:r>
-              <a:rPr lang="en-US" smtClean="0"/>
+              <a:rPr lang="en-US"/>
               <a:t>Click to edit Master text styles</a:t>
             </a:r>
           </a:p>
           <a:p>
             <a:pPr lvl="1"/>
             <a:r>
-              <a:rPr lang="en-US" smtClean="0"/>
+              <a:rPr lang="en-US"/>
               <a:t>Second level</a:t>
             </a:r>
           </a:p>
           <a:p>
             <a:pPr lvl="2"/>
             <a:r>
-              <a:rPr lang="en-US" smtClean="0"/>
+              <a:rPr lang="en-US"/>
               <a:t>Third level</a:t>
             </a:r>
           </a:p>
           <a:p>
             <a:pPr lvl="3"/>
             <a:r>
-              <a:rPr lang="en-US" smtClean="0"/>
+              <a:rPr lang="en-US"/>
               <a:t>Fourth level</a:t>
             </a:r>
           </a:p>
           <a:p>
             <a:pPr lvl="4"/>
             <a:r>
-              <a:rPr lang="en-US" smtClean="0"/>
+              <a:rPr lang="en-US"/>
               <a:t>Fifth level</a:t>
             </a:r>
             <a:endParaRPr lang="en-GB"/>
@@ -15044,7 +14935,7 @@
                 </a:solidFill>
               </a:rPr>
               <a:pPr/>
-              <a:t>20/03/2020</a:t>
+              <a:t>01/12/2023</a:t>
             </a:fld>
             <a:endParaRPr lang="en-GB">
               <a:solidFill>
@@ -15168,7 +15059,7 @@
           <a:lstStyle/>
           <a:p>
             <a:r>
-              <a:rPr lang="en-US" smtClean="0"/>
+              <a:rPr lang="en-US"/>
               <a:t>Click to edit Master title style</a:t>
             </a:r>
             <a:endParaRPr lang="en-GB"/>
@@ -15197,35 +15088,35 @@
           <a:p>
             <a:pPr lvl="0"/>
             <a:r>
-              <a:rPr lang="en-US" smtClean="0"/>
+              <a:rPr lang="en-US"/>
               <a:t>Click to edit Master text styles</a:t>
             </a:r>
           </a:p>
           <a:p>
             <a:pPr lvl="1"/>
             <a:r>
-              <a:rPr lang="en-US" smtClean="0"/>
+              <a:rPr lang="en-US"/>
               <a:t>Second level</a:t>
             </a:r>
           </a:p>
           <a:p>
             <a:pPr lvl="2"/>
             <a:r>
-              <a:rPr lang="en-US" smtClean="0"/>
+              <a:rPr lang="en-US"/>
               <a:t>Third level</a:t>
             </a:r>
           </a:p>
           <a:p>
             <a:pPr lvl="3"/>
             <a:r>
-              <a:rPr lang="en-US" smtClean="0"/>
+              <a:rPr lang="en-US"/>
               <a:t>Fourth level</a:t>
             </a:r>
           </a:p>
           <a:p>
             <a:pPr lvl="4"/>
             <a:r>
-              <a:rPr lang="en-US" smtClean="0"/>
+              <a:rPr lang="en-US"/>
               <a:t>Fifth level</a:t>
             </a:r>
             <a:endParaRPr lang="en-GB"/>
@@ -15256,7 +15147,7 @@
                 </a:solidFill>
               </a:rPr>
               <a:pPr/>
-              <a:t>20/03/2020</a:t>
+              <a:t>01/12/2023</a:t>
             </a:fld>
             <a:endParaRPr lang="en-GB">
               <a:solidFill>
@@ -15380,7 +15271,7 @@
           <a:lstStyle/>
           <a:p>
             <a:r>
-              <a:rPr lang="en-US" smtClean="0"/>
+              <a:rPr lang="en-US"/>
               <a:t>Click to edit Master title style</a:t>
             </a:r>
             <a:endParaRPr lang="en-GB"/>
@@ -15499,7 +15390,7 @@
           </a:lstStyle>
           <a:p>
             <a:r>
-              <a:rPr lang="en-US" smtClean="0"/>
+              <a:rPr lang="en-US"/>
               <a:t>Click to edit Master subtitle style</a:t>
             </a:r>
             <a:endParaRPr lang="en-GB"/>
@@ -15530,7 +15421,7 @@
                 </a:solidFill>
               </a:rPr>
               <a:pPr/>
-              <a:t>20/03/2020</a:t>
+              <a:t>01/12/2023</a:t>
             </a:fld>
             <a:endParaRPr lang="en-GB">
               <a:solidFill>
@@ -15658,10 +15549,9 @@
           </a:lstStyle>
           <a:p>
             <a:r>
-              <a:rPr lang="en-US" smtClean="0"/>
+              <a:rPr lang="en-US"/>
               <a:t>Click to edit Master title style</a:t>
             </a:r>
-            <a:endParaRPr lang="en-US"/>
           </a:p>
         </p:txBody>
       </p:sp>
@@ -15723,7 +15613,7 @@
           </a:lstStyle>
           <a:p>
             <a:pPr lvl="0"/>
-            <a:endParaRPr lang="en-US" noProof="0" smtClean="0">
+            <a:endParaRPr lang="en-US" noProof="0">
               <a:sym typeface="Arial" charset="0"/>
             </a:endParaRPr>
           </a:p>
@@ -15788,7 +15678,7 @@
           <a:p>
             <a:pPr lvl="0"/>
             <a:r>
-              <a:rPr lang="en-US" smtClean="0"/>
+              <a:rPr lang="en-US"/>
               <a:t>Click to edit Master text styles</a:t>
             </a:r>
           </a:p>
@@ -15836,7 +15726,7 @@
           <a:lstStyle/>
           <a:p>
             <a:r>
-              <a:rPr lang="en-US" smtClean="0"/>
+              <a:rPr lang="en-US"/>
               <a:t>Click to edit Master title style</a:t>
             </a:r>
             <a:endParaRPr lang="en-GB"/>
@@ -15860,35 +15750,35 @@
           <a:p>
             <a:pPr lvl="0"/>
             <a:r>
-              <a:rPr lang="en-US" smtClean="0"/>
+              <a:rPr lang="en-US"/>
               <a:t>Click to edit Master text styles</a:t>
             </a:r>
           </a:p>
           <a:p>
             <a:pPr lvl="1"/>
             <a:r>
-              <a:rPr lang="en-US" smtClean="0"/>
+              <a:rPr lang="en-US"/>
               <a:t>Second level</a:t>
             </a:r>
           </a:p>
           <a:p>
             <a:pPr lvl="2"/>
             <a:r>
-              <a:rPr lang="en-US" smtClean="0"/>
+              <a:rPr lang="en-US"/>
               <a:t>Third level</a:t>
             </a:r>
           </a:p>
           <a:p>
             <a:pPr lvl="3"/>
             <a:r>
-              <a:rPr lang="en-US" smtClean="0"/>
+              <a:rPr lang="en-US"/>
               <a:t>Fourth level</a:t>
             </a:r>
           </a:p>
           <a:p>
             <a:pPr lvl="4"/>
             <a:r>
-              <a:rPr lang="en-US" smtClean="0"/>
+              <a:rPr lang="en-US"/>
               <a:t>Fifth level</a:t>
             </a:r>
             <a:endParaRPr lang="en-GB"/>
@@ -15919,7 +15809,7 @@
                 </a:solidFill>
               </a:rPr>
               <a:pPr/>
-              <a:t>20/03/2020</a:t>
+              <a:t>01/12/2023</a:t>
             </a:fld>
             <a:endParaRPr lang="en-GB">
               <a:solidFill>
@@ -16047,7 +15937,7 @@
           </a:lstStyle>
           <a:p>
             <a:r>
-              <a:rPr lang="en-US" smtClean="0"/>
+              <a:rPr lang="en-US"/>
               <a:t>Click to edit Master title style</a:t>
             </a:r>
             <a:endParaRPr lang="en-GB"/>
@@ -16167,7 +16057,7 @@
           <a:p>
             <a:pPr lvl="0"/>
             <a:r>
-              <a:rPr lang="en-US" smtClean="0"/>
+              <a:rPr lang="en-US"/>
               <a:t>Click to edit Master text styles</a:t>
             </a:r>
           </a:p>
@@ -16197,7 +16087,7 @@
                 </a:solidFill>
               </a:rPr>
               <a:pPr/>
-              <a:t>20/03/2020</a:t>
+              <a:t>01/12/2023</a:t>
             </a:fld>
             <a:endParaRPr lang="en-GB">
               <a:solidFill>
@@ -16316,7 +16206,7 @@
           <a:lstStyle/>
           <a:p>
             <a:r>
-              <a:rPr lang="en-US" smtClean="0"/>
+              <a:rPr lang="en-US"/>
               <a:t>Click to edit Master title style</a:t>
             </a:r>
             <a:endParaRPr lang="en-GB"/>
@@ -16373,35 +16263,35 @@
           <a:p>
             <a:pPr lvl="0"/>
             <a:r>
-              <a:rPr lang="en-US" smtClean="0"/>
+              <a:rPr lang="en-US"/>
               <a:t>Click to edit Master text styles</a:t>
             </a:r>
           </a:p>
           <a:p>
             <a:pPr lvl="1"/>
             <a:r>
-              <a:rPr lang="en-US" smtClean="0"/>
+              <a:rPr lang="en-US"/>
               <a:t>Second level</a:t>
             </a:r>
           </a:p>
           <a:p>
             <a:pPr lvl="2"/>
             <a:r>
-              <a:rPr lang="en-US" smtClean="0"/>
+              <a:rPr lang="en-US"/>
               <a:t>Third level</a:t>
             </a:r>
           </a:p>
           <a:p>
             <a:pPr lvl="3"/>
             <a:r>
-              <a:rPr lang="en-US" smtClean="0"/>
+              <a:rPr lang="en-US"/>
               <a:t>Fourth level</a:t>
             </a:r>
           </a:p>
           <a:p>
             <a:pPr lvl="4"/>
             <a:r>
-              <a:rPr lang="en-US" smtClean="0"/>
+              <a:rPr lang="en-US"/>
               <a:t>Fifth level</a:t>
             </a:r>
             <a:endParaRPr lang="en-GB"/>
@@ -16458,35 +16348,35 @@
           <a:p>
             <a:pPr lvl="0"/>
             <a:r>
-              <a:rPr lang="en-US" smtClean="0"/>
+              <a:rPr lang="en-US"/>
               <a:t>Click to edit Master text styles</a:t>
             </a:r>
           </a:p>
           <a:p>
             <a:pPr lvl="1"/>
             <a:r>
-              <a:rPr lang="en-US" smtClean="0"/>
+              <a:rPr lang="en-US"/>
               <a:t>Second level</a:t>
             </a:r>
           </a:p>
           <a:p>
             <a:pPr lvl="2"/>
             <a:r>
-              <a:rPr lang="en-US" smtClean="0"/>
+              <a:rPr lang="en-US"/>
               <a:t>Third level</a:t>
             </a:r>
           </a:p>
           <a:p>
             <a:pPr lvl="3"/>
             <a:r>
-              <a:rPr lang="en-US" smtClean="0"/>
+              <a:rPr lang="en-US"/>
               <a:t>Fourth level</a:t>
             </a:r>
           </a:p>
           <a:p>
             <a:pPr lvl="4"/>
             <a:r>
-              <a:rPr lang="en-US" smtClean="0"/>
+              <a:rPr lang="en-US"/>
               <a:t>Fifth level</a:t>
             </a:r>
             <a:endParaRPr lang="en-GB"/>
@@ -16517,7 +16407,7 @@
                 </a:solidFill>
               </a:rPr>
               <a:pPr/>
-              <a:t>20/03/2020</a:t>
+              <a:t>01/12/2023</a:t>
             </a:fld>
             <a:endParaRPr lang="en-GB">
               <a:solidFill>
@@ -16640,7 +16530,7 @@
           </a:lstStyle>
           <a:p>
             <a:r>
-              <a:rPr lang="en-US" smtClean="0"/>
+              <a:rPr lang="en-US"/>
               <a:t>Click to edit Master title style</a:t>
             </a:r>
             <a:endParaRPr lang="en-GB"/>
@@ -16706,7 +16596,7 @@
           <a:p>
             <a:pPr lvl="0"/>
             <a:r>
-              <a:rPr lang="en-US" smtClean="0"/>
+              <a:rPr lang="en-US"/>
               <a:t>Click to edit Master text styles</a:t>
             </a:r>
           </a:p>
@@ -16762,35 +16652,35 @@
           <a:p>
             <a:pPr lvl="0"/>
             <a:r>
-              <a:rPr lang="en-US" smtClean="0"/>
+              <a:rPr lang="en-US"/>
               <a:t>Click to edit Master text styles</a:t>
             </a:r>
           </a:p>
           <a:p>
             <a:pPr lvl="1"/>
             <a:r>
-              <a:rPr lang="en-US" smtClean="0"/>
+              <a:rPr lang="en-US"/>
               <a:t>Second level</a:t>
             </a:r>
           </a:p>
           <a:p>
             <a:pPr lvl="2"/>
             <a:r>
-              <a:rPr lang="en-US" smtClean="0"/>
+              <a:rPr lang="en-US"/>
               <a:t>Third level</a:t>
             </a:r>
           </a:p>
           <a:p>
             <a:pPr lvl="3"/>
             <a:r>
-              <a:rPr lang="en-US" smtClean="0"/>
+              <a:rPr lang="en-US"/>
               <a:t>Fourth level</a:t>
             </a:r>
           </a:p>
           <a:p>
             <a:pPr lvl="4"/>
             <a:r>
-              <a:rPr lang="en-US" smtClean="0"/>
+              <a:rPr lang="en-US"/>
               <a:t>Fifth level</a:t>
             </a:r>
             <a:endParaRPr lang="en-GB"/>
@@ -16856,7 +16746,7 @@
           <a:p>
             <a:pPr lvl="0"/>
             <a:r>
-              <a:rPr lang="en-US" smtClean="0"/>
+              <a:rPr lang="en-US"/>
               <a:t>Click to edit Master text styles</a:t>
             </a:r>
           </a:p>
@@ -16912,35 +16802,35 @@
           <a:p>
             <a:pPr lvl="0"/>
             <a:r>
-              <a:rPr lang="en-US" smtClean="0"/>
+              <a:rPr lang="en-US"/>
               <a:t>Click to edit Master text styles</a:t>
             </a:r>
           </a:p>
           <a:p>
             <a:pPr lvl="1"/>
             <a:r>
-              <a:rPr lang="en-US" smtClean="0"/>
+              <a:rPr lang="en-US"/>
               <a:t>Second level</a:t>
             </a:r>
           </a:p>
           <a:p>
             <a:pPr lvl="2"/>
             <a:r>
-              <a:rPr lang="en-US" smtClean="0"/>
+              <a:rPr lang="en-US"/>
               <a:t>Third level</a:t>
             </a:r>
           </a:p>
           <a:p>
             <a:pPr lvl="3"/>
             <a:r>
-              <a:rPr lang="en-US" smtClean="0"/>
+              <a:rPr lang="en-US"/>
               <a:t>Fourth level</a:t>
             </a:r>
           </a:p>
           <a:p>
             <a:pPr lvl="4"/>
             <a:r>
-              <a:rPr lang="en-US" smtClean="0"/>
+              <a:rPr lang="en-US"/>
               <a:t>Fifth level</a:t>
             </a:r>
             <a:endParaRPr lang="en-GB"/>
@@ -16971,7 +16861,7 @@
                 </a:solidFill>
               </a:rPr>
               <a:pPr/>
-              <a:t>20/03/2020</a:t>
+              <a:t>01/12/2023</a:t>
             </a:fld>
             <a:endParaRPr lang="en-GB">
               <a:solidFill>
@@ -17090,7 +16980,7 @@
           <a:lstStyle/>
           <a:p>
             <a:r>
-              <a:rPr lang="en-US" smtClean="0"/>
+              <a:rPr lang="en-US"/>
               <a:t>Click to edit Master title style</a:t>
             </a:r>
             <a:endParaRPr lang="en-GB"/>
@@ -17121,7 +17011,7 @@
                 </a:solidFill>
               </a:rPr>
               <a:pPr/>
-              <a:t>20/03/2020</a:t>
+              <a:t>01/12/2023</a:t>
             </a:fld>
             <a:endParaRPr lang="en-GB">
               <a:solidFill>
@@ -17248,7 +17138,7 @@
                 </a:solidFill>
               </a:rPr>
               <a:pPr/>
-              <a:t>20/03/2020</a:t>
+              <a:t>01/12/2023</a:t>
             </a:fld>
             <a:endParaRPr lang="en-GB">
               <a:solidFill>
@@ -17376,7 +17266,7 @@
           </a:lstStyle>
           <a:p>
             <a:r>
-              <a:rPr lang="en-US" smtClean="0"/>
+              <a:rPr lang="en-US"/>
               <a:t>Click to edit Master title style</a:t>
             </a:r>
             <a:endParaRPr lang="en-GB"/>
@@ -17433,35 +17323,35 @@
           <a:p>
             <a:pPr lvl="0"/>
             <a:r>
-              <a:rPr lang="en-US" smtClean="0"/>
+              <a:rPr lang="en-US"/>
               <a:t>Click to edit Master text styles</a:t>
             </a:r>
           </a:p>
           <a:p>
             <a:pPr lvl="1"/>
             <a:r>
-              <a:rPr lang="en-US" smtClean="0"/>
+              <a:rPr lang="en-US"/>
               <a:t>Second level</a:t>
             </a:r>
           </a:p>
           <a:p>
             <a:pPr lvl="2"/>
             <a:r>
-              <a:rPr lang="en-US" smtClean="0"/>
+              <a:rPr lang="en-US"/>
               <a:t>Third level</a:t>
             </a:r>
           </a:p>
           <a:p>
             <a:pPr lvl="3"/>
             <a:r>
-              <a:rPr lang="en-US" smtClean="0"/>
+              <a:rPr lang="en-US"/>
               <a:t>Fourth level</a:t>
             </a:r>
           </a:p>
           <a:p>
             <a:pPr lvl="4"/>
             <a:r>
-              <a:rPr lang="en-US" smtClean="0"/>
+              <a:rPr lang="en-US"/>
               <a:t>Fifth level</a:t>
             </a:r>
             <a:endParaRPr lang="en-GB"/>
@@ -17527,7 +17417,7 @@
           <a:p>
             <a:pPr lvl="0"/>
             <a:r>
-              <a:rPr lang="en-US" smtClean="0"/>
+              <a:rPr lang="en-US"/>
               <a:t>Click to edit Master text styles</a:t>
             </a:r>
           </a:p>
@@ -17557,7 +17447,7 @@
                 </a:solidFill>
               </a:rPr>
               <a:pPr/>
-              <a:t>20/03/2020</a:t>
+              <a:t>01/12/2023</a:t>
             </a:fld>
             <a:endParaRPr lang="en-GB">
               <a:solidFill>
@@ -17685,7 +17575,7 @@
           </a:lstStyle>
           <a:p>
             <a:r>
-              <a:rPr lang="en-US" smtClean="0"/>
+              <a:rPr lang="en-US"/>
               <a:t>Click to edit Master title style</a:t>
             </a:r>
             <a:endParaRPr lang="en-GB"/>
@@ -17812,7 +17702,7 @@
           <a:p>
             <a:pPr lvl="0"/>
             <a:r>
-              <a:rPr lang="en-US" smtClean="0"/>
+              <a:rPr lang="en-US"/>
               <a:t>Click to edit Master text styles</a:t>
             </a:r>
           </a:p>
@@ -17842,7 +17732,7 @@
                 </a:solidFill>
               </a:rPr>
               <a:pPr/>
-              <a:t>20/03/2020</a:t>
+              <a:t>01/12/2023</a:t>
             </a:fld>
             <a:endParaRPr lang="en-GB">
               <a:solidFill>
@@ -17961,7 +17851,7 @@
           <a:lstStyle/>
           <a:p>
             <a:r>
-              <a:rPr lang="en-US" smtClean="0"/>
+              <a:rPr lang="en-US"/>
               <a:t>Click to edit Master title style</a:t>
             </a:r>
             <a:endParaRPr lang="en-GB"/>
@@ -17985,35 +17875,35 @@
           <a:p>
             <a:pPr lvl="0"/>
             <a:r>
-              <a:rPr lang="en-US" smtClean="0"/>
+              <a:rPr lang="en-US"/>
               <a:t>Click to edit Master text styles</a:t>
             </a:r>
           </a:p>
           <a:p>
             <a:pPr lvl="1"/>
             <a:r>
-              <a:rPr lang="en-US" smtClean="0"/>
+              <a:rPr lang="en-US"/>
               <a:t>Second level</a:t>
             </a:r>
           </a:p>
           <a:p>
             <a:pPr lvl="2"/>
             <a:r>
-              <a:rPr lang="en-US" smtClean="0"/>
+              <a:rPr lang="en-US"/>
               <a:t>Third level</a:t>
             </a:r>
           </a:p>
           <a:p>
             <a:pPr lvl="3"/>
             <a:r>
-              <a:rPr lang="en-US" smtClean="0"/>
+              <a:rPr lang="en-US"/>
               <a:t>Fourth level</a:t>
             </a:r>
           </a:p>
           <a:p>
             <a:pPr lvl="4"/>
             <a:r>
-              <a:rPr lang="en-US" smtClean="0"/>
+              <a:rPr lang="en-US"/>
               <a:t>Fifth level</a:t>
             </a:r>
             <a:endParaRPr lang="en-GB"/>
@@ -18044,7 +17934,7 @@
                 </a:solidFill>
               </a:rPr>
               <a:pPr/>
-              <a:t>20/03/2020</a:t>
+              <a:t>01/12/2023</a:t>
             </a:fld>
             <a:endParaRPr lang="en-GB">
               <a:solidFill>
@@ -18168,7 +18058,7 @@
           <a:lstStyle/>
           <a:p>
             <a:r>
-              <a:rPr lang="en-US" smtClean="0"/>
+              <a:rPr lang="en-US"/>
               <a:t>Click to edit Master title style</a:t>
             </a:r>
             <a:endParaRPr lang="en-GB"/>
@@ -18197,35 +18087,35 @@
           <a:p>
             <a:pPr lvl="0"/>
             <a:r>
-              <a:rPr lang="en-US" smtClean="0"/>
+              <a:rPr lang="en-US"/>
               <a:t>Click to edit Master text styles</a:t>
             </a:r>
           </a:p>
           <a:p>
             <a:pPr lvl="1"/>
             <a:r>
-              <a:rPr lang="en-US" smtClean="0"/>
+              <a:rPr lang="en-US"/>
               <a:t>Second level</a:t>
             </a:r>
           </a:p>
           <a:p>
             <a:pPr lvl="2"/>
             <a:r>
-              <a:rPr lang="en-US" smtClean="0"/>
+              <a:rPr lang="en-US"/>
               <a:t>Third level</a:t>
             </a:r>
           </a:p>
           <a:p>
             <a:pPr lvl="3"/>
             <a:r>
-              <a:rPr lang="en-US" smtClean="0"/>
+              <a:rPr lang="en-US"/>
               <a:t>Fourth level</a:t>
             </a:r>
           </a:p>
           <a:p>
             <a:pPr lvl="4"/>
             <a:r>
-              <a:rPr lang="en-US" smtClean="0"/>
+              <a:rPr lang="en-US"/>
               <a:t>Fifth level</a:t>
             </a:r>
             <a:endParaRPr lang="en-GB"/>
@@ -18256,7 +18146,7 @@
                 </a:solidFill>
               </a:rPr>
               <a:pPr/>
-              <a:t>20/03/2020</a:t>
+              <a:t>01/12/2023</a:t>
             </a:fld>
             <a:endParaRPr lang="en-GB">
               <a:solidFill>
@@ -18403,7 +18293,7 @@
           <a:p>
             <a:pPr lvl="0"/>
             <a:r>
-              <a:rPr lang="en-US" smtClean="0">
+              <a:rPr lang="en-US">
                 <a:sym typeface="Arial" pitchFamily="34" charset="0"/>
               </a:rPr>
               <a:t>Click to edit Master title style</a:t>
@@ -18447,7 +18337,7 @@
           <a:p>
             <a:pPr lvl="0"/>
             <a:r>
-              <a:rPr lang="en-US" smtClean="0">
+              <a:rPr lang="en-US">
                 <a:sym typeface="Arial" pitchFamily="34" charset="0"/>
               </a:rPr>
               <a:t>Click to edit Master text styles</a:t>
@@ -18456,7 +18346,7 @@
           <a:p>
             <a:pPr lvl="1"/>
             <a:r>
-              <a:rPr lang="en-US" smtClean="0">
+              <a:rPr lang="en-US">
                 <a:sym typeface="Arial" pitchFamily="34" charset="0"/>
               </a:rPr>
               <a:t>Second level</a:t>
@@ -18465,7 +18355,7 @@
           <a:p>
             <a:pPr lvl="2"/>
             <a:r>
-              <a:rPr lang="en-US" smtClean="0">
+              <a:rPr lang="en-US">
                 <a:sym typeface="Arial" pitchFamily="34" charset="0"/>
               </a:rPr>
               <a:t>Third level</a:t>
@@ -18474,7 +18364,7 @@
           <a:p>
             <a:pPr lvl="3"/>
             <a:r>
-              <a:rPr lang="en-US" smtClean="0">
+              <a:rPr lang="en-US">
                 <a:sym typeface="Arial" pitchFamily="34" charset="0"/>
               </a:rPr>
               <a:t>Fourth level</a:t>
@@ -18483,7 +18373,7 @@
           <a:p>
             <a:pPr lvl="4"/>
             <a:r>
-              <a:rPr lang="en-US" smtClean="0">
+              <a:rPr lang="en-US">
                 <a:sym typeface="Arial" pitchFamily="34" charset="0"/>
               </a:rPr>
               <a:t>Fifth level</a:t>
@@ -19065,7 +18955,7 @@
           <a:p>
             <a:pPr lvl="0"/>
             <a:r>
-              <a:rPr lang="en-US" smtClean="0">
+              <a:rPr lang="en-US">
                 <a:sym typeface="Arial" pitchFamily="34" charset="0"/>
               </a:rPr>
               <a:t>Click to edit Master title style</a:t>
@@ -19109,7 +18999,7 @@
           <a:p>
             <a:pPr lvl="0"/>
             <a:r>
-              <a:rPr lang="en-US" smtClean="0">
+              <a:rPr lang="en-US">
                 <a:sym typeface="Arial" pitchFamily="34" charset="0"/>
               </a:rPr>
               <a:t>Click to edit Master text styles</a:t>
@@ -19118,7 +19008,7 @@
           <a:p>
             <a:pPr lvl="1"/>
             <a:r>
-              <a:rPr lang="en-US" smtClean="0">
+              <a:rPr lang="en-US">
                 <a:sym typeface="Arial" pitchFamily="34" charset="0"/>
               </a:rPr>
               <a:t>Second level</a:t>
@@ -19127,7 +19017,7 @@
           <a:p>
             <a:pPr lvl="2"/>
             <a:r>
-              <a:rPr lang="en-US" smtClean="0">
+              <a:rPr lang="en-US">
                 <a:sym typeface="Arial" pitchFamily="34" charset="0"/>
               </a:rPr>
               <a:t>Third level</a:t>
@@ -19136,7 +19026,7 @@
           <a:p>
             <a:pPr lvl="3"/>
             <a:r>
-              <a:rPr lang="en-US" smtClean="0">
+              <a:rPr lang="en-US">
                 <a:sym typeface="Arial" pitchFamily="34" charset="0"/>
               </a:rPr>
               <a:t>Fourth level</a:t>
@@ -19145,7 +19035,7 @@
           <a:p>
             <a:pPr lvl="4"/>
             <a:r>
-              <a:rPr lang="en-US" smtClean="0">
+              <a:rPr lang="en-US">
                 <a:sym typeface="Arial" pitchFamily="34" charset="0"/>
               </a:rPr>
               <a:t>Fifth level</a:t>
@@ -19677,7 +19567,7 @@
           <a:p>
             <a:pPr lvl="0"/>
             <a:r>
-              <a:rPr lang="en-US" smtClean="0">
+              <a:rPr lang="en-US">
                 <a:sym typeface="Arial" pitchFamily="34" charset="0"/>
               </a:rPr>
               <a:t>Click to edit Master title style</a:t>
@@ -19721,7 +19611,7 @@
           <a:p>
             <a:pPr lvl="0"/>
             <a:r>
-              <a:rPr lang="en-US" smtClean="0">
+              <a:rPr lang="en-US">
                 <a:sym typeface="Arial" pitchFamily="34" charset="0"/>
               </a:rPr>
               <a:t>Click to edit Master text styles</a:t>
@@ -19730,7 +19620,7 @@
           <a:p>
             <a:pPr lvl="1"/>
             <a:r>
-              <a:rPr lang="en-US" smtClean="0">
+              <a:rPr lang="en-US">
                 <a:sym typeface="Arial" pitchFamily="34" charset="0"/>
               </a:rPr>
               <a:t>Second level</a:t>
@@ -19739,7 +19629,7 @@
           <a:p>
             <a:pPr lvl="2"/>
             <a:r>
-              <a:rPr lang="en-US" smtClean="0">
+              <a:rPr lang="en-US">
                 <a:sym typeface="Arial" pitchFamily="34" charset="0"/>
               </a:rPr>
               <a:t>Third level</a:t>
@@ -19748,7 +19638,7 @@
           <a:p>
             <a:pPr lvl="3"/>
             <a:r>
-              <a:rPr lang="en-US" smtClean="0">
+              <a:rPr lang="en-US">
                 <a:sym typeface="Arial" pitchFamily="34" charset="0"/>
               </a:rPr>
               <a:t>Fourth level</a:t>
@@ -19757,7 +19647,7 @@
           <a:p>
             <a:pPr lvl="4"/>
             <a:r>
-              <a:rPr lang="en-US" smtClean="0">
+              <a:rPr lang="en-US">
                 <a:sym typeface="Arial" pitchFamily="34" charset="0"/>
               </a:rPr>
               <a:t>Fifth level</a:t>
@@ -20371,7 +20261,7 @@
           <a:p>
             <a:pPr lvl="0"/>
             <a:r>
-              <a:rPr lang="en-US" smtClean="0">
+              <a:rPr lang="en-US">
                 <a:sym typeface="Arial" pitchFamily="34" charset="0"/>
               </a:rPr>
               <a:t>Click to edit Master title style</a:t>
@@ -20985,7 +20875,7 @@
           <a:p>
             <a:pPr lvl="0"/>
             <a:r>
-              <a:rPr lang="en-US" smtClean="0">
+              <a:rPr lang="en-US">
                 <a:sym typeface="Arial" pitchFamily="34" charset="0"/>
               </a:rPr>
               <a:t>Click to edit Master title style</a:t>
@@ -21567,7 +21457,7 @@
           <a:p>
             <a:pPr lvl="0"/>
             <a:r>
-              <a:rPr lang="en-US" smtClean="0">
+              <a:rPr lang="en-US">
                 <a:sym typeface="Arial" pitchFamily="34" charset="0"/>
               </a:rPr>
               <a:t>Click to edit Master title style</a:t>
@@ -21611,7 +21501,7 @@
           <a:p>
             <a:pPr lvl="0"/>
             <a:r>
-              <a:rPr lang="en-US" smtClean="0">
+              <a:rPr lang="en-US">
                 <a:sym typeface="Arial" pitchFamily="34" charset="0"/>
               </a:rPr>
               <a:t>Click to edit Master text styles</a:t>
@@ -21620,7 +21510,7 @@
           <a:p>
             <a:pPr lvl="1"/>
             <a:r>
-              <a:rPr lang="en-US" smtClean="0">
+              <a:rPr lang="en-US">
                 <a:sym typeface="Arial" pitchFamily="34" charset="0"/>
               </a:rPr>
               <a:t>Second level</a:t>
@@ -21629,7 +21519,7 @@
           <a:p>
             <a:pPr lvl="2"/>
             <a:r>
-              <a:rPr lang="en-US" smtClean="0">
+              <a:rPr lang="en-US">
                 <a:sym typeface="Arial" pitchFamily="34" charset="0"/>
               </a:rPr>
               <a:t>Third level</a:t>
@@ -21638,7 +21528,7 @@
           <a:p>
             <a:pPr lvl="3"/>
             <a:r>
-              <a:rPr lang="en-US" smtClean="0">
+              <a:rPr lang="en-US">
                 <a:sym typeface="Arial" pitchFamily="34" charset="0"/>
               </a:rPr>
               <a:t>Fourth level</a:t>
@@ -21647,7 +21537,7 @@
           <a:p>
             <a:pPr lvl="4"/>
             <a:r>
-              <a:rPr lang="en-US" smtClean="0">
+              <a:rPr lang="en-US">
                 <a:sym typeface="Arial" pitchFamily="34" charset="0"/>
               </a:rPr>
               <a:t>Fifth level</a:t>
@@ -22695,7 +22585,7 @@
           <a:lstStyle/>
           <a:p>
             <a:r>
-              <a:rPr lang="en-US" smtClean="0"/>
+              <a:rPr lang="en-US"/>
               <a:t>Click to edit Master title style</a:t>
             </a:r>
             <a:endParaRPr lang="en-GB"/>
@@ -22729,35 +22619,35 @@
           <a:p>
             <a:pPr lvl="0"/>
             <a:r>
-              <a:rPr lang="en-US" smtClean="0"/>
+              <a:rPr lang="en-US"/>
               <a:t>Click to edit Master text styles</a:t>
             </a:r>
           </a:p>
           <a:p>
             <a:pPr lvl="1"/>
             <a:r>
-              <a:rPr lang="en-US" smtClean="0"/>
+              <a:rPr lang="en-US"/>
               <a:t>Second level</a:t>
             </a:r>
           </a:p>
           <a:p>
             <a:pPr lvl="2"/>
             <a:r>
-              <a:rPr lang="en-US" smtClean="0"/>
+              <a:rPr lang="en-US"/>
               <a:t>Third level</a:t>
             </a:r>
           </a:p>
           <a:p>
             <a:pPr lvl="3"/>
             <a:r>
-              <a:rPr lang="en-US" smtClean="0"/>
+              <a:rPr lang="en-US"/>
               <a:t>Fourth level</a:t>
             </a:r>
           </a:p>
           <a:p>
             <a:pPr lvl="4"/>
             <a:r>
-              <a:rPr lang="en-US" smtClean="0"/>
+              <a:rPr lang="en-US"/>
               <a:t>Fifth level</a:t>
             </a:r>
             <a:endParaRPr lang="en-GB"/>
@@ -22815,7 +22705,7 @@
                 <a:cs typeface="+mn-cs"/>
               </a:rPr>
               <a:pPr/>
-              <a:t>20/03/2020</a:t>
+              <a:t>01/12/2023</a:t>
             </a:fld>
             <a:endParaRPr lang="en-GB" dirty="0">
               <a:solidFill>
@@ -23270,7 +23160,7 @@
           <a:lstStyle/>
           <a:p>
             <a:r>
-              <a:rPr lang="en-US" smtClean="0"/>
+              <a:rPr lang="en-US"/>
               <a:t>Click to edit Master title style</a:t>
             </a:r>
             <a:endParaRPr lang="en-GB"/>
@@ -23304,35 +23194,35 @@
           <a:p>
             <a:pPr lvl="0"/>
             <a:r>
-              <a:rPr lang="en-US" smtClean="0"/>
+              <a:rPr lang="en-US"/>
               <a:t>Click to edit Master text styles</a:t>
             </a:r>
           </a:p>
           <a:p>
             <a:pPr lvl="1"/>
             <a:r>
-              <a:rPr lang="en-US" smtClean="0"/>
+              <a:rPr lang="en-US"/>
               <a:t>Second level</a:t>
             </a:r>
           </a:p>
           <a:p>
             <a:pPr lvl="2"/>
             <a:r>
-              <a:rPr lang="en-US" smtClean="0"/>
+              <a:rPr lang="en-US"/>
               <a:t>Third level</a:t>
             </a:r>
           </a:p>
           <a:p>
             <a:pPr lvl="3"/>
             <a:r>
-              <a:rPr lang="en-US" smtClean="0"/>
+              <a:rPr lang="en-US"/>
               <a:t>Fourth level</a:t>
             </a:r>
           </a:p>
           <a:p>
             <a:pPr lvl="4"/>
             <a:r>
-              <a:rPr lang="en-US" smtClean="0"/>
+              <a:rPr lang="en-US"/>
               <a:t>Fifth level</a:t>
             </a:r>
             <a:endParaRPr lang="en-GB"/>
@@ -23390,7 +23280,7 @@
                 <a:cs typeface="+mn-cs"/>
               </a:rPr>
               <a:pPr/>
-              <a:t>20/03/2020</a:t>
+              <a:t>01/12/2023</a:t>
             </a:fld>
             <a:endParaRPr lang="en-GB" dirty="0">
               <a:solidFill>
@@ -23851,18 +23741,7 @@
                 <a:cs typeface="Arial" pitchFamily="34" charset="0"/>
                 <a:sym typeface="Arial" pitchFamily="34" charset="0"/>
               </a:rPr>
-              <a:t>Spatial </a:t>
-            </a:r>
-            <a:r>
-              <a:rPr lang="en-US" sz="7300" dirty="0" smtClean="0">
-                <a:solidFill>
-                  <a:schemeClr val="tx1"/>
-                </a:solidFill>
-                <a:latin typeface="Arial" pitchFamily="34" charset="0"/>
-                <a:cs typeface="Arial" pitchFamily="34" charset="0"/>
-                <a:sym typeface="Arial" pitchFamily="34" charset="0"/>
-              </a:rPr>
-              <a:t>Audio</a:t>
+              <a:t>Spatial Audio</a:t>
             </a:r>
           </a:p>
           <a:p>
@@ -23876,16 +23755,6 @@
             </a:endParaRPr>
           </a:p>
           <a:p>
-            <a:endParaRPr lang="en-US" sz="7300" dirty="0" smtClean="0">
-              <a:solidFill>
-                <a:schemeClr val="tx1"/>
-              </a:solidFill>
-              <a:latin typeface="Arial" pitchFamily="34" charset="0"/>
-              <a:cs typeface="Arial" pitchFamily="34" charset="0"/>
-              <a:sym typeface="Arial" pitchFamily="34" charset="0"/>
-            </a:endParaRPr>
-          </a:p>
-          <a:p>
             <a:endParaRPr lang="en-US" sz="7300" dirty="0">
               <a:solidFill>
                 <a:schemeClr val="tx1"/>
@@ -23896,16 +23765,6 @@
             </a:endParaRPr>
           </a:p>
           <a:p>
-            <a:endParaRPr lang="en-US" sz="7300" dirty="0" smtClean="0">
-              <a:solidFill>
-                <a:schemeClr val="tx1"/>
-              </a:solidFill>
-              <a:latin typeface="Arial" pitchFamily="34" charset="0"/>
-              <a:cs typeface="Arial" pitchFamily="34" charset="0"/>
-              <a:sym typeface="Arial" pitchFamily="34" charset="0"/>
-            </a:endParaRPr>
-          </a:p>
-          <a:p>
             <a:endParaRPr lang="en-US" sz="7300" dirty="0">
               <a:solidFill>
                 <a:schemeClr val="tx1"/>
@@ -23916,8 +23775,28 @@
             </a:endParaRPr>
           </a:p>
           <a:p>
-            <a:r>
-              <a:rPr lang="en-US" sz="7300" dirty="0" smtClean="0">
+            <a:endParaRPr lang="en-US" sz="7300" dirty="0">
+              <a:solidFill>
+                <a:schemeClr val="tx1"/>
+              </a:solidFill>
+              <a:latin typeface="Arial" pitchFamily="34" charset="0"/>
+              <a:cs typeface="Arial" pitchFamily="34" charset="0"/>
+              <a:sym typeface="Arial" pitchFamily="34" charset="0"/>
+            </a:endParaRPr>
+          </a:p>
+          <a:p>
+            <a:endParaRPr lang="en-US" sz="7300" dirty="0">
+              <a:solidFill>
+                <a:schemeClr val="tx1"/>
+              </a:solidFill>
+              <a:latin typeface="Arial" pitchFamily="34" charset="0"/>
+              <a:cs typeface="Arial" pitchFamily="34" charset="0"/>
+              <a:sym typeface="Arial" pitchFamily="34" charset="0"/>
+            </a:endParaRPr>
+          </a:p>
+          <a:p>
+            <a:r>
+              <a:rPr lang="en-US" sz="7300" dirty="0">
                 <a:solidFill>
                   <a:schemeClr val="tx1"/>
                 </a:solidFill>
@@ -23927,14 +23806,6 @@
               </a:rPr>
               <a:t>Beyond stereo</a:t>
             </a:r>
-            <a:endParaRPr lang="en-US" sz="7300" dirty="0">
-              <a:solidFill>
-                <a:schemeClr val="tx1"/>
-              </a:solidFill>
-              <a:latin typeface="Arial" pitchFamily="34" charset="0"/>
-              <a:cs typeface="Arial" pitchFamily="34" charset="0"/>
-              <a:sym typeface="Arial" pitchFamily="34" charset="0"/>
-            </a:endParaRPr>
           </a:p>
         </p:txBody>
       </p:sp>
@@ -23981,13 +23852,6 @@
     <a:masterClrMapping/>
   </p:clrMapOvr>
   <p:transition/>
-  <p:timing>
-    <p:tnLst>
-      <p:par>
-        <p:cTn id="1" dur="indefinite" restart="never" nodeType="tmRoot"/>
-      </p:par>
-    </p:tnLst>
-  </p:timing>
 </p:sld>
 </file>
 
@@ -24034,23 +23898,23 @@
               <a:defRPr/>
             </a:pPr>
             <a:r>
-              <a:rPr lang="en-US" sz="4000" b="1" dirty="0" smtClean="0"/>
+              <a:rPr lang="en-US" sz="4000" b="1" dirty="0"/>
               <a:t>A typical </a:t>
             </a:r>
             <a:r>
-              <a:rPr lang="en-US" sz="4000" b="1" dirty="0" err="1" smtClean="0"/>
+              <a:rPr lang="en-US" sz="4000" b="1" dirty="0" err="1"/>
               <a:t>ambisonics</a:t>
             </a:r>
             <a:r>
-              <a:rPr lang="en-US" sz="4000" b="1" dirty="0" smtClean="0"/>
+              <a:rPr lang="en-US" sz="4000" b="1" dirty="0"/>
               <a:t> layout. Five loudspeakers arranged in a regular layout, suitable for second order, 2D </a:t>
             </a:r>
             <a:r>
-              <a:rPr lang="en-US" sz="4000" b="1" dirty="0" err="1" smtClean="0"/>
+              <a:rPr lang="en-US" sz="4000" b="1" dirty="0" err="1"/>
               <a:t>ambisonics</a:t>
             </a:r>
             <a:r>
-              <a:rPr lang="en-US" sz="4000" b="1" dirty="0" smtClean="0"/>
+              <a:rPr lang="en-US" sz="4000" b="1" dirty="0"/>
               <a:t>.</a:t>
             </a:r>
           </a:p>
@@ -25279,10 +25143,9 @@
           <a:lstStyle/>
           <a:p>
             <a:r>
-              <a:rPr lang="en-GB" dirty="0" smtClean="0"/>
+              <a:rPr lang="en-GB" dirty="0"/>
               <a:t>The complicated math</a:t>
             </a:r>
-            <a:endParaRPr lang="en-GB" dirty="0"/>
           </a:p>
         </p:txBody>
       </p:sp>
@@ -25309,18 +25172,18 @@
           <a:lstStyle/>
           <a:p>
             <a:r>
-              <a:rPr lang="en-GB" sz="4000" dirty="0" smtClean="0"/>
+              <a:rPr lang="en-GB" sz="4000" dirty="0"/>
               <a:t>Plane wave </a:t>
             </a:r>
             <a:r>
-              <a:rPr lang="en-US" sz="4000" i="1" dirty="0" err="1" smtClean="0">
+              <a:rPr lang="en-US" sz="4000" i="1" dirty="0" err="1">
                 <a:latin typeface="Times New Roman" panose="02020603050405020304" pitchFamily="18" charset="0"/>
                 <a:ea typeface="Times New Roman" panose="02020603050405020304" pitchFamily="18" charset="0"/>
               </a:rPr>
               <a:t>P</a:t>
             </a:r>
             <a:r>
-              <a:rPr lang="en-US" sz="4000" i="1" baseline="-25000" dirty="0" err="1" smtClean="0">
+              <a:rPr lang="en-US" sz="4000" i="1" baseline="-25000" dirty="0" err="1">
                 <a:latin typeface="Symbol" panose="05050102010706020507" pitchFamily="18" charset="2"/>
                 <a:ea typeface="Times New Roman" panose="02020603050405020304" pitchFamily="18" charset="0"/>
                 <a:cs typeface="Times New Roman" panose="02020603050405020304" pitchFamily="18" charset="0"/>
@@ -25329,11 +25192,7 @@
             </a:r>
             <a:r>
               <a:rPr lang="en-GB" sz="4000" dirty="0"/>
-              <a:t> </a:t>
-            </a:r>
-            <a:r>
-              <a:rPr lang="en-GB" sz="4000" dirty="0" smtClean="0"/>
-              <a:t>arriving at listener</a:t>
+              <a:t> arriving at listener</a:t>
             </a:r>
           </a:p>
           <a:p>
@@ -25341,58 +25200,38 @@
           </a:p>
           <a:p>
             <a:r>
-              <a:rPr lang="en-GB" sz="4000" dirty="0" smtClean="0"/>
+              <a:rPr lang="en-GB" sz="4000" dirty="0"/>
               <a:t>Plane wave </a:t>
             </a:r>
             <a:r>
               <a:rPr lang="en-US" sz="4000" dirty="0"/>
-              <a:t>expanded as </a:t>
-            </a:r>
-            <a:r>
-              <a:rPr lang="en-US" sz="4000" dirty="0" smtClean="0"/>
-              <a:t>series </a:t>
-            </a:r>
+              <a:t>expanded as series of cosines and Cylindrical Bessel Functions</a:t>
+            </a:r>
+          </a:p>
+          <a:p>
+            <a:endParaRPr lang="en-US" sz="4000" dirty="0"/>
+          </a:p>
+          <a:p>
             <a:r>
               <a:rPr lang="en-US" sz="4000" dirty="0"/>
-              <a:t>of cosines and Cylindrical Bessel </a:t>
-            </a:r>
-            <a:r>
-              <a:rPr lang="en-US" sz="4000" dirty="0" smtClean="0"/>
-              <a:t>Functions</a:t>
-            </a:r>
-          </a:p>
-          <a:p>
-            <a:endParaRPr lang="en-US" sz="4000" dirty="0"/>
+              <a:t>each loudspeaker produces plane wave output</a:t>
+            </a:r>
           </a:p>
           <a:p>
             <a:r>
               <a:rPr lang="en-US" sz="4000" dirty="0"/>
-              <a:t>each loudspeaker produces plane wave </a:t>
-            </a:r>
-            <a:r>
-              <a:rPr lang="en-US" sz="4000" dirty="0" smtClean="0"/>
-              <a:t>output</a:t>
-            </a:r>
-          </a:p>
-          <a:p>
-            <a:r>
-              <a:rPr lang="en-US" sz="4000" dirty="0" smtClean="0"/>
-              <a:t>output </a:t>
+              <a:t>output of </a:t>
+            </a:r>
+            <a:r>
+              <a:rPr lang="en-US" sz="4000" i="1" dirty="0"/>
+              <a:t>n</a:t>
+            </a:r>
+            <a:r>
+              <a:rPr lang="en-US" sz="4000" baseline="30000" dirty="0"/>
+              <a:t>th</a:t>
             </a:r>
             <a:r>
               <a:rPr lang="en-US" sz="4000" dirty="0"/>
-              <a:t>of </a:t>
-            </a:r>
-            <a:r>
-              <a:rPr lang="en-US" sz="4000" i="1" dirty="0" smtClean="0"/>
-              <a:t>n</a:t>
-            </a:r>
-            <a:r>
-              <a:rPr lang="en-US" sz="4000" baseline="30000" dirty="0" smtClean="0"/>
-              <a:t>th</a:t>
-            </a:r>
-            <a:r>
-              <a:rPr lang="en-US" sz="4000" dirty="0" smtClean="0"/>
               <a:t> speaker</a:t>
             </a:r>
           </a:p>
@@ -25427,47 +25266,33 @@
                 <a:latin typeface="+mj-lt"/>
                 <a:ea typeface="Times New Roman" panose="02020603050405020304" pitchFamily="18" charset="0"/>
               </a:rPr>
-              <a:t>is </a:t>
-            </a:r>
-            <a:r>
-              <a:rPr lang="en-US" sz="4000" dirty="0" smtClean="0">
+              <a:t>is angle of </a:t>
+            </a:r>
+            <a:r>
+              <a:rPr lang="en-US" sz="4000" i="1" dirty="0">
                 <a:latin typeface="+mj-lt"/>
                 <a:ea typeface="Times New Roman" panose="02020603050405020304" pitchFamily="18" charset="0"/>
               </a:rPr>
-              <a:t>angle </a:t>
+              <a:t>n</a:t>
+            </a:r>
+            <a:r>
+              <a:rPr lang="en-US" sz="4000" baseline="30000" dirty="0">
+                <a:latin typeface="+mj-lt"/>
+                <a:ea typeface="Times New Roman" panose="02020603050405020304" pitchFamily="18" charset="0"/>
+              </a:rPr>
+              <a:t>th</a:t>
             </a:r>
             <a:r>
               <a:rPr lang="en-US" sz="4000" dirty="0">
                 <a:latin typeface="+mj-lt"/>
                 <a:ea typeface="Times New Roman" panose="02020603050405020304" pitchFamily="18" charset="0"/>
               </a:rPr>
-              <a:t>of </a:t>
-            </a:r>
-            <a:r>
-              <a:rPr lang="en-US" sz="4000" i="1" dirty="0" smtClean="0">
-                <a:latin typeface="+mj-lt"/>
-                <a:ea typeface="Times New Roman" panose="02020603050405020304" pitchFamily="18" charset="0"/>
-              </a:rPr>
-              <a:t>n</a:t>
-            </a:r>
-            <a:r>
-              <a:rPr lang="en-US" sz="4000" baseline="30000" dirty="0" smtClean="0">
-                <a:latin typeface="+mj-lt"/>
-                <a:ea typeface="Times New Roman" panose="02020603050405020304" pitchFamily="18" charset="0"/>
-              </a:rPr>
-              <a:t>th</a:t>
-            </a:r>
-            <a:r>
-              <a:rPr lang="en-US" sz="4000" dirty="0" smtClean="0">
-                <a:latin typeface="+mj-lt"/>
-                <a:ea typeface="Times New Roman" panose="02020603050405020304" pitchFamily="18" charset="0"/>
-              </a:rPr>
               <a:t> speaker</a:t>
             </a:r>
           </a:p>
           <a:p>
             <a:r>
-              <a:rPr lang="en-US" sz="4000" dirty="0" smtClean="0">
+              <a:rPr lang="en-US" sz="4000" dirty="0">
                 <a:latin typeface="+mj-lt"/>
                 <a:ea typeface="Times New Roman" panose="02020603050405020304" pitchFamily="18" charset="0"/>
               </a:rPr>
@@ -25485,42 +25310,7 @@
                 <a:latin typeface="+mj-lt"/>
                 <a:ea typeface="Times New Roman" panose="02020603050405020304" pitchFamily="18" charset="0"/>
               </a:rPr>
-              <a:t> </a:t>
-            </a:r>
-            <a:r>
-              <a:rPr lang="en-US" sz="4000" dirty="0" smtClean="0">
-                <a:latin typeface="+mj-lt"/>
-                <a:ea typeface="Times New Roman" panose="02020603050405020304" pitchFamily="18" charset="0"/>
-              </a:rPr>
-              <a:t>speakers </a:t>
-            </a:r>
-            <a:r>
-              <a:rPr lang="en-US" sz="4000" dirty="0">
-                <a:latin typeface="+mj-lt"/>
-                <a:ea typeface="Times New Roman" panose="02020603050405020304" pitchFamily="18" charset="0"/>
-              </a:rPr>
-              <a:t>gives </a:t>
-            </a:r>
-            <a:r>
-              <a:rPr lang="en-US" sz="4000" dirty="0" smtClean="0">
-                <a:latin typeface="+mj-lt"/>
-                <a:ea typeface="Times New Roman" panose="02020603050405020304" pitchFamily="18" charset="0"/>
-              </a:rPr>
-              <a:t>total </a:t>
-            </a:r>
-            <a:r>
-              <a:rPr lang="en-US" sz="4000" dirty="0">
-                <a:latin typeface="+mj-lt"/>
-                <a:ea typeface="Times New Roman" panose="02020603050405020304" pitchFamily="18" charset="0"/>
-              </a:rPr>
-              <a:t>reproduced </a:t>
-            </a:r>
-            <a:r>
-              <a:rPr lang="en-US" sz="4000" dirty="0" smtClean="0">
-                <a:latin typeface="+mj-lt"/>
-                <a:ea typeface="Times New Roman" panose="02020603050405020304" pitchFamily="18" charset="0"/>
-              </a:rPr>
-              <a:t>wave</a:t>
+              <a:t> speakers gives total reproduced wave</a:t>
             </a:r>
           </a:p>
           <a:p>
@@ -25530,7 +25320,7 @@
           </a:p>
           <a:p>
             <a:r>
-              <a:rPr lang="en-US" sz="4000" dirty="0" smtClean="0">
+              <a:rPr lang="en-US" sz="4000" dirty="0">
                 <a:latin typeface="+mj-lt"/>
               </a:rPr>
               <a:t>Terms should match</a:t>
@@ -25563,12 +25353,12 @@
           <a:graphicData uri="http://schemas.openxmlformats.org/presentationml/2006/ole">
             <mc:AlternateContent xmlns:mc="http://schemas.openxmlformats.org/markup-compatibility/2006">
               <mc:Choice xmlns:v="urn:schemas-microsoft-com:vml" Requires="v">
-                <p:oleObj spid="_x0000_s205862" name="Equation" r:id="rId3" imgW="977760" imgH="241200" progId="Equation.DSMT4">
+                <p:oleObj name="Equation" r:id="rId2" imgW="977760" imgH="241200" progId="Equation.DSMT4">
                   <p:embed/>
                 </p:oleObj>
               </mc:Choice>
               <mc:Fallback>
-                <p:oleObj name="Equation" r:id="rId3" imgW="977760" imgH="241200" progId="Equation.DSMT4">
+                <p:oleObj name="Equation" r:id="rId2" imgW="977760" imgH="241200" progId="Equation.DSMT4">
                   <p:embed/>
                   <p:pic>
                     <p:nvPicPr>
@@ -25577,7 +25367,7 @@
                       <p:nvPr/>
                     </p:nvPicPr>
                     <p:blipFill>
-                      <a:blip r:embed="rId4"/>
+                      <a:blip r:embed="rId3"/>
                       <a:stretch>
                         <a:fillRect/>
                       </a:stretch>
@@ -25620,12 +25410,12 @@
           <a:graphicData uri="http://schemas.openxmlformats.org/presentationml/2006/ole">
             <mc:AlternateContent xmlns:mc="http://schemas.openxmlformats.org/markup-compatibility/2006">
               <mc:Choice xmlns:v="urn:schemas-microsoft-com:vml" Requires="v">
-                <p:oleObj spid="_x0000_s205863" name="Equation" r:id="rId5" imgW="3898800" imgH="393480" progId="Equation.DSMT4">
+                <p:oleObj name="Equation" r:id="rId4" imgW="3898800" imgH="393480" progId="Equation.DSMT4">
                   <p:embed/>
                 </p:oleObj>
               </mc:Choice>
               <mc:Fallback>
-                <p:oleObj name="Equation" r:id="rId5" imgW="3898800" imgH="393480" progId="Equation.DSMT4">
+                <p:oleObj name="Equation" r:id="rId4" imgW="3898800" imgH="393480" progId="Equation.DSMT4">
                   <p:embed/>
                   <p:pic>
                     <p:nvPicPr>
@@ -25634,7 +25424,7 @@
                       <p:nvPr/>
                     </p:nvPicPr>
                     <p:blipFill>
-                      <a:blip r:embed="rId6"/>
+                      <a:blip r:embed="rId5"/>
                       <a:stretch>
                         <a:fillRect/>
                       </a:stretch>
@@ -25677,12 +25467,12 @@
           <a:graphicData uri="http://schemas.openxmlformats.org/presentationml/2006/ole">
             <mc:AlternateContent xmlns:mc="http://schemas.openxmlformats.org/markup-compatibility/2006">
               <mc:Choice xmlns:v="urn:schemas-microsoft-com:vml" Requires="v">
-                <p:oleObj spid="_x0000_s205864" name="Equation" r:id="rId7" imgW="3936960" imgH="393480" progId="Equation.DSMT4">
+                <p:oleObj name="Equation" r:id="rId6" imgW="3936960" imgH="393480" progId="Equation.DSMT4">
                   <p:embed/>
                 </p:oleObj>
               </mc:Choice>
               <mc:Fallback>
-                <p:oleObj name="Equation" r:id="rId7" imgW="3936960" imgH="393480" progId="Equation.DSMT4">
+                <p:oleObj name="Equation" r:id="rId6" imgW="3936960" imgH="393480" progId="Equation.DSMT4">
                   <p:embed/>
                   <p:pic>
                     <p:nvPicPr>
@@ -25691,7 +25481,7 @@
                       <p:nvPr/>
                     </p:nvPicPr>
                     <p:blipFill>
-                      <a:blip r:embed="rId8"/>
+                      <a:blip r:embed="rId7"/>
                       <a:stretch>
                         <a:fillRect/>
                       </a:stretch>
@@ -25734,12 +25524,12 @@
           <a:graphicData uri="http://schemas.openxmlformats.org/presentationml/2006/ole">
             <mc:AlternateContent xmlns:mc="http://schemas.openxmlformats.org/markup-compatibility/2006">
               <mc:Choice xmlns:v="urn:schemas-microsoft-com:vml" Requires="v">
-                <p:oleObj spid="_x0000_s205865" name="Equation" r:id="rId9" imgW="4724280" imgH="419040" progId="Equation.DSMT4">
+                <p:oleObj name="Equation" r:id="rId8" imgW="4724280" imgH="419040" progId="Equation.DSMT4">
                   <p:embed/>
                 </p:oleObj>
               </mc:Choice>
               <mc:Fallback>
-                <p:oleObj name="Equation" r:id="rId9" imgW="4724280" imgH="419040" progId="Equation.DSMT4">
+                <p:oleObj name="Equation" r:id="rId8" imgW="4724280" imgH="419040" progId="Equation.DSMT4">
                   <p:embed/>
                   <p:pic>
                     <p:nvPicPr>
@@ -25748,7 +25538,7 @@
                       <p:nvPr/>
                     </p:nvPicPr>
                     <p:blipFill>
-                      <a:blip r:embed="rId10"/>
+                      <a:blip r:embed="rId9"/>
                       <a:stretch>
                         <a:fillRect/>
                       </a:stretch>
@@ -25941,10 +25731,9 @@
           <a:lstStyle/>
           <a:p>
             <a:r>
-              <a:rPr lang="en-GB" dirty="0" smtClean="0"/>
+              <a:rPr lang="en-GB" dirty="0"/>
               <a:t>Matching conditions</a:t>
             </a:r>
-            <a:endParaRPr lang="en-GB" dirty="0"/>
           </a:p>
         </p:txBody>
       </p:sp>
@@ -25970,11 +25759,11 @@
           </a:bodyPr>
           <a:lstStyle/>
           <a:p>
-            <a:endParaRPr lang="en-GB" dirty="0" smtClean="0"/>
-          </a:p>
-          <a:p>
-            <a:r>
-              <a:rPr lang="en-GB" dirty="0" smtClean="0"/>
+            <a:endParaRPr lang="en-GB" dirty="0"/>
+          </a:p>
+          <a:p>
+            <a:r>
+              <a:rPr lang="en-GB" dirty="0"/>
               <a:t>First order</a:t>
             </a:r>
           </a:p>
@@ -25982,14 +25771,14 @@
             <a:endParaRPr lang="en-GB" sz="3600" dirty="0"/>
           </a:p>
           <a:p>
-            <a:endParaRPr lang="en-GB" sz="3600" dirty="0" smtClean="0"/>
-          </a:p>
-          <a:p>
-            <a:endParaRPr lang="en-GB" dirty="0" smtClean="0"/>
-          </a:p>
-          <a:p>
-            <a:r>
-              <a:rPr lang="en-GB" dirty="0" smtClean="0"/>
+            <a:endParaRPr lang="en-GB" sz="3600" dirty="0"/>
+          </a:p>
+          <a:p>
+            <a:endParaRPr lang="en-GB" dirty="0"/>
+          </a:p>
+          <a:p>
+            <a:r>
+              <a:rPr lang="en-GB" dirty="0"/>
               <a:t>So can apply gain to each loudspeaker is</a:t>
             </a:r>
           </a:p>
@@ -26020,12 +25809,12 @@
           <a:graphicData uri="http://schemas.openxmlformats.org/presentationml/2006/ole">
             <mc:AlternateContent xmlns:mc="http://schemas.openxmlformats.org/markup-compatibility/2006">
               <mc:Choice xmlns:v="urn:schemas-microsoft-com:vml" Requires="v">
-                <p:oleObj spid="_x0000_s206885" name="Equation" r:id="rId3" imgW="1625400" imgH="1218960" progId="Equation.DSMT4">
+                <p:oleObj name="Equation" r:id="rId2" imgW="1625400" imgH="1218960" progId="Equation.DSMT4">
                   <p:embed/>
                 </p:oleObj>
               </mc:Choice>
               <mc:Fallback>
-                <p:oleObj name="Equation" r:id="rId3" imgW="1625400" imgH="1218960" progId="Equation.DSMT4">
+                <p:oleObj name="Equation" r:id="rId2" imgW="1625400" imgH="1218960" progId="Equation.DSMT4">
                   <p:embed/>
                   <p:pic>
                     <p:nvPicPr>
@@ -26034,7 +25823,7 @@
                       <p:nvPr/>
                     </p:nvPicPr>
                     <p:blipFill>
-                      <a:blip r:embed="rId4"/>
+                      <a:blip r:embed="rId3"/>
                       <a:stretch>
                         <a:fillRect/>
                       </a:stretch>
@@ -26077,12 +25866,12 @@
           <a:graphicData uri="http://schemas.openxmlformats.org/presentationml/2006/ole">
             <mc:AlternateContent xmlns:mc="http://schemas.openxmlformats.org/markup-compatibility/2006">
               <mc:Choice xmlns:v="urn:schemas-microsoft-com:vml" Requires="v">
-                <p:oleObj spid="_x0000_s206886" name="Equation" r:id="rId5" imgW="1523880" imgH="1218960" progId="Equation.DSMT4">
+                <p:oleObj name="Equation" r:id="rId4" imgW="1523880" imgH="1218960" progId="Equation.DSMT4">
                   <p:embed/>
                 </p:oleObj>
               </mc:Choice>
               <mc:Fallback>
-                <p:oleObj name="Equation" r:id="rId5" imgW="1523880" imgH="1218960" progId="Equation.DSMT4">
+                <p:oleObj name="Equation" r:id="rId4" imgW="1523880" imgH="1218960" progId="Equation.DSMT4">
                   <p:embed/>
                   <p:pic>
                     <p:nvPicPr>
@@ -26091,7 +25880,7 @@
                       <p:nvPr/>
                     </p:nvPicPr>
                     <p:blipFill>
-                      <a:blip r:embed="rId6"/>
+                      <a:blip r:embed="rId5"/>
                       <a:stretch>
                         <a:fillRect/>
                       </a:stretch>
@@ -26134,12 +25923,12 @@
           <a:graphicData uri="http://schemas.openxmlformats.org/presentationml/2006/ole">
             <mc:AlternateContent xmlns:mc="http://schemas.openxmlformats.org/markup-compatibility/2006">
               <mc:Choice xmlns:v="urn:schemas-microsoft-com:vml" Requires="v">
-                <p:oleObj spid="_x0000_s206887" name="Equation" r:id="rId7" imgW="1993680" imgH="203040" progId="Equation.DSMT4">
+                <p:oleObj name="Equation" r:id="rId6" imgW="1993680" imgH="203040" progId="Equation.DSMT4">
                   <p:embed/>
                 </p:oleObj>
               </mc:Choice>
               <mc:Fallback>
-                <p:oleObj name="Equation" r:id="rId7" imgW="1993680" imgH="203040" progId="Equation.DSMT4">
+                <p:oleObj name="Equation" r:id="rId6" imgW="1993680" imgH="203040" progId="Equation.DSMT4">
                   <p:embed/>
                   <p:pic>
                     <p:nvPicPr>
@@ -26148,7 +25937,7 @@
                       <p:nvPr/>
                     </p:nvPicPr>
                     <p:blipFill>
-                      <a:blip r:embed="rId8"/>
+                      <a:blip r:embed="rId7"/>
                       <a:stretch>
                         <a:fillRect/>
                       </a:stretch>
@@ -26179,13 +25968,6 @@
   <p:clrMapOvr>
     <a:masterClrMapping/>
   </p:clrMapOvr>
-  <p:timing>
-    <p:tnLst>
-      <p:par>
-        <p:cTn id="1" dur="indefinite" restart="never" nodeType="tmRoot"/>
-      </p:par>
-    </p:tnLst>
-  </p:timing>
 </p:sld>
 </file>
 
@@ -26229,10 +26011,9 @@
           <a:lstStyle/>
           <a:p>
             <a:r>
-              <a:rPr lang="en-GB" dirty="0" smtClean="0"/>
+              <a:rPr lang="en-GB" dirty="0"/>
               <a:t>This is better understood with an example</a:t>
             </a:r>
-            <a:endParaRPr lang="en-GB" dirty="0"/>
           </a:p>
         </p:txBody>
       </p:sp>
@@ -26262,12 +26043,8 @@
               <a:buNone/>
             </a:pPr>
             <a:r>
-              <a:rPr lang="en-GB" sz="4100" dirty="0" smtClean="0"/>
-              <a:t>2D, first </a:t>
-            </a:r>
-            <a:r>
               <a:rPr lang="en-GB" sz="4100" dirty="0"/>
-              <a:t>order </a:t>
+              <a:t>2D, first order </a:t>
             </a:r>
             <a:r>
               <a:rPr lang="en-GB" sz="4100" dirty="0" err="1"/>
@@ -26275,39 +26052,7 @@
             </a:r>
             <a:r>
               <a:rPr lang="en-GB" sz="4100" dirty="0"/>
-              <a:t> with </a:t>
-            </a:r>
-            <a:r>
-              <a:rPr lang="en-GB" sz="4100" dirty="0" smtClean="0"/>
-              <a:t>loudspeakers </a:t>
-            </a:r>
-            <a:r>
-              <a:rPr lang="en-GB" sz="4100" dirty="0"/>
-              <a:t>at </a:t>
-            </a:r>
-            <a:r>
-              <a:rPr lang="en-GB" sz="4100" dirty="0" smtClean="0"/>
-              <a:t>0</a:t>
-            </a:r>
-            <a:r>
-              <a:rPr lang="en-GB" sz="4100" dirty="0"/>
-              <a:t>, 90, 180 and 270 degrees. </a:t>
-            </a:r>
-            <a:r>
-              <a:rPr lang="en-GB" sz="4100" dirty="0" smtClean="0"/>
-              <a:t>Find gain for each </a:t>
-            </a:r>
-            <a:r>
-              <a:rPr lang="en-GB" sz="4100" dirty="0"/>
-              <a:t>loudspeaker, given </a:t>
-            </a:r>
-            <a:r>
-              <a:rPr lang="en-GB" sz="4100" dirty="0" smtClean="0"/>
-              <a:t>plane </a:t>
-            </a:r>
-            <a:r>
-              <a:rPr lang="en-GB" sz="4100" dirty="0"/>
-              <a:t>wave source at an angle </a:t>
+              <a:t> with loudspeakers at 0, 90, 180 and 270 degrees. Find gain for each loudspeaker, given plane wave source at an angle </a:t>
             </a:r>
             <a:r>
               <a:rPr lang="en-GB" altLang="en-US" sz="4100" dirty="0">
@@ -26320,7 +26065,7 @@
               <a:t>y</a:t>
             </a:r>
             <a:r>
-              <a:rPr lang="en-GB" sz="4100" i="1" dirty="0" smtClean="0"/>
+              <a:rPr lang="en-GB" sz="4100" i="1" dirty="0"/>
               <a:t>.</a:t>
             </a:r>
           </a:p>
@@ -26328,14 +26073,14 @@
             <a:pPr marL="0" indent="0">
               <a:buNone/>
             </a:pPr>
-            <a:endParaRPr lang="en-GB" sz="4100" i="1" dirty="0" smtClean="0"/>
+            <a:endParaRPr lang="en-GB" sz="4100" i="1" dirty="0"/>
           </a:p>
           <a:p>
             <a:pPr marL="0" indent="0">
               <a:buNone/>
             </a:pPr>
             <a:r>
-              <a:rPr lang="en-GB" altLang="en-US" sz="4100" dirty="0" err="1" smtClean="0">
+              <a:rPr lang="en-GB" altLang="en-US" sz="4100" dirty="0" err="1">
                 <a:solidFill>
                   <a:srgbClr val="000000"/>
                 </a:solidFill>
@@ -26344,29 +26089,14 @@
               <a:t>Ambisonics</a:t>
             </a:r>
             <a:r>
-              <a:rPr lang="en-GB" altLang="en-US" sz="4100" dirty="0" smtClean="0">
-                <a:solidFill>
-                  <a:srgbClr val="000000"/>
-                </a:solidFill>
-                <a:ea typeface="Times New Roman" panose="02020603050405020304" pitchFamily="18" charset="0"/>
-              </a:rPr>
-              <a:t> </a:t>
-            </a:r>
-            <a:r>
               <a:rPr lang="en-GB" altLang="en-US" sz="4100" dirty="0">
                 <a:solidFill>
                   <a:srgbClr val="000000"/>
                 </a:solidFill>
                 <a:ea typeface="Times New Roman" panose="02020603050405020304" pitchFamily="18" charset="0"/>
               </a:rPr>
-              <a:t>matching conditions for </a:t>
-            </a:r>
-            <a:endParaRPr lang="en-GB" altLang="en-US" sz="4100" dirty="0" smtClean="0">
-              <a:solidFill>
-                <a:srgbClr val="000000"/>
-              </a:solidFill>
-              <a:ea typeface="Times New Roman" panose="02020603050405020304" pitchFamily="18" charset="0"/>
-            </a:endParaRPr>
+              <a:t> matching conditions for </a:t>
+            </a:r>
           </a:p>
           <a:p>
             <a:pPr marL="0" indent="0">
@@ -26375,15 +26105,6 @@
               </a:spcBef>
               <a:buNone/>
             </a:pPr>
-            <a:r>
-              <a:rPr lang="en-GB" altLang="en-US" sz="4100" dirty="0" smtClean="0">
-                <a:solidFill>
-                  <a:srgbClr val="000000"/>
-                </a:solidFill>
-                <a:ea typeface="Times New Roman" panose="02020603050405020304" pitchFamily="18" charset="0"/>
-              </a:rPr>
-              <a:t>plane </a:t>
-            </a:r>
             <a:r>
               <a:rPr lang="en-GB" altLang="en-US" sz="4100" dirty="0">
                 <a:solidFill>
@@ -26391,7 +26112,7 @@
                 </a:solidFill>
                 <a:ea typeface="Times New Roman" panose="02020603050405020304" pitchFamily="18" charset="0"/>
               </a:rPr>
-              <a:t>wave arriving from angle </a:t>
+              <a:t>plane wave arriving from angle </a:t>
             </a:r>
             <a:r>
               <a:rPr lang="en-GB" altLang="en-US" sz="4100" dirty="0">
@@ -26404,7 +26125,7 @@
               <a:t>y</a:t>
             </a:r>
             <a:r>
-              <a:rPr lang="en-GB" altLang="en-US" sz="4100" dirty="0" smtClean="0">
+              <a:rPr lang="en-GB" altLang="en-US" sz="4100" dirty="0">
                 <a:solidFill>
                   <a:srgbClr val="000000"/>
                 </a:solidFill>
@@ -26420,7 +26141,7 @@
               </a:spcBef>
               <a:buNone/>
             </a:pPr>
-            <a:endParaRPr lang="en-GB" altLang="en-US" sz="4100" dirty="0" smtClean="0">
+            <a:endParaRPr lang="en-GB" altLang="en-US" sz="4100" dirty="0">
               <a:solidFill>
                 <a:srgbClr val="000000"/>
               </a:solidFill>
@@ -26446,16 +26167,6 @@
               </a:spcBef>
               <a:buNone/>
             </a:pPr>
-            <a:r>
-              <a:rPr lang="en-GB" altLang="en-US" sz="4100" dirty="0" smtClean="0">
-                <a:solidFill>
-                  <a:srgbClr val="000000"/>
-                </a:solidFill>
-                <a:latin typeface="+mj-lt"/>
-                <a:ea typeface="Times New Roman" panose="02020603050405020304" pitchFamily="18" charset="0"/>
-              </a:rPr>
-              <a:t>Feed </a:t>
-            </a:r>
             <a:r>
               <a:rPr lang="en-GB" altLang="en-US" sz="4100" dirty="0">
                 <a:solidFill>
@@ -26464,10 +26175,10 @@
                 <a:latin typeface="+mj-lt"/>
                 <a:ea typeface="Times New Roman" panose="02020603050405020304" pitchFamily="18" charset="0"/>
               </a:rPr>
-              <a:t>to </a:t>
-            </a:r>
-            <a:r>
-              <a:rPr lang="en-GB" altLang="en-US" sz="4100" i="1" dirty="0" smtClean="0">
+              <a:t>Feed to </a:t>
+            </a:r>
+            <a:r>
+              <a:rPr lang="en-GB" altLang="en-US" sz="4100" i="1" dirty="0">
                 <a:solidFill>
                   <a:srgbClr val="000000"/>
                 </a:solidFill>
@@ -26477,7 +26188,7 @@
               <a:t>n</a:t>
             </a:r>
             <a:r>
-              <a:rPr lang="en-GB" altLang="en-US" sz="4100" baseline="30000" dirty="0" smtClean="0">
+              <a:rPr lang="en-GB" altLang="en-US" sz="4100" baseline="30000" dirty="0">
                 <a:solidFill>
                   <a:srgbClr val="000000"/>
                 </a:solidFill>
@@ -26487,16 +26198,6 @@
               <a:t>th</a:t>
             </a:r>
             <a:r>
-              <a:rPr lang="en-GB" altLang="en-US" sz="4100" dirty="0" smtClean="0">
-                <a:solidFill>
-                  <a:srgbClr val="000000"/>
-                </a:solidFill>
-                <a:latin typeface="+mj-lt"/>
-                <a:ea typeface="Times New Roman" panose="02020603050405020304" pitchFamily="18" charset="0"/>
-              </a:rPr>
-              <a:t> </a:t>
-            </a:r>
-            <a:r>
               <a:rPr lang="en-GB" altLang="en-US" sz="4100" dirty="0">
                 <a:solidFill>
                   <a:srgbClr val="000000"/>
@@ -26504,20 +26205,10 @@
                 <a:latin typeface="+mj-lt"/>
                 <a:ea typeface="Times New Roman" panose="02020603050405020304" pitchFamily="18" charset="0"/>
               </a:rPr>
-              <a:t>loudspeaker in </a:t>
-            </a:r>
-            <a:r>
-              <a:rPr lang="en-GB" altLang="en-US" sz="4100" dirty="0" smtClean="0">
-                <a:solidFill>
-                  <a:srgbClr val="000000"/>
-                </a:solidFill>
-                <a:latin typeface="+mj-lt"/>
-                <a:ea typeface="Times New Roman" panose="02020603050405020304" pitchFamily="18" charset="0"/>
-              </a:rPr>
-              <a:t>1</a:t>
-            </a:r>
-            <a:r>
-              <a:rPr lang="en-GB" altLang="en-US" sz="4100" baseline="30000" dirty="0" smtClean="0">
+              <a:t> loudspeaker in 1</a:t>
+            </a:r>
+            <a:r>
+              <a:rPr lang="en-GB" altLang="en-US" sz="4100" baseline="30000" dirty="0">
                 <a:solidFill>
                   <a:srgbClr val="000000"/>
                 </a:solidFill>
@@ -26527,7 +26218,7 @@
               <a:t>st</a:t>
             </a:r>
             <a:r>
-              <a:rPr lang="en-GB" altLang="en-US" sz="4100" dirty="0" smtClean="0">
+              <a:rPr lang="en-GB" altLang="en-US" sz="4100" dirty="0">
                 <a:solidFill>
                   <a:srgbClr val="000000"/>
                 </a:solidFill>
@@ -26556,13 +26247,6 @@
               </a:rPr>
               <a:t> </a:t>
             </a:r>
-            <a:endParaRPr lang="en-GB" altLang="en-US" sz="4100" dirty="0" smtClean="0">
-              <a:solidFill>
-                <a:srgbClr val="000000"/>
-              </a:solidFill>
-              <a:latin typeface="+mj-lt"/>
-              <a:ea typeface="Times New Roman" panose="02020603050405020304" pitchFamily="18" charset="0"/>
-            </a:endParaRPr>
           </a:p>
           <a:p>
             <a:pPr marL="0" indent="0">
@@ -26571,16 +26255,6 @@
               </a:spcBef>
               <a:buNone/>
             </a:pPr>
-            <a:r>
-              <a:rPr lang="en-GB" altLang="en-US" sz="4100" dirty="0" smtClean="0">
-                <a:solidFill>
-                  <a:srgbClr val="000000"/>
-                </a:solidFill>
-                <a:latin typeface="+mj-lt"/>
-                <a:ea typeface="Times New Roman" panose="02020603050405020304" pitchFamily="18" charset="0"/>
-              </a:rPr>
-              <a:t>loudspeaker </a:t>
-            </a:r>
             <a:r>
               <a:rPr lang="en-GB" altLang="en-US" sz="4100" dirty="0">
                 <a:solidFill>
@@ -26589,17 +26263,7 @@
                 <a:latin typeface="+mj-lt"/>
                 <a:ea typeface="Times New Roman" panose="02020603050405020304" pitchFamily="18" charset="0"/>
               </a:rPr>
-              <a:t>ambisonic </a:t>
-            </a:r>
-            <a:r>
-              <a:rPr lang="en-GB" altLang="en-US" sz="4100" dirty="0" smtClean="0">
-                <a:solidFill>
-                  <a:srgbClr val="000000"/>
-                </a:solidFill>
-                <a:latin typeface="+mj-lt"/>
-                <a:ea typeface="Times New Roman" panose="02020603050405020304" pitchFamily="18" charset="0"/>
-              </a:rPr>
-              <a:t>system</a:t>
+              <a:t>loudspeaker ambisonic system</a:t>
             </a:r>
             <a:endParaRPr lang="en-GB" altLang="en-US" sz="4100" dirty="0">
               <a:solidFill>
@@ -26615,7 +26279,7 @@
               </a:spcBef>
               <a:buNone/>
             </a:pPr>
-            <a:endParaRPr lang="en-GB" altLang="en-US" sz="4100" dirty="0" smtClean="0">
+            <a:endParaRPr lang="en-GB" altLang="en-US" sz="4100" dirty="0">
               <a:solidFill>
                 <a:srgbClr val="000000"/>
               </a:solidFill>
@@ -26664,12 +26328,12 @@
           <a:graphicData uri="http://schemas.openxmlformats.org/presentationml/2006/ole">
             <mc:AlternateContent xmlns:mc="http://schemas.openxmlformats.org/markup-compatibility/2006">
               <mc:Choice xmlns:v="urn:schemas-microsoft-com:vml" Requires="v">
-                <p:oleObj spid="_x0000_s207901" name="Equation" r:id="rId3" imgW="1524000" imgH="1219200" progId="Equation.DSMT4">
+                <p:oleObj name="Equation" r:id="rId2" imgW="1524000" imgH="1219200" progId="Equation.DSMT4">
                   <p:embed/>
                 </p:oleObj>
               </mc:Choice>
               <mc:Fallback>
-                <p:oleObj name="Equation" r:id="rId3" imgW="1524000" imgH="1219200" progId="Equation.DSMT4">
+                <p:oleObj name="Equation" r:id="rId2" imgW="1524000" imgH="1219200" progId="Equation.DSMT4">
                   <p:embed/>
                   <p:pic>
                     <p:nvPicPr>
@@ -26680,7 +26344,7 @@
                       <p:nvPr/>
                     </p:nvPicPr>
                     <p:blipFill>
-                      <a:blip r:embed="rId4">
+                      <a:blip r:embed="rId3">
                         <a:extLst>
                           <a:ext uri="{28A0092B-C50C-407E-A947-70E740481C1C}">
                             <a14:useLocalDpi xmlns:a14="http://schemas.microsoft.com/office/drawing/2010/main" val="0"/>
@@ -26740,12 +26404,12 @@
           <a:graphicData uri="http://schemas.openxmlformats.org/presentationml/2006/ole">
             <mc:AlternateContent xmlns:mc="http://schemas.openxmlformats.org/markup-compatibility/2006">
               <mc:Choice xmlns:v="urn:schemas-microsoft-com:vml" Requires="v">
-                <p:oleObj spid="_x0000_s207902" name="Equation" r:id="rId5" imgW="2005729" imgH="203112" progId="Equation.DSMT4">
+                <p:oleObj name="Equation" r:id="rId4" imgW="2005729" imgH="203112" progId="Equation.DSMT4">
                   <p:embed/>
                 </p:oleObj>
               </mc:Choice>
               <mc:Fallback>
-                <p:oleObj name="Equation" r:id="rId5" imgW="2005729" imgH="203112" progId="Equation.DSMT4">
+                <p:oleObj name="Equation" r:id="rId4" imgW="2005729" imgH="203112" progId="Equation.DSMT4">
                   <p:embed/>
                   <p:pic>
                     <p:nvPicPr>
@@ -26756,7 +26420,7 @@
                       <p:nvPr/>
                     </p:nvPicPr>
                     <p:blipFill>
-                      <a:blip r:embed="rId6">
+                      <a:blip r:embed="rId5">
                         <a:extLst>
                           <a:ext uri="{28A0092B-C50C-407E-A947-70E740481C1C}">
                             <a14:useLocalDpi xmlns:a14="http://schemas.microsoft.com/office/drawing/2010/main" val="0"/>
@@ -26870,7 +26534,7 @@
               <a:tabLst/>
             </a:pPr>
             <a:r>
-              <a:rPr kumimoji="0" lang="en-GB" altLang="en-US" sz="1100" b="0" i="0" u="none" strike="noStrike" cap="none" normalizeH="0" baseline="0" smtClean="0">
+              <a:rPr kumimoji="0" lang="en-GB" altLang="en-US" sz="1100" b="0" i="0" u="none" strike="noStrike" cap="none" normalizeH="0" baseline="0">
                 <a:ln>
                   <a:noFill/>
                 </a:ln>
@@ -26884,7 +26548,7 @@
               <a:t>,</a:t>
             </a:r>
             <a:r>
-              <a:rPr kumimoji="0" lang="en-GB" altLang="en-US" sz="800" b="0" i="0" u="none" strike="noStrike" cap="none" normalizeH="0" baseline="0" smtClean="0">
+              <a:rPr kumimoji="0" lang="en-GB" altLang="en-US" sz="800" b="0" i="0" u="none" strike="noStrike" cap="none" normalizeH="0" baseline="0">
                 <a:ln>
                   <a:noFill/>
                 </a:ln>
@@ -26896,7 +26560,7 @@
               </a:rPr>
               <a:t> </a:t>
             </a:r>
-            <a:endParaRPr kumimoji="0" lang="en-GB" altLang="en-US" sz="1800" b="0" i="0" u="none" strike="noStrike" cap="none" normalizeH="0" baseline="0" smtClean="0">
+            <a:endParaRPr kumimoji="0" lang="en-GB" altLang="en-US" sz="1800" b="0" i="0" u="none" strike="noStrike" cap="none" normalizeH="0" baseline="0">
               <a:ln>
                 <a:noFill/>
               </a:ln>
@@ -27088,10 +26752,9 @@
           <a:lstStyle/>
           <a:p>
             <a:r>
-              <a:rPr lang="en-GB" dirty="0" smtClean="0"/>
+              <a:rPr lang="en-GB" dirty="0"/>
               <a:t>Example</a:t>
             </a:r>
-            <a:endParaRPr lang="en-GB" dirty="0"/>
           </a:p>
         </p:txBody>
       </p:sp>
@@ -27121,19 +26784,11 @@
               <a:buNone/>
             </a:pPr>
             <a:r>
-              <a:rPr lang="en-GB" sz="4100" dirty="0" smtClean="0"/>
-              <a:t>Find gains for 4 loudspeakers, </a:t>
-            </a:r>
-            <a:r>
               <a:rPr lang="en-GB" sz="4100" dirty="0"/>
-              <a:t>given </a:t>
-            </a:r>
-            <a:r>
-              <a:rPr lang="en-GB" sz="4100" dirty="0" smtClean="0"/>
-              <a:t>plane wave from </a:t>
-            </a:r>
-            <a:r>
-              <a:rPr lang="en-GB" altLang="en-US" sz="4100" dirty="0" smtClean="0">
+              <a:t>Find gains for 4 loudspeakers, given plane wave from </a:t>
+            </a:r>
+            <a:r>
+              <a:rPr lang="en-GB" altLang="en-US" sz="4100" dirty="0">
                 <a:solidFill>
                   <a:srgbClr val="000000"/>
                 </a:solidFill>
@@ -27143,7 +26798,7 @@
               <a:t>y</a:t>
             </a:r>
             <a:r>
-              <a:rPr lang="en-GB" sz="4100" i="1" dirty="0" smtClean="0"/>
+              <a:rPr lang="en-GB" sz="4100" i="1" dirty="0"/>
               <a:t>.</a:t>
             </a:r>
           </a:p>
@@ -27157,7 +26812,7 @@
             <a:pPr marL="0" indent="0">
               <a:buNone/>
             </a:pPr>
-            <a:endParaRPr lang="en-GB" sz="4100" i="1" dirty="0" smtClean="0"/>
+            <a:endParaRPr lang="en-GB" sz="4100" i="1" dirty="0"/>
           </a:p>
           <a:p>
             <a:pPr marL="0" indent="0">
@@ -27169,20 +26824,20 @@
             <a:pPr marL="0" indent="0">
               <a:buNone/>
             </a:pPr>
-            <a:endParaRPr lang="en-GB" sz="4100" i="1" dirty="0" smtClean="0"/>
+            <a:endParaRPr lang="en-GB" sz="4100" i="1" dirty="0"/>
           </a:p>
           <a:p>
             <a:pPr marL="0" indent="0">
               <a:buNone/>
             </a:pPr>
-            <a:endParaRPr lang="en-GB" sz="4100" dirty="0" smtClean="0"/>
+            <a:endParaRPr lang="en-GB" sz="4100" dirty="0"/>
           </a:p>
           <a:p>
             <a:pPr marL="0" indent="0">
               <a:buNone/>
             </a:pPr>
             <a:r>
-              <a:rPr lang="en-GB" sz="4100" dirty="0" smtClean="0"/>
+              <a:rPr lang="en-GB" sz="4100" dirty="0"/>
               <a:t>                       , So</a:t>
             </a:r>
           </a:p>
@@ -27196,14 +26851,14 @@
             <a:pPr marL="0" indent="0">
               <a:buNone/>
             </a:pPr>
-            <a:endParaRPr lang="en-GB" sz="3200" dirty="0" smtClean="0"/>
+            <a:endParaRPr lang="en-GB" sz="3200" dirty="0"/>
           </a:p>
           <a:p>
             <a:pPr marL="0" indent="0">
               <a:buNone/>
             </a:pPr>
             <a:r>
-              <a:rPr lang="en-GB" sz="4100" dirty="0" smtClean="0"/>
+              <a:rPr lang="en-GB" sz="4100" dirty="0"/>
               <a:t>Now just put the terms in for W, X and Y.</a:t>
             </a:r>
           </a:p>
@@ -27214,7 +26869,7 @@
               </a:spcBef>
               <a:buNone/>
             </a:pPr>
-            <a:endParaRPr lang="en-GB" altLang="en-US" sz="4100" dirty="0" smtClean="0">
+            <a:endParaRPr lang="en-GB" altLang="en-US" sz="4100" dirty="0">
               <a:solidFill>
                 <a:srgbClr val="000000"/>
               </a:solidFill>
@@ -27262,12 +26917,12 @@
           <a:graphicData uri="http://schemas.openxmlformats.org/presentationml/2006/ole">
             <mc:AlternateContent xmlns:mc="http://schemas.openxmlformats.org/markup-compatibility/2006">
               <mc:Choice xmlns:v="urn:schemas-microsoft-com:vml" Requires="v">
-                <p:oleObj spid="_x0000_s208918" name="Equation" r:id="rId3" imgW="1524000" imgH="1219200" progId="Equation.DSMT4">
+                <p:oleObj name="Equation" r:id="rId2" imgW="1524000" imgH="1219200" progId="Equation.DSMT4">
                   <p:embed/>
                 </p:oleObj>
               </mc:Choice>
               <mc:Fallback>
-                <p:oleObj name="Equation" r:id="rId3" imgW="1524000" imgH="1219200" progId="Equation.DSMT4">
+                <p:oleObj name="Equation" r:id="rId2" imgW="1524000" imgH="1219200" progId="Equation.DSMT4">
                   <p:embed/>
                   <p:pic>
                     <p:nvPicPr>
@@ -27278,7 +26933,7 @@
                       <p:nvPr/>
                     </p:nvPicPr>
                     <p:blipFill>
-                      <a:blip r:embed="rId4">
+                      <a:blip r:embed="rId3">
                         <a:extLst>
                           <a:ext uri="{28A0092B-C50C-407E-A947-70E740481C1C}">
                             <a14:useLocalDpi xmlns:a14="http://schemas.microsoft.com/office/drawing/2010/main" val="0"/>
@@ -27338,12 +26993,12 @@
           <a:graphicData uri="http://schemas.openxmlformats.org/presentationml/2006/ole">
             <mc:AlternateContent xmlns:mc="http://schemas.openxmlformats.org/markup-compatibility/2006">
               <mc:Choice xmlns:v="urn:schemas-microsoft-com:vml" Requires="v">
-                <p:oleObj spid="_x0000_s208919" name="Equation" r:id="rId5" imgW="2005729" imgH="203112" progId="Equation.DSMT4">
+                <p:oleObj name="Equation" r:id="rId4" imgW="2005729" imgH="203112" progId="Equation.DSMT4">
                   <p:embed/>
                 </p:oleObj>
               </mc:Choice>
               <mc:Fallback>
-                <p:oleObj name="Equation" r:id="rId5" imgW="2005729" imgH="203112" progId="Equation.DSMT4">
+                <p:oleObj name="Equation" r:id="rId4" imgW="2005729" imgH="203112" progId="Equation.DSMT4">
                   <p:embed/>
                   <p:pic>
                     <p:nvPicPr>
@@ -27354,7 +27009,7 @@
                       <p:nvPr/>
                     </p:nvPicPr>
                     <p:blipFill>
-                      <a:blip r:embed="rId6">
+                      <a:blip r:embed="rId5">
                         <a:extLst>
                           <a:ext uri="{28A0092B-C50C-407E-A947-70E740481C1C}">
                             <a14:useLocalDpi xmlns:a14="http://schemas.microsoft.com/office/drawing/2010/main" val="0"/>
@@ -27468,7 +27123,7 @@
               <a:tabLst/>
             </a:pPr>
             <a:r>
-              <a:rPr kumimoji="0" lang="en-GB" altLang="en-US" sz="1100" b="0" i="0" u="none" strike="noStrike" cap="none" normalizeH="0" baseline="0" smtClean="0">
+              <a:rPr kumimoji="0" lang="en-GB" altLang="en-US" sz="1100" b="0" i="0" u="none" strike="noStrike" cap="none" normalizeH="0" baseline="0">
                 <a:ln>
                   <a:noFill/>
                 </a:ln>
@@ -27482,7 +27137,7 @@
               <a:t>,</a:t>
             </a:r>
             <a:r>
-              <a:rPr kumimoji="0" lang="en-GB" altLang="en-US" sz="800" b="0" i="0" u="none" strike="noStrike" cap="none" normalizeH="0" baseline="0" smtClean="0">
+              <a:rPr kumimoji="0" lang="en-GB" altLang="en-US" sz="800" b="0" i="0" u="none" strike="noStrike" cap="none" normalizeH="0" baseline="0">
                 <a:ln>
                   <a:noFill/>
                 </a:ln>
@@ -27494,7 +27149,7 @@
               </a:rPr>
               <a:t> </a:t>
             </a:r>
-            <a:endParaRPr kumimoji="0" lang="en-GB" altLang="en-US" sz="1800" b="0" i="0" u="none" strike="noStrike" cap="none" normalizeH="0" baseline="0" smtClean="0">
+            <a:endParaRPr kumimoji="0" lang="en-GB" altLang="en-US" sz="1800" b="0" i="0" u="none" strike="noStrike" cap="none" normalizeH="0" baseline="0">
               <a:ln>
                 <a:noFill/>
               </a:ln>
@@ -27592,12 +27247,12 @@
           <a:graphicData uri="http://schemas.openxmlformats.org/presentationml/2006/ole">
             <mc:AlternateContent xmlns:mc="http://schemas.openxmlformats.org/markup-compatibility/2006">
               <mc:Choice xmlns:v="urn:schemas-microsoft-com:vml" Requires="v">
-                <p:oleObj spid="_x0000_s208920" name="Equation" r:id="rId7" imgW="1016000" imgH="850900" progId="Equation.DSMT4">
+                <p:oleObj name="Equation" r:id="rId6" imgW="1016000" imgH="850900" progId="Equation.DSMT4">
                   <p:embed/>
                 </p:oleObj>
               </mc:Choice>
               <mc:Fallback>
-                <p:oleObj name="Equation" r:id="rId7" imgW="1016000" imgH="850900" progId="Equation.DSMT4">
+                <p:oleObj name="Equation" r:id="rId6" imgW="1016000" imgH="850900" progId="Equation.DSMT4">
                   <p:embed/>
                   <p:pic>
                     <p:nvPicPr>
@@ -27608,7 +27263,7 @@
                       <p:nvPr/>
                     </p:nvPicPr>
                     <p:blipFill>
-                      <a:blip r:embed="rId8">
+                      <a:blip r:embed="rId7">
                         <a:extLst>
                           <a:ext uri="{28A0092B-C50C-407E-A947-70E740481C1C}">
                             <a14:useLocalDpi xmlns:a14="http://schemas.microsoft.com/office/drawing/2010/main" val="0"/>
@@ -27731,12 +27386,12 @@
           <a:graphicData uri="http://schemas.openxmlformats.org/presentationml/2006/ole">
             <mc:AlternateContent xmlns:mc="http://schemas.openxmlformats.org/markup-compatibility/2006">
               <mc:Choice xmlns:v="urn:schemas-microsoft-com:vml" Requires="v">
-                <p:oleObj spid="_x0000_s208921" name="Equation" r:id="rId9" imgW="1104840" imgH="215640" progId="Equation.DSMT4">
+                <p:oleObj name="Equation" r:id="rId8" imgW="1104840" imgH="215640" progId="Equation.DSMT4">
                   <p:embed/>
                 </p:oleObj>
               </mc:Choice>
               <mc:Fallback>
-                <p:oleObj name="Equation" r:id="rId9" imgW="1104840" imgH="215640" progId="Equation.DSMT4">
+                <p:oleObj name="Equation" r:id="rId8" imgW="1104840" imgH="215640" progId="Equation.DSMT4">
                   <p:embed/>
                   <p:pic>
                     <p:nvPicPr>
@@ -27747,7 +27402,7 @@
                       <p:nvPr/>
                     </p:nvPicPr>
                     <p:blipFill>
-                      <a:blip r:embed="rId10"/>
+                      <a:blip r:embed="rId9"/>
                       <a:srcRect/>
                       <a:stretch>
                         <a:fillRect/>
@@ -27899,12 +27554,12 @@
           <a:graphicData uri="http://schemas.openxmlformats.org/presentationml/2006/ole">
             <mc:AlternateContent xmlns:mc="http://schemas.openxmlformats.org/markup-compatibility/2006">
               <mc:Choice xmlns:v="urn:schemas-microsoft-com:vml" Requires="v">
-                <p:oleObj spid="_x0000_s208922" name="Equation" r:id="rId11" imgW="1270000" imgH="914400" progId="Equation.DSMT4">
+                <p:oleObj name="Equation" r:id="rId10" imgW="1270000" imgH="914400" progId="Equation.DSMT4">
                   <p:embed/>
                 </p:oleObj>
               </mc:Choice>
               <mc:Fallback>
-                <p:oleObj name="Equation" r:id="rId11" imgW="1270000" imgH="914400" progId="Equation.DSMT4">
+                <p:oleObj name="Equation" r:id="rId10" imgW="1270000" imgH="914400" progId="Equation.DSMT4">
                   <p:embed/>
                   <p:pic>
                     <p:nvPicPr>
@@ -27915,7 +27570,7 @@
                       <p:nvPr/>
                     </p:nvPicPr>
                     <p:blipFill>
-                      <a:blip r:embed="rId12">
+                      <a:blip r:embed="rId11">
                         <a:extLst>
                           <a:ext uri="{28A0092B-C50C-407E-A947-70E740481C1C}">
                             <a14:useLocalDpi xmlns:a14="http://schemas.microsoft.com/office/drawing/2010/main" val="0"/>
@@ -27999,14 +27654,13 @@
           <a:lstStyle/>
           <a:p>
             <a:r>
-              <a:rPr lang="en-GB" dirty="0" err="1" smtClean="0"/>
+              <a:rPr lang="en-GB" dirty="0" err="1"/>
               <a:t>Ambisonics</a:t>
             </a:r>
             <a:r>
-              <a:rPr lang="en-GB" dirty="0" smtClean="0"/>
+              <a:rPr lang="en-GB" dirty="0"/>
               <a:t> properties</a:t>
             </a:r>
-            <a:endParaRPr lang="en-GB" dirty="0"/>
           </a:p>
         </p:txBody>
       </p:sp>
@@ -28033,59 +27687,58 @@
           <a:lstStyle/>
           <a:p>
             <a:r>
-              <a:rPr lang="en-GB" dirty="0" smtClean="0"/>
+              <a:rPr lang="en-GB" dirty="0"/>
               <a:t>2D Nth order </a:t>
             </a:r>
             <a:r>
-              <a:rPr lang="en-GB" dirty="0" err="1" smtClean="0"/>
+              <a:rPr lang="en-GB" dirty="0" err="1"/>
               <a:t>ambisonics</a:t>
             </a:r>
             <a:r>
-              <a:rPr lang="en-GB" dirty="0" smtClean="0"/>
+              <a:rPr lang="en-GB" dirty="0"/>
               <a:t> requires 2N+1 loudspeakers</a:t>
             </a:r>
           </a:p>
           <a:p>
             <a:pPr lvl="1"/>
             <a:r>
-              <a:rPr lang="en-GB" dirty="0" smtClean="0"/>
+              <a:rPr lang="en-GB" dirty="0"/>
               <a:t>It can use just 3 loudspeakers</a:t>
             </a:r>
           </a:p>
           <a:p>
             <a:r>
-              <a:rPr lang="en-GB" dirty="0" smtClean="0"/>
+              <a:rPr lang="en-GB" dirty="0"/>
               <a:t>3D Nth order </a:t>
             </a:r>
             <a:r>
-              <a:rPr lang="en-GB" dirty="0" err="1" smtClean="0"/>
+              <a:rPr lang="en-GB" dirty="0" err="1"/>
               <a:t>ambisonics</a:t>
             </a:r>
             <a:r>
-              <a:rPr lang="en-GB" dirty="0" smtClean="0"/>
+              <a:rPr lang="en-GB" dirty="0"/>
               <a:t> requires (N+1)</a:t>
             </a:r>
             <a:r>
-              <a:rPr lang="en-GB" baseline="30000" dirty="0" smtClean="0"/>
+              <a:rPr lang="en-GB" baseline="30000" dirty="0"/>
               <a:t>2 </a:t>
             </a:r>
             <a:r>
-              <a:rPr lang="en-GB" dirty="0" smtClean="0"/>
+              <a:rPr lang="en-GB" dirty="0"/>
               <a:t>loudspeakers</a:t>
             </a:r>
           </a:p>
           <a:p>
             <a:r>
-              <a:rPr lang="en-GB" dirty="0" smtClean="0"/>
+              <a:rPr lang="en-GB" dirty="0"/>
               <a:t>Can be adapted to directional loudspeakers, nonplanar sources…</a:t>
             </a:r>
           </a:p>
           <a:p>
             <a:r>
-              <a:rPr lang="en-GB" dirty="0" smtClean="0"/>
+              <a:rPr lang="en-GB" dirty="0"/>
               <a:t>In theory, great. But in practice, suffers from small ‘sweet spot’ due to precedence effect and other factors</a:t>
             </a:r>
-            <a:endParaRPr lang="en-GB" dirty="0"/>
           </a:p>
         </p:txBody>
       </p:sp>
@@ -28146,7 +27799,7 @@
               <a:defRPr/>
             </a:pPr>
             <a:r>
-              <a:rPr lang="en-GB" dirty="0" smtClean="0">
+              <a:rPr lang="en-GB" dirty="0">
                 <a:solidFill>
                   <a:schemeClr val="tx2">
                     <a:satMod val="200000"/>
@@ -28156,7 +27809,7 @@
               <a:t>Vector Base Amplitude Panning</a:t>
             </a:r>
             <a:br>
-              <a:rPr lang="en-GB" dirty="0" smtClean="0">
+              <a:rPr lang="en-GB" dirty="0">
                 <a:solidFill>
                   <a:schemeClr val="tx2">
                     <a:satMod val="200000"/>
@@ -28165,7 +27818,7 @@
               </a:rPr>
             </a:br>
             <a:r>
-              <a:rPr lang="en-GB" dirty="0" smtClean="0">
+              <a:rPr lang="en-GB" dirty="0">
                 <a:solidFill>
                   <a:schemeClr val="tx2">
                     <a:satMod val="200000"/>
@@ -28174,13 +27827,6 @@
               </a:rPr>
               <a:t>(VBAP)</a:t>
             </a:r>
-            <a:endParaRPr lang="en-GB" dirty="0">
-              <a:solidFill>
-                <a:schemeClr val="tx2">
-                  <a:satMod val="200000"/>
-                </a:schemeClr>
-              </a:solidFill>
-            </a:endParaRPr>
           </a:p>
         </p:txBody>
       </p:sp>
@@ -28206,12 +27852,12 @@
           <a:graphicData uri="http://schemas.openxmlformats.org/presentationml/2006/ole">
             <mc:AlternateContent xmlns:mc="http://schemas.openxmlformats.org/markup-compatibility/2006">
               <mc:Choice xmlns:v="urn:schemas-microsoft-com:vml" Requires="v">
-                <p:oleObj spid="_x0000_s199697" name="Equation" r:id="rId4" imgW="876240" imgH="571320" progId="Equation.DSMT4">
+                <p:oleObj name="Equation" r:id="rId3" imgW="876240" imgH="571320" progId="Equation.DSMT4">
                   <p:embed/>
                 </p:oleObj>
               </mc:Choice>
               <mc:Fallback>
-                <p:oleObj name="Equation" r:id="rId4" imgW="876240" imgH="571320" progId="Equation.DSMT4">
+                <p:oleObj name="Equation" r:id="rId3" imgW="876240" imgH="571320" progId="Equation.DSMT4">
                   <p:embed/>
                   <p:pic>
                     <p:nvPicPr>
@@ -28222,7 +27868,7 @@
                       <p:nvPr/>
                     </p:nvPicPr>
                     <p:blipFill>
-                      <a:blip r:embed="rId5">
+                      <a:blip r:embed="rId4">
                         <a:extLst>
                           <a:ext uri="{28A0092B-C50C-407E-A947-70E740481C1C}">
                             <a14:useLocalDpi xmlns:a14="http://schemas.microsoft.com/office/drawing/2010/main" val="0"/>
@@ -28300,7 +27946,7 @@
               <a:buChar char=""/>
             </a:pPr>
             <a:r>
-              <a:rPr lang="en-GB" sz="3400" dirty="0" smtClean="0">
+              <a:rPr lang="en-GB" sz="3400" dirty="0">
                 <a:latin typeface="Corbel" pitchFamily="34" charset="0"/>
               </a:rPr>
               <a:t>Like stereo panning</a:t>
@@ -28319,16 +27965,10 @@
               <a:buChar char=""/>
             </a:pPr>
             <a:r>
-              <a:rPr lang="en-GB" sz="3400" dirty="0" smtClean="0">
-                <a:latin typeface="Corbel" pitchFamily="34" charset="0"/>
-              </a:rPr>
-              <a:t>Uses </a:t>
-            </a:r>
-            <a:r>
               <a:rPr lang="en-GB" sz="3400" dirty="0">
                 <a:latin typeface="Corbel" pitchFamily="34" charset="0"/>
               </a:rPr>
-              <a:t>a triplet of speakers to localise a source (3D)</a:t>
+              <a:t>Uses a triplet of speakers to localise a source (3D)</a:t>
             </a:r>
           </a:p>
           <a:p>
@@ -28444,13 +28084,6 @@
   <p:clrMapOvr>
     <a:masterClrMapping/>
   </p:clrMapOvr>
-  <p:timing>
-    <p:tnLst>
-      <p:par>
-        <p:cTn id="1" dur="indefinite" restart="never" nodeType="tmRoot"/>
-      </p:par>
-    </p:tnLst>
-  </p:timing>
 </p:sld>
 </file>
 
@@ -28487,10 +28120,9 @@
           <a:lstStyle/>
           <a:p>
             <a:r>
-              <a:rPr lang="en-GB" dirty="0" smtClean="0"/>
+              <a:rPr lang="en-GB" dirty="0"/>
               <a:t>Ville Pulkki – inventor of VBAP</a:t>
             </a:r>
-            <a:endParaRPr lang="en-GB" dirty="0"/>
           </a:p>
         </p:txBody>
       </p:sp>
@@ -28510,7 +28142,7 @@
           <a:lstStyle/>
           <a:p>
             <a:r>
-              <a:rPr lang="en-GB" dirty="0" smtClean="0"/>
+              <a:rPr lang="en-GB" dirty="0"/>
               <a:t>1997</a:t>
             </a:r>
           </a:p>
@@ -28518,17 +28150,17 @@
             <a:endParaRPr lang="en-GB" dirty="0"/>
           </a:p>
           <a:p>
-            <a:endParaRPr lang="en-GB" dirty="0" smtClean="0"/>
-          </a:p>
-          <a:p>
             <a:endParaRPr lang="en-GB" dirty="0"/>
           </a:p>
           <a:p>
-            <a:endParaRPr lang="en-GB" dirty="0" smtClean="0"/>
-          </a:p>
-          <a:p>
-            <a:r>
-              <a:rPr lang="en-GB" dirty="0" smtClean="0"/>
+            <a:endParaRPr lang="en-GB" dirty="0"/>
+          </a:p>
+          <a:p>
+            <a:endParaRPr lang="en-GB" dirty="0"/>
+          </a:p>
+          <a:p>
+            <a:r>
+              <a:rPr lang="en-GB" dirty="0"/>
               <a:t>Now</a:t>
             </a:r>
           </a:p>
@@ -28661,7 +28293,7 @@
                 <a:buNone/>
                 <a:tabLst/>
               </a:pPr>
-              <a:endParaRPr kumimoji="0" lang="en-GB" sz="4200" b="0" i="0" u="none" strike="noStrike" cap="none" normalizeH="0" baseline="0" smtClean="0">
+              <a:endParaRPr kumimoji="0" lang="en-GB" sz="4200" b="0" i="0" u="none" strike="noStrike" cap="none" normalizeH="0" baseline="0">
                 <a:ln>
                   <a:noFill/>
                 </a:ln>
@@ -28731,7 +28363,7 @@
               <a:defRPr/>
             </a:pPr>
             <a:r>
-              <a:rPr lang="en-GB" dirty="0" smtClean="0">
+              <a:rPr lang="en-GB" dirty="0">
                 <a:solidFill>
                   <a:schemeClr val="tx2">
                     <a:satMod val="200000"/>
@@ -28740,13 +28372,6 @@
               </a:rPr>
               <a:t>Calculating VBAP Gains</a:t>
             </a:r>
-            <a:endParaRPr lang="en-GB" dirty="0">
-              <a:solidFill>
-                <a:schemeClr val="tx2">
-                  <a:satMod val="200000"/>
-                </a:schemeClr>
-              </a:solidFill>
-            </a:endParaRPr>
           </a:p>
         </p:txBody>
       </p:sp>
@@ -28771,19 +28396,19 @@
           <a:lstStyle/>
           <a:p>
             <a:r>
-              <a:rPr lang="en-GB" sz="3400" dirty="0" smtClean="0"/>
+              <a:rPr lang="en-GB" sz="3400" dirty="0"/>
               <a:t>P – point source</a:t>
             </a:r>
           </a:p>
           <a:p>
             <a:r>
-              <a:rPr lang="en-GB" sz="3400" dirty="0" smtClean="0"/>
+              <a:rPr lang="en-GB" sz="3400" dirty="0"/>
               <a:t>L – loudspeaker locations</a:t>
             </a:r>
           </a:p>
           <a:p>
             <a:r>
-              <a:rPr lang="en-GB" sz="3400" dirty="0" smtClean="0"/>
+              <a:rPr lang="en-GB" sz="3400" dirty="0"/>
               <a:t>Can also calculate gains of triplet using simultaneous equations or Cramer’s Rule</a:t>
             </a:r>
           </a:p>
@@ -28841,12 +28466,12 @@
           <a:graphicData uri="http://schemas.openxmlformats.org/presentationml/2006/ole">
             <mc:AlternateContent xmlns:mc="http://schemas.openxmlformats.org/markup-compatibility/2006">
               <mc:Choice xmlns:v="urn:schemas-microsoft-com:vml" Requires="v">
-                <p:oleObj spid="_x0000_s200749" name="Equation" r:id="rId4" imgW="1041120" imgH="253800" progId="Equation.DSMT4">
+                <p:oleObj name="Equation" r:id="rId3" imgW="1041120" imgH="253800" progId="Equation.DSMT4">
                   <p:embed/>
                 </p:oleObj>
               </mc:Choice>
               <mc:Fallback>
-                <p:oleObj name="Equation" r:id="rId4" imgW="1041120" imgH="253800" progId="Equation.DSMT4">
+                <p:oleObj name="Equation" r:id="rId3" imgW="1041120" imgH="253800" progId="Equation.DSMT4">
                   <p:embed/>
                   <p:pic>
                     <p:nvPicPr>
@@ -28857,7 +28482,7 @@
                       <p:nvPr/>
                     </p:nvPicPr>
                     <p:blipFill>
-                      <a:blip r:embed="rId5">
+                      <a:blip r:embed="rId4">
                         <a:extLst>
                           <a:ext uri="{28A0092B-C50C-407E-A947-70E740481C1C}">
                             <a14:useLocalDpi xmlns:a14="http://schemas.microsoft.com/office/drawing/2010/main" val="0"/>
@@ -28917,12 +28542,12 @@
           <a:graphicData uri="http://schemas.openxmlformats.org/presentationml/2006/ole">
             <mc:AlternateContent xmlns:mc="http://schemas.openxmlformats.org/markup-compatibility/2006">
               <mc:Choice xmlns:v="urn:schemas-microsoft-com:vml" Requires="v">
-                <p:oleObj spid="_x0000_s200750" name="Equation" r:id="rId6" imgW="2273040" imgH="901440" progId="Equation.DSMT4">
+                <p:oleObj name="Equation" r:id="rId5" imgW="2273040" imgH="901440" progId="Equation.DSMT4">
                   <p:embed/>
                 </p:oleObj>
               </mc:Choice>
               <mc:Fallback>
-                <p:oleObj name="Equation" r:id="rId6" imgW="2273040" imgH="901440" progId="Equation.DSMT4">
+                <p:oleObj name="Equation" r:id="rId5" imgW="2273040" imgH="901440" progId="Equation.DSMT4">
                   <p:embed/>
                   <p:pic>
                     <p:nvPicPr>
@@ -28933,7 +28558,7 @@
                       <p:nvPr/>
                     </p:nvPicPr>
                     <p:blipFill>
-                      <a:blip r:embed="rId7">
+                      <a:blip r:embed="rId6">
                         <a:extLst>
                           <a:ext uri="{28A0092B-C50C-407E-A947-70E740481C1C}">
                             <a14:useLocalDpi xmlns:a14="http://schemas.microsoft.com/office/drawing/2010/main" val="0"/>
@@ -29281,14 +28906,13 @@
           <a:lstStyle/>
           <a:p>
             <a:r>
-              <a:rPr lang="en-GB" dirty="0" err="1" smtClean="0"/>
+              <a:rPr lang="en-GB" dirty="0" err="1"/>
               <a:t>Wavefield</a:t>
             </a:r>
             <a:r>
-              <a:rPr lang="en-GB" dirty="0" smtClean="0"/>
+              <a:rPr lang="en-GB" dirty="0"/>
               <a:t> Synthesis</a:t>
             </a:r>
-            <a:endParaRPr lang="en-GB" dirty="0"/>
           </a:p>
         </p:txBody>
       </p:sp>
@@ -29308,7 +28932,7 @@
           <a:lstStyle/>
           <a:p>
             <a:r>
-              <a:rPr lang="en-GB" dirty="0" smtClean="0"/>
+              <a:rPr lang="en-GB" dirty="0"/>
               <a:t>More and more loudspeakers</a:t>
             </a:r>
           </a:p>
@@ -29316,14 +28940,13 @@
             <a:endParaRPr lang="en-GB" dirty="0"/>
           </a:p>
           <a:p>
-            <a:endParaRPr lang="en-GB" dirty="0" smtClean="0"/>
-          </a:p>
-          <a:p>
-            <a:r>
-              <a:rPr lang="en-GB" dirty="0" smtClean="0"/>
+            <a:endParaRPr lang="en-GB" dirty="0"/>
+          </a:p>
+          <a:p>
+            <a:r>
+              <a:rPr lang="en-GB" dirty="0"/>
               <a:t>Go back in time…</a:t>
             </a:r>
-            <a:endParaRPr lang="en-GB" dirty="0"/>
           </a:p>
         </p:txBody>
       </p:sp>
@@ -29385,7 +29008,7 @@
               <a:defRPr/>
             </a:pPr>
             <a:r>
-              <a:rPr lang="en-GB" dirty="0" smtClean="0">
+              <a:rPr lang="en-GB" dirty="0">
                 <a:solidFill>
                   <a:schemeClr val="tx2">
                     <a:satMod val="200000"/>
@@ -29394,13 +29017,6 @@
               </a:rPr>
               <a:t>Why Spatial Audio beyond stereo</a:t>
             </a:r>
-            <a:endParaRPr lang="en-GB" dirty="0">
-              <a:solidFill>
-                <a:schemeClr val="tx2">
-                  <a:satMod val="200000"/>
-                </a:schemeClr>
-              </a:solidFill>
-            </a:endParaRPr>
           </a:p>
         </p:txBody>
       </p:sp>
@@ -29425,19 +29041,19 @@
           <a:lstStyle/>
           <a:p>
             <a:r>
-              <a:rPr lang="en-GB" smtClean="0"/>
+              <a:rPr lang="en-GB"/>
               <a:t>Be immersed in a film world</a:t>
             </a:r>
           </a:p>
           <a:p>
             <a:r>
-              <a:rPr lang="en-GB" smtClean="0"/>
+              <a:rPr lang="en-GB"/>
               <a:t>Feel you are the game character</a:t>
             </a:r>
           </a:p>
           <a:p>
             <a:r>
-              <a:rPr lang="en-GB" smtClean="0"/>
+              <a:rPr lang="en-GB"/>
               <a:t>Re-live your favourite concert</a:t>
             </a:r>
           </a:p>
@@ -29515,13 +29131,6 @@
   <p:clrMapOvr>
     <a:masterClrMapping/>
   </p:clrMapOvr>
-  <p:timing>
-    <p:tnLst>
-      <p:par>
-        <p:cTn id="1" dur="indefinite" restart="never" nodeType="tmRoot"/>
-      </p:par>
-    </p:tnLst>
-  </p:timing>
 </p:sld>
 </file>
 
@@ -29571,7 +29180,7 @@
               <a:defRPr/>
             </a:pPr>
             <a:r>
-              <a:rPr lang="en-US" sz="4000" b="1" kern="1200" dirty="0" smtClean="0"/>
+              <a:rPr lang="en-US" sz="4000" b="1" kern="1200" dirty="0"/>
               <a:t>Illustration of Huygens' principle.</a:t>
             </a:r>
           </a:p>
@@ -29936,7 +29545,7 @@
           <a:lstStyle/>
           <a:p>
             <a:r>
-              <a:rPr lang="en-GB" dirty="0" smtClean="0"/>
+              <a:rPr lang="en-GB" dirty="0"/>
               <a:t>Source</a:t>
             </a:r>
             <a:endParaRPr lang="en-US" dirty="0"/>
@@ -29966,13 +29575,13 @@
           <a:lstStyle/>
           <a:p>
             <a:r>
-              <a:rPr lang="en-GB" sz="2300" dirty="0" smtClean="0"/>
+              <a:rPr lang="en-GB" sz="2300" dirty="0"/>
               <a:t>Secondary </a:t>
             </a:r>
           </a:p>
           <a:p>
             <a:r>
-              <a:rPr lang="en-GB" sz="2300" dirty="0" smtClean="0"/>
+              <a:rPr lang="en-GB" sz="2300" dirty="0"/>
               <a:t>Sources</a:t>
             </a:r>
             <a:endParaRPr lang="en-US" sz="2300" dirty="0"/>
@@ -30365,24 +29974,24 @@
           <a:lstStyle/>
           <a:p>
             <a:r>
-              <a:rPr lang="en-GB" sz="4000" dirty="0" smtClean="0"/>
+              <a:rPr lang="en-GB" sz="4000" dirty="0"/>
               <a:t>Reproduces wave fronts</a:t>
             </a:r>
           </a:p>
           <a:p>
             <a:r>
-              <a:rPr lang="en-GB" sz="4000" dirty="0" smtClean="0"/>
+              <a:rPr lang="en-GB" sz="4000" dirty="0"/>
               <a:t>Highest frequency is determined by speaker distance</a:t>
             </a:r>
           </a:p>
           <a:p>
             <a:r>
-              <a:rPr lang="en-GB" sz="4000" dirty="0" smtClean="0"/>
+              <a:rPr lang="en-GB" sz="4000" dirty="0"/>
               <a:t>Downside is the amount of loudspeakers and cost</a:t>
             </a:r>
           </a:p>
           <a:p>
-            <a:endParaRPr lang="en-GB" sz="4000" dirty="0" smtClean="0"/>
+            <a:endParaRPr lang="en-GB" sz="4000" dirty="0"/>
           </a:p>
         </p:txBody>
       </p:sp>
@@ -30434,7 +30043,7 @@
               <a:defRPr/>
             </a:pPr>
             <a:r>
-              <a:rPr lang="en-GB" sz="6000" dirty="0" smtClean="0">
+              <a:rPr lang="en-GB" sz="6000" dirty="0">
                 <a:solidFill>
                   <a:schemeClr val="tx2">
                     <a:satMod val="200000"/>
@@ -30443,13 +30052,6 @@
               </a:rPr>
               <a:t>Wave Field Synthesis</a:t>
             </a:r>
-            <a:endParaRPr lang="en-GB" sz="6000" dirty="0">
-              <a:solidFill>
-                <a:schemeClr val="tx2">
-                  <a:satMod val="200000"/>
-                </a:schemeClr>
-              </a:solidFill>
-            </a:endParaRPr>
           </a:p>
         </p:txBody>
       </p:sp>
@@ -30458,13 +30060,6 @@
   <p:clrMapOvr>
     <a:masterClrMapping/>
   </p:clrMapOvr>
-  <p:timing>
-    <p:tnLst>
-      <p:par>
-        <p:cTn id="1" dur="indefinite" restart="never" nodeType="tmRoot"/>
-      </p:par>
-    </p:tnLst>
-  </p:timing>
 </p:sld>
 </file>
 
@@ -32128,7 +31723,7 @@
           <a:lstStyle/>
           <a:p>
             <a:r>
-              <a:rPr lang="en-GB" dirty="0" smtClean="0"/>
+              <a:rPr lang="en-GB" dirty="0"/>
               <a:t>Source</a:t>
             </a:r>
             <a:endParaRPr lang="en-US" dirty="0"/>
@@ -32198,7 +31793,7 @@
           <a:lstStyle/>
           <a:p>
             <a:r>
-              <a:rPr lang="en-GB" sz="3400" i="1" dirty="0" smtClean="0">
+              <a:rPr lang="en-GB" sz="3400" i="1" dirty="0">
                 <a:latin typeface="Times New Roman" pitchFamily="18" charset="0"/>
                 <a:cs typeface="Times New Roman" pitchFamily="18" charset="0"/>
               </a:rPr>
@@ -32234,7 +31829,7 @@
           <a:lstStyle/>
           <a:p>
             <a:r>
-              <a:rPr lang="en-GB" sz="3400" i="1" dirty="0" smtClean="0">
+              <a:rPr lang="en-GB" sz="3400" i="1" dirty="0">
                 <a:latin typeface="Symbol" pitchFamily="18" charset="2"/>
               </a:rPr>
               <a:t>q</a:t>
@@ -32304,7 +31899,7 @@
           <a:lstStyle/>
           <a:p>
             <a:r>
-              <a:rPr lang="en-GB" dirty="0" smtClean="0"/>
+              <a:rPr lang="en-GB" dirty="0"/>
               <a:t>Listeners</a:t>
             </a:r>
             <a:endParaRPr lang="en-US" dirty="0"/>
@@ -32447,7 +32042,7 @@
           <a:lstStyle/>
           <a:p>
             <a:r>
-              <a:rPr lang="en-GB" sz="3400" i="1" dirty="0" smtClean="0">
+              <a:rPr lang="en-GB" sz="3400" i="1" dirty="0">
                 <a:latin typeface="Times New Roman" pitchFamily="18" charset="0"/>
                 <a:cs typeface="Times New Roman" pitchFamily="18" charset="0"/>
               </a:rPr>
@@ -32519,7 +32114,7 @@
           <a:lstStyle/>
           <a:p>
             <a:r>
-              <a:rPr lang="en-GB" sz="3400" i="1" dirty="0" smtClean="0">
+              <a:rPr lang="en-GB" sz="3400" i="1" dirty="0">
                 <a:latin typeface="Times New Roman" pitchFamily="18" charset="0"/>
                 <a:cs typeface="Times New Roman" pitchFamily="18" charset="0"/>
               </a:rPr>
@@ -32555,13 +32150,13 @@
           <a:lstStyle/>
           <a:p>
             <a:r>
-              <a:rPr lang="en-GB" dirty="0" smtClean="0"/>
+              <a:rPr lang="en-GB" dirty="0"/>
               <a:t>Secondary </a:t>
             </a:r>
           </a:p>
           <a:p>
             <a:r>
-              <a:rPr lang="en-GB" dirty="0" smtClean="0"/>
+              <a:rPr lang="en-GB" dirty="0"/>
               <a:t>Source</a:t>
             </a:r>
             <a:endParaRPr lang="en-US" dirty="0"/>
@@ -32790,7 +32385,7 @@
           <a:lstStyle/>
           <a:p>
             <a:r>
-              <a:rPr lang="en-US" sz="4000" b="1" dirty="0" smtClean="0">
+              <a:rPr lang="en-US" sz="4000" b="1" dirty="0">
                 <a:latin typeface="Times New Roman"/>
                 <a:ea typeface="Times New Roman"/>
               </a:rPr>
@@ -32840,10 +32435,9 @@
           <a:lstStyle/>
           <a:p>
             <a:r>
-              <a:rPr lang="en-GB" dirty="0" smtClean="0"/>
+              <a:rPr lang="en-GB" dirty="0"/>
               <a:t>Spatial aliasing</a:t>
             </a:r>
-            <a:endParaRPr lang="en-GB" dirty="0"/>
           </a:p>
         </p:txBody>
       </p:sp>
@@ -32863,25 +32457,25 @@
           <a:lstStyle/>
           <a:p>
             <a:r>
-              <a:rPr lang="en-GB" dirty="0" smtClean="0"/>
+              <a:rPr lang="en-GB" dirty="0"/>
               <a:t>Just like not sampling enough in the frequency domain, WFS may not sample enough in the spatial domain</a:t>
             </a:r>
           </a:p>
           <a:p>
             <a:r>
-              <a:rPr lang="en-GB" dirty="0" smtClean="0"/>
+              <a:rPr lang="en-GB" dirty="0"/>
               <a:t>Condition to avoid spatial aliasing of a frequency </a:t>
             </a:r>
             <a:r>
-              <a:rPr lang="en-GB" i="1" dirty="0" smtClean="0"/>
+              <a:rPr lang="en-GB" i="1" dirty="0"/>
               <a:t>f</a:t>
             </a:r>
             <a:r>
-              <a:rPr lang="en-GB" dirty="0" smtClean="0"/>
+              <a:rPr lang="en-GB" dirty="0"/>
               <a:t> for a plane wave of angle of incidence </a:t>
             </a:r>
             <a:r>
-              <a:rPr lang="en-GB" dirty="0" smtClean="0">
+              <a:rPr lang="en-GB" dirty="0">
                 <a:latin typeface="Symbol" panose="05050102010706020507" pitchFamily="18" charset="2"/>
               </a:rPr>
               <a:t>f</a:t>
@@ -32895,7 +32489,7 @@
           <a:p>
             <a:pPr lvl="1"/>
             <a:r>
-              <a:rPr lang="en-GB" dirty="0" smtClean="0">
+              <a:rPr lang="en-GB" dirty="0">
                 <a:latin typeface="Calibri" panose="020F0502020204030204" pitchFamily="34" charset="0"/>
                 <a:cs typeface="Calibri" panose="020F0502020204030204" pitchFamily="34" charset="0"/>
               </a:rPr>
@@ -32905,20 +32499,20 @@
           <a:p>
             <a:pPr lvl="1"/>
             <a:r>
-              <a:rPr lang="en-GB" dirty="0" smtClean="0">
+              <a:rPr lang="en-GB" dirty="0">
                 <a:latin typeface="Calibri" panose="020F0502020204030204" pitchFamily="34" charset="0"/>
                 <a:cs typeface="Calibri" panose="020F0502020204030204" pitchFamily="34" charset="0"/>
               </a:rPr>
               <a:t>Luckily, we are not very sensitive to </a:t>
             </a:r>
             <a:r>
-              <a:rPr lang="en-GB" smtClean="0">
+              <a:rPr lang="en-GB">
                 <a:latin typeface="Calibri" panose="020F0502020204030204" pitchFamily="34" charset="0"/>
                 <a:cs typeface="Calibri" panose="020F0502020204030204" pitchFamily="34" charset="0"/>
               </a:rPr>
               <a:t>spatial aliasing</a:t>
             </a:r>
-            <a:endParaRPr lang="en-GB" dirty="0" smtClean="0">
+            <a:endParaRPr lang="en-GB" dirty="0">
               <a:latin typeface="Calibri" panose="020F0502020204030204" pitchFamily="34" charset="0"/>
               <a:cs typeface="Calibri" panose="020F0502020204030204" pitchFamily="34" charset="0"/>
             </a:endParaRPr>
@@ -32952,12 +32546,12 @@
           <a:graphicData uri="http://schemas.openxmlformats.org/presentationml/2006/ole">
             <mc:AlternateContent xmlns:mc="http://schemas.openxmlformats.org/markup-compatibility/2006">
               <mc:Choice xmlns:v="urn:schemas-microsoft-com:vml" Requires="v">
-                <p:oleObj spid="_x0000_s209923" name="Equation" r:id="rId3" imgW="990360" imgH="355320" progId="Equation.DSMT4">
+                <p:oleObj name="Equation" r:id="rId2" imgW="990360" imgH="355320" progId="Equation.DSMT4">
                   <p:embed/>
                 </p:oleObj>
               </mc:Choice>
               <mc:Fallback>
-                <p:oleObj name="Equation" r:id="rId3" imgW="990360" imgH="355320" progId="Equation.DSMT4">
+                <p:oleObj name="Equation" r:id="rId2" imgW="990360" imgH="355320" progId="Equation.DSMT4">
                   <p:embed/>
                   <p:pic>
                     <p:nvPicPr>
@@ -32966,7 +32560,7 @@
                       <p:nvPr/>
                     </p:nvPicPr>
                     <p:blipFill>
-                      <a:blip r:embed="rId4"/>
+                      <a:blip r:embed="rId3"/>
                       <a:stretch>
                         <a:fillRect/>
                       </a:stretch>
@@ -33077,7 +32671,7 @@
               <a:defRPr/>
             </a:pPr>
             <a:r>
-              <a:rPr lang="en-GB" dirty="0" smtClean="0">
+              <a:rPr lang="en-GB" dirty="0">
                 <a:solidFill>
                   <a:schemeClr val="tx2">
                     <a:satMod val="200000"/>
@@ -33087,7 +32681,7 @@
               <a:t>Early Attempts: </a:t>
             </a:r>
             <a:br>
-              <a:rPr lang="en-GB" dirty="0" smtClean="0">
+              <a:rPr lang="en-GB" dirty="0">
                 <a:solidFill>
                   <a:schemeClr val="tx2">
                     <a:satMod val="200000"/>
@@ -33096,7 +32690,7 @@
               </a:rPr>
             </a:br>
             <a:r>
-              <a:rPr lang="en-GB" dirty="0" smtClean="0">
+              <a:rPr lang="en-GB" dirty="0">
                 <a:solidFill>
                   <a:schemeClr val="tx2">
                     <a:satMod val="200000"/>
@@ -33105,13 +32699,6 @@
               </a:rPr>
               <a:t>Quadraphonic</a:t>
             </a:r>
-            <a:endParaRPr lang="en-GB" dirty="0">
-              <a:solidFill>
-                <a:schemeClr val="tx2">
-                  <a:satMod val="200000"/>
-                </a:schemeClr>
-              </a:solidFill>
-            </a:endParaRPr>
           </a:p>
         </p:txBody>
       </p:sp>
@@ -33146,7 +32733,7 @@
               <a:defRPr/>
             </a:pPr>
             <a:r>
-              <a:rPr lang="en-GB" dirty="0" smtClean="0"/>
+              <a:rPr lang="en-GB" dirty="0"/>
               <a:t>Speaker spaced too far apart</a:t>
             </a:r>
           </a:p>
@@ -33160,14 +32747,14 @@
               <a:defRPr/>
             </a:pPr>
             <a:r>
-              <a:rPr lang="en-GB" dirty="0" smtClean="0"/>
+              <a:rPr lang="en-GB" dirty="0"/>
               <a:t>Sounds are pulled towards </a:t>
             </a:r>
             <a:br>
-              <a:rPr lang="en-GB" dirty="0" smtClean="0"/>
+              <a:rPr lang="en-GB" dirty="0"/>
             </a:br>
             <a:r>
-              <a:rPr lang="en-GB" dirty="0" smtClean="0"/>
+              <a:rPr lang="en-GB" dirty="0"/>
               <a:t>speakers</a:t>
             </a:r>
           </a:p>
@@ -33181,14 +32768,14 @@
               <a:defRPr/>
             </a:pPr>
             <a:r>
-              <a:rPr lang="en-GB" dirty="0" smtClean="0"/>
+              <a:rPr lang="en-GB" dirty="0"/>
               <a:t>Overall a worse experience </a:t>
             </a:r>
             <a:br>
-              <a:rPr lang="en-GB" dirty="0" smtClean="0"/>
+              <a:rPr lang="en-GB" dirty="0"/>
             </a:br>
             <a:r>
-              <a:rPr lang="en-GB" dirty="0" smtClean="0"/>
+              <a:rPr lang="en-GB" dirty="0"/>
               <a:t>than stereo</a:t>
             </a:r>
           </a:p>
@@ -33202,14 +32789,14 @@
               <a:defRPr/>
             </a:pPr>
             <a:r>
-              <a:rPr lang="en-GB" dirty="0" smtClean="0"/>
+              <a:rPr lang="en-GB" dirty="0"/>
               <a:t>Proved inadequate by Michael </a:t>
             </a:r>
             <a:br>
-              <a:rPr lang="en-GB" dirty="0" smtClean="0"/>
+              <a:rPr lang="en-GB" dirty="0"/>
             </a:br>
             <a:r>
-              <a:rPr lang="en-GB" dirty="0" err="1" smtClean="0"/>
+              <a:rPr lang="en-GB" dirty="0" err="1"/>
               <a:t>Gerzon</a:t>
             </a:r>
             <a:endParaRPr lang="en-GB" dirty="0"/>
@@ -33221,13 +32808,6 @@
   <p:clrMapOvr>
     <a:masterClrMapping/>
   </p:clrMapOvr>
-  <p:timing>
-    <p:tnLst>
-      <p:par>
-        <p:cTn id="1" dur="indefinite" restart="never" nodeType="tmRoot"/>
-      </p:par>
-    </p:tnLst>
-  </p:timing>
 </p:sld>
 </file>
 
@@ -35383,7 +34963,7 @@
               </a:spcAft>
             </a:pPr>
             <a:r>
-              <a:rPr lang="en-GB" sz="2600" dirty="0" smtClean="0">
+              <a:rPr lang="en-GB" sz="2600" dirty="0">
                 <a:solidFill>
                   <a:prstClr val="black"/>
                 </a:solidFill>
@@ -35394,7 +34974,7 @@
               <a:t>30</a:t>
             </a:r>
             <a:r>
-              <a:rPr lang="en-GB" sz="2600" baseline="30000" dirty="0" smtClean="0">
+              <a:rPr lang="en-GB" sz="2600" baseline="30000" dirty="0">
                 <a:solidFill>
                   <a:prstClr val="black"/>
                 </a:solidFill>
@@ -35446,7 +35026,7 @@
               </a:spcAft>
             </a:pPr>
             <a:r>
-              <a:rPr lang="en-GB" sz="2600" dirty="0" smtClean="0">
+              <a:rPr lang="en-GB" sz="2600" dirty="0">
                 <a:solidFill>
                   <a:prstClr val="black"/>
                 </a:solidFill>
@@ -35457,7 +35037,7 @@
               <a:t>30</a:t>
             </a:r>
             <a:r>
-              <a:rPr lang="en-GB" sz="2600" baseline="30000" dirty="0" smtClean="0">
+              <a:rPr lang="en-GB" sz="2600" baseline="30000" dirty="0">
                 <a:solidFill>
                   <a:prstClr val="black"/>
                 </a:solidFill>
@@ -35509,7 +35089,7 @@
               </a:spcAft>
             </a:pPr>
             <a:r>
-              <a:rPr lang="en-GB" sz="2600" dirty="0" smtClean="0">
+              <a:rPr lang="en-GB" sz="2600" dirty="0">
                 <a:solidFill>
                   <a:prstClr val="black"/>
                 </a:solidFill>
@@ -35520,7 +35100,7 @@
               <a:t>110</a:t>
             </a:r>
             <a:r>
-              <a:rPr lang="en-GB" sz="2600" baseline="30000" dirty="0" smtClean="0">
+              <a:rPr lang="en-GB" sz="2600" baseline="30000" dirty="0">
                 <a:solidFill>
                   <a:prstClr val="black"/>
                 </a:solidFill>
@@ -35572,7 +35152,7 @@
               </a:spcAft>
             </a:pPr>
             <a:r>
-              <a:rPr lang="en-GB" sz="2600" dirty="0" smtClean="0">
+              <a:rPr lang="en-GB" sz="2600" dirty="0">
                 <a:solidFill>
                   <a:prstClr val="black"/>
                 </a:solidFill>
@@ -35624,7 +35204,7 @@
               </a:spcAft>
             </a:pPr>
             <a:r>
-              <a:rPr lang="en-GB" sz="2600" dirty="0" smtClean="0">
+              <a:rPr lang="en-GB" sz="2600" dirty="0">
                 <a:solidFill>
                   <a:prstClr val="black"/>
                 </a:solidFill>
@@ -35676,7 +35256,7 @@
               </a:spcAft>
             </a:pPr>
             <a:r>
-              <a:rPr lang="en-GB" sz="2600" dirty="0" smtClean="0">
+              <a:rPr lang="en-GB" sz="2600" dirty="0">
                 <a:solidFill>
                   <a:prstClr val="black"/>
                 </a:solidFill>
@@ -35728,7 +35308,7 @@
               </a:spcAft>
             </a:pPr>
             <a:r>
-              <a:rPr lang="en-GB" sz="2600" dirty="0" smtClean="0">
+              <a:rPr lang="en-GB" sz="2600" dirty="0">
                 <a:solidFill>
                   <a:prstClr val="black"/>
                 </a:solidFill>
@@ -35780,7 +35360,7 @@
               </a:spcAft>
             </a:pPr>
             <a:r>
-              <a:rPr lang="en-GB" sz="2600" dirty="0" smtClean="0">
+              <a:rPr lang="en-GB" sz="2600" dirty="0">
                 <a:solidFill>
                   <a:prstClr val="black"/>
                 </a:solidFill>
@@ -35824,7 +35404,7 @@
           <a:lstStyle/>
           <a:p>
             <a:r>
-              <a:rPr lang="en-US" sz="4000" b="1" dirty="0" smtClean="0">
+              <a:rPr lang="en-US" sz="4000" b="1" dirty="0">
                 <a:latin typeface="Times New Roman"/>
                 <a:ea typeface="Times New Roman"/>
               </a:rPr>
@@ -35864,7 +35444,7 @@
               </a:spcAft>
             </a:pPr>
             <a:r>
-              <a:rPr lang="en-GB" sz="2600" dirty="0" smtClean="0">
+              <a:rPr lang="en-GB" sz="2600" dirty="0">
                 <a:solidFill>
                   <a:prstClr val="black"/>
                 </a:solidFill>
@@ -35875,7 +35455,7 @@
               <a:t>110</a:t>
             </a:r>
             <a:r>
-              <a:rPr lang="en-GB" sz="2600" baseline="30000" dirty="0" smtClean="0">
+              <a:rPr lang="en-GB" sz="2600" baseline="30000" dirty="0">
                 <a:solidFill>
                   <a:prstClr val="black"/>
                 </a:solidFill>
@@ -36021,13 +35601,7 @@
               <a:rPr lang="en-GB" sz="2900" dirty="0">
                 <a:latin typeface="+mn-lt"/>
               </a:rPr>
-              <a:t>Low Frequency Extension </a:t>
-            </a:r>
-            <a:r>
-              <a:rPr lang="en-GB" sz="2900" dirty="0" smtClean="0">
-                <a:latin typeface="+mn-lt"/>
-              </a:rPr>
-              <a:t>channel</a:t>
+              <a:t>Low Frequency Extension channel</a:t>
             </a:r>
           </a:p>
           <a:p>
@@ -36047,14 +35621,11 @@
               <a:defRPr/>
             </a:pPr>
             <a:r>
-              <a:rPr lang="en-GB" sz="2900" dirty="0" smtClean="0">
+              <a:rPr lang="en-GB" sz="2900" dirty="0">
                 <a:latin typeface="+mn-lt"/>
               </a:rPr>
               <a:t>Positioned anywhere</a:t>
             </a:r>
-            <a:endParaRPr lang="en-GB" sz="2900" dirty="0">
-              <a:latin typeface="+mn-lt"/>
-            </a:endParaRPr>
           </a:p>
           <a:p>
             <a:pPr marL="360363" indent="-263525" algn="l" fontAlgn="auto">
@@ -36162,10 +35733,9 @@
               <a:defRPr/>
             </a:pPr>
             <a:r>
-              <a:rPr lang="en-GB" sz="2800" i="1" dirty="0" smtClean="0"/>
+              <a:rPr lang="en-GB" sz="2800" i="1" dirty="0"/>
               <a:t>Quadraphonic and surround sound use level differences between two closest loudspeakers, like stereo panning.</a:t>
             </a:r>
-            <a:endParaRPr lang="en-GB" sz="2800" i="1" dirty="0"/>
           </a:p>
         </p:txBody>
       </p:sp>
@@ -36174,13 +35744,6 @@
   <p:clrMapOvr>
     <a:masterClrMapping/>
   </p:clrMapOvr>
-  <p:timing>
-    <p:tnLst>
-      <p:par>
-        <p:cTn id="1" dur="indefinite" restart="never" nodeType="tmRoot"/>
-      </p:par>
-    </p:tnLst>
-  </p:timing>
 </p:sld>
 </file>
 
@@ -36230,7 +35793,7 @@
               <a:defRPr/>
             </a:pPr>
             <a:r>
-              <a:rPr lang="en-US" sz="4400" kern="1200" dirty="0" smtClean="0"/>
+              <a:rPr lang="en-US" sz="4400" kern="1200" dirty="0"/>
               <a:t>Constant power panning for five channels</a:t>
             </a:r>
           </a:p>
@@ -36310,10 +35873,9 @@
           <a:lstStyle/>
           <a:p>
             <a:r>
-              <a:rPr lang="en-US" dirty="0" smtClean="0"/>
+              <a:rPr lang="en-US" dirty="0"/>
               <a:t>(top) channel gains, (bottom) total power and total gain</a:t>
             </a:r>
-            <a:endParaRPr lang="en-US" dirty="0"/>
           </a:p>
         </p:txBody>
       </p:sp>
@@ -36322,13 +35884,6 @@
   <p:clrMapOvr>
     <a:masterClrMapping/>
   </p:clrMapOvr>
-  <p:timing>
-    <p:tnLst>
-      <p:par>
-        <p:cTn id="1" dur="indefinite" restart="never" nodeType="tmRoot"/>
-      </p:par>
-    </p:tnLst>
-  </p:timing>
 </p:sld>
 </file>
 
@@ -36365,14 +35920,13 @@
           <a:lstStyle/>
           <a:p>
             <a:r>
-              <a:rPr lang="en-GB" dirty="0" err="1" smtClean="0"/>
+              <a:rPr lang="en-GB" dirty="0" err="1"/>
               <a:t>Gerzon</a:t>
             </a:r>
             <a:r>
-              <a:rPr lang="en-GB" dirty="0" smtClean="0"/>
+              <a:rPr lang="en-GB" dirty="0"/>
               <a:t> on quadraphonic sound</a:t>
             </a:r>
-            <a:endParaRPr lang="en-GB" dirty="0"/>
           </a:p>
         </p:txBody>
       </p:sp>
@@ -36401,88 +35955,16 @@
             </a:pPr>
             <a:r>
               <a:rPr lang="en-GB" sz="3200" dirty="0"/>
-              <a:t>aim of 4-channel stereo is (or should be) to recapture as many as possible of these missing qualities of live sound in the </a:t>
-            </a:r>
-            <a:r>
-              <a:rPr lang="en-GB" sz="3200" dirty="0" smtClean="0"/>
-              <a:t>home… only </a:t>
-            </a:r>
+              <a:t>aim of 4-channel stereo is (or should be) to recapture as many as possible of these missing qualities of live sound in the home… only a few of these qualities have been captured, some new deficiencies have been introduced which are absent in ordinary stereo. … excessive quantity of reverberation … lack of precise directional information, lack of any sound from the sides of the listener, absence of height information, distracting echoes from behind the listener, lack of that sense of perspective which makes the orchestra appear to be at a natural distance from the listener. … sound heard is generally muddy and confused, and is less satisfying than ordinary old-fashioned stereo. </a:t>
+            </a:r>
+          </a:p>
+          <a:p>
+            <a:pPr marL="39673" indent="0">
+              <a:buNone/>
+            </a:pPr>
             <a:r>
               <a:rPr lang="en-GB" sz="3200" dirty="0"/>
-              <a:t>a few of these qualities have been captured, </a:t>
-            </a:r>
-            <a:r>
-              <a:rPr lang="en-GB" sz="3200" dirty="0" smtClean="0"/>
-              <a:t>some </a:t>
-            </a:r>
-            <a:r>
-              <a:rPr lang="en-GB" sz="3200" dirty="0"/>
-              <a:t>new deficiencies have been introduced which are absent in ordinary stereo. </a:t>
-            </a:r>
-            <a:r>
-              <a:rPr lang="en-GB" sz="3200" dirty="0" smtClean="0"/>
-              <a:t>… excessive </a:t>
-            </a:r>
-            <a:r>
-              <a:rPr lang="en-GB" sz="3200" dirty="0"/>
-              <a:t>quantity of reverberation </a:t>
-            </a:r>
-            <a:r>
-              <a:rPr lang="en-GB" sz="3200" dirty="0" smtClean="0"/>
-              <a:t>… lack </a:t>
-            </a:r>
-            <a:r>
-              <a:rPr lang="en-GB" sz="3200" dirty="0"/>
-              <a:t>of precise directional </a:t>
-            </a:r>
-            <a:r>
-              <a:rPr lang="en-GB" sz="3200" dirty="0" smtClean="0"/>
-              <a:t>information, lack </a:t>
-            </a:r>
-            <a:r>
-              <a:rPr lang="en-GB" sz="3200" dirty="0"/>
-              <a:t>of any sound from the sides of the listener, </a:t>
-            </a:r>
-            <a:r>
-              <a:rPr lang="en-GB" sz="3200" dirty="0" smtClean="0"/>
-              <a:t>absence </a:t>
-            </a:r>
-            <a:r>
-              <a:rPr lang="en-GB" sz="3200" dirty="0"/>
-              <a:t>of height information, distracting echoes from behind the listener, </a:t>
-            </a:r>
-            <a:r>
-              <a:rPr lang="en-GB" sz="3200" dirty="0" smtClean="0"/>
-              <a:t>lack </a:t>
-            </a:r>
-            <a:r>
-              <a:rPr lang="en-GB" sz="3200" dirty="0"/>
-              <a:t>of that sense of perspective which makes the orchestra appear to be at a natural distance from the listener. </a:t>
-            </a:r>
-            <a:r>
-              <a:rPr lang="en-GB" sz="3200" dirty="0" smtClean="0"/>
-              <a:t>… sound </a:t>
-            </a:r>
-            <a:r>
-              <a:rPr lang="en-GB" sz="3200" dirty="0"/>
-              <a:t>heard is generally muddy and confused, and is less satisfying than ordinary old-fashioned stereo</a:t>
-            </a:r>
-            <a:r>
-              <a:rPr lang="en-GB" sz="3200" dirty="0" smtClean="0"/>
-              <a:t>. </a:t>
-            </a:r>
-          </a:p>
-          <a:p>
-            <a:pPr marL="39673" indent="0">
-              <a:buNone/>
-            </a:pPr>
-            <a:r>
-              <a:rPr lang="en-GB" sz="3200" dirty="0" smtClean="0"/>
-              <a:t>– </a:t>
-            </a:r>
-            <a:r>
-              <a:rPr lang="en-GB" sz="3200" dirty="0"/>
-              <a:t>condensed from </a:t>
+              <a:t>– condensed from </a:t>
             </a:r>
             <a:r>
               <a:rPr lang="en-GB" sz="3200" i="1" dirty="0"/>
@@ -36490,21 +35972,16 @@
             </a:r>
             <a:r>
               <a:rPr lang="en-GB" sz="3200" dirty="0"/>
-              <a:t> </a:t>
-            </a:r>
-            <a:r>
-              <a:rPr lang="en-GB" sz="3200" dirty="0" smtClean="0"/>
-              <a:t>, Michael </a:t>
-            </a:r>
-            <a:r>
-              <a:rPr lang="en-GB" sz="3200" dirty="0" err="1" smtClean="0"/>
+              <a:t> , Michael </a:t>
+            </a:r>
+            <a:r>
+              <a:rPr lang="en-GB" sz="3200" dirty="0" err="1"/>
               <a:t>Gerzon</a:t>
             </a:r>
             <a:r>
-              <a:rPr lang="en-GB" sz="3200" dirty="0" smtClean="0"/>
+              <a:rPr lang="en-GB" sz="3200" dirty="0"/>
               <a:t>, 1971</a:t>
             </a:r>
-            <a:endParaRPr lang="en-GB" sz="3200" dirty="0"/>
           </a:p>
         </p:txBody>
       </p:sp>
@@ -36561,7 +36038,7 @@
               <a:defRPr/>
             </a:pPr>
             <a:r>
-              <a:rPr lang="en-GB" dirty="0" err="1" smtClean="0">
+              <a:rPr lang="en-GB" dirty="0" err="1">
                 <a:solidFill>
                   <a:schemeClr val="tx2">
                     <a:satMod val="200000"/>
@@ -36609,14 +36086,14 @@
               </a:spcAft>
             </a:pPr>
             <a:r>
-              <a:rPr lang="en-GB" dirty="0" smtClean="0"/>
+              <a:rPr lang="en-GB" dirty="0"/>
               <a:t>Developed in the 1970s by Michael </a:t>
             </a:r>
             <a:r>
-              <a:rPr lang="en-GB" dirty="0" err="1" smtClean="0"/>
+              <a:rPr lang="en-GB" dirty="0" err="1"/>
               <a:t>Gerzon</a:t>
             </a:r>
-            <a:endParaRPr lang="en-GB" dirty="0" smtClean="0"/>
+            <a:endParaRPr lang="en-GB" dirty="0"/>
           </a:p>
           <a:p>
             <a:pPr>
@@ -36628,7 +36105,7 @@
               </a:spcAft>
             </a:pPr>
             <a:r>
-              <a:rPr lang="en-GB" dirty="0" smtClean="0"/>
+              <a:rPr lang="en-GB" dirty="0"/>
               <a:t>Based upon Spherical Harmonics</a:t>
             </a:r>
           </a:p>
@@ -36642,22 +36119,14 @@
               </a:spcAft>
             </a:pPr>
             <a:r>
-              <a:rPr lang="en-GB" dirty="0" smtClean="0"/>
-              <a:t>Often uses standard 3D speaker-independent </a:t>
-            </a:r>
-            <a:r>
               <a:rPr lang="en-GB" dirty="0"/>
-              <a:t>representation of a sound </a:t>
-            </a:r>
-            <a:r>
-              <a:rPr lang="en-GB" dirty="0" smtClean="0"/>
-              <a:t>field, </a:t>
-            </a:r>
-            <a:r>
-              <a:rPr lang="en-GB" i="1" dirty="0" smtClean="0"/>
+              <a:t>Often uses standard 3D speaker-independent representation of a sound field, </a:t>
+            </a:r>
+            <a:r>
+              <a:rPr lang="en-GB" i="1" dirty="0"/>
               <a:t>B-format</a:t>
             </a:r>
-            <a:endParaRPr lang="en-GB" dirty="0" smtClean="0"/>
+            <a:endParaRPr lang="en-GB" dirty="0"/>
           </a:p>
           <a:p>
             <a:pPr>
@@ -36669,12 +36138,12 @@
               </a:spcAft>
             </a:pPr>
             <a:r>
-              <a:rPr lang="en-GB" dirty="0" smtClean="0"/>
+              <a:rPr lang="en-GB" dirty="0"/>
               <a:t>Higher order gives better spatial resolution</a:t>
             </a:r>
           </a:p>
           <a:p>
-            <a:endParaRPr lang="en-GB" dirty="0" smtClean="0"/>
+            <a:endParaRPr lang="en-GB" dirty="0"/>
           </a:p>
         </p:txBody>
       </p:sp>
@@ -36713,13 +36182,6 @@
   <p:clrMapOvr>
     <a:masterClrMapping/>
   </p:clrMapOvr>
-  <p:timing>
-    <p:tnLst>
-      <p:par>
-        <p:cTn id="1" dur="indefinite" restart="never" nodeType="tmRoot"/>
-      </p:par>
-    </p:tnLst>
-  </p:timing>
 </p:sld>
 </file>
 
@@ -36837,7 +36299,7 @@
               </a:spcAft>
             </a:pPr>
             <a:r>
-              <a:rPr lang="en-GB" sz="3400" i="1" dirty="0" smtClean="0">
+              <a:rPr lang="en-GB" sz="3400" i="1" dirty="0">
                 <a:solidFill>
                   <a:prstClr val="black"/>
                 </a:solidFill>
@@ -36889,7 +36351,7 @@
               </a:spcAft>
             </a:pPr>
             <a:r>
-              <a:rPr lang="en-GB" sz="3400" i="1" dirty="0" smtClean="0">
+              <a:rPr lang="en-GB" sz="3400" i="1" dirty="0">
                 <a:solidFill>
                   <a:prstClr val="black"/>
                 </a:solidFill>
@@ -37053,7 +36515,7 @@
               </a:spcAft>
             </a:pPr>
             <a:r>
-              <a:rPr lang="en-GB" sz="3400" i="1" dirty="0" smtClean="0">
+              <a:rPr lang="en-GB" sz="3400" i="1" dirty="0">
                 <a:solidFill>
                   <a:prstClr val="black"/>
                 </a:solidFill>
@@ -37274,7 +36736,7 @@
               </a:spcAft>
             </a:pPr>
             <a:r>
-              <a:rPr lang="en-GB" sz="3400" i="1" dirty="0" smtClean="0">
+              <a:rPr lang="en-GB" sz="3400" i="1" dirty="0">
                 <a:solidFill>
                   <a:prstClr val="black"/>
                 </a:solidFill>
@@ -37285,7 +36747,7 @@
               <a:t>y </a:t>
             </a:r>
             <a:r>
-              <a:rPr lang="en-GB" sz="3400" dirty="0" smtClean="0">
+              <a:rPr lang="en-GB" sz="3400" dirty="0">
                 <a:solidFill>
                   <a:prstClr val="black"/>
                 </a:solidFill>
@@ -37374,7 +36836,7 @@
               </a:spcAft>
             </a:pPr>
             <a:r>
-              <a:rPr lang="en-GB" sz="3400" i="1" dirty="0" smtClean="0">
+              <a:rPr lang="en-GB" sz="3400" i="1" dirty="0">
                 <a:solidFill>
                   <a:prstClr val="black"/>
                 </a:solidFill>
@@ -37385,7 +36847,7 @@
               <a:t>x </a:t>
             </a:r>
             <a:r>
-              <a:rPr lang="en-GB" sz="3400" dirty="0" smtClean="0">
+              <a:rPr lang="en-GB" sz="3400" dirty="0">
                 <a:solidFill>
                   <a:prstClr val="black"/>
                 </a:solidFill>
@@ -37437,7 +36899,7 @@
               </a:spcAft>
             </a:pPr>
             <a:r>
-              <a:rPr lang="en-GB" sz="3400" dirty="0" smtClean="0">
+              <a:rPr lang="en-GB" sz="3400" dirty="0">
                 <a:solidFill>
                   <a:prstClr val="black"/>
                 </a:solidFill>
@@ -37458,7 +36920,7 @@
               </a:spcAft>
             </a:pPr>
             <a:r>
-              <a:rPr lang="en-GB" sz="3400" dirty="0" smtClean="0">
+              <a:rPr lang="en-GB" sz="3400" dirty="0">
                 <a:solidFill>
                   <a:prstClr val="black"/>
                 </a:solidFill>
@@ -37510,7 +36972,7 @@
               </a:spcAft>
             </a:pPr>
             <a:r>
-              <a:rPr lang="en-GB" sz="3400" dirty="0" smtClean="0">
+              <a:rPr lang="en-GB" sz="3400" dirty="0">
                 <a:solidFill>
                   <a:prstClr val="black"/>
                 </a:solidFill>
@@ -37547,21 +37009,21 @@
           <a:lstStyle/>
           <a:p>
             <a:r>
-              <a:rPr lang="en-US" sz="4000" b="1" dirty="0" smtClean="0">
+              <a:rPr lang="en-US" sz="4000" b="1" dirty="0">
                 <a:latin typeface="Times New Roman"/>
                 <a:ea typeface="Times New Roman"/>
               </a:rPr>
               <a:t>Standard depiction of the coordinate system in 2D </a:t>
             </a:r>
             <a:r>
-              <a:rPr lang="en-US" sz="4000" b="1" dirty="0" err="1" smtClean="0">
+              <a:rPr lang="en-US" sz="4000" b="1" dirty="0" err="1">
                 <a:latin typeface="Times New Roman"/>
                 <a:ea typeface="Times New Roman"/>
               </a:rPr>
               <a:t>ambisonics</a:t>
             </a:r>
             <a:r>
-              <a:rPr lang="en-US" sz="4000" b="1" dirty="0" smtClean="0">
+              <a:rPr lang="en-US" sz="4000" b="1" dirty="0">
                 <a:latin typeface="Times New Roman"/>
                 <a:ea typeface="Times New Roman"/>
               </a:rPr>
@@ -37621,15 +37083,15 @@
               <a:defRPr/>
             </a:pPr>
             <a:r>
-              <a:rPr lang="en-US" sz="4400" dirty="0" smtClean="0"/>
+              <a:rPr lang="en-US" sz="4400" dirty="0"/>
               <a:t>Four loudspeakers arranged in a regular layout, suitable for first order, 2D </a:t>
             </a:r>
             <a:r>
-              <a:rPr lang="en-US" sz="4400" dirty="0" err="1" smtClean="0"/>
+              <a:rPr lang="en-US" sz="4400" dirty="0" err="1"/>
               <a:t>ambisonics</a:t>
             </a:r>
             <a:r>
-              <a:rPr lang="en-US" sz="4400" dirty="0" smtClean="0"/>
+              <a:rPr lang="en-US" sz="4400" dirty="0"/>
               <a:t>.</a:t>
             </a:r>
           </a:p>
@@ -38623,18 +38085,17 @@
           <a:lstStyle/>
           <a:p>
             <a:r>
-              <a:rPr lang="en-GB" sz="4400" dirty="0" smtClean="0"/>
+              <a:rPr lang="en-GB" sz="4400" dirty="0"/>
               <a:t>Goal is to approximate</a:t>
             </a:r>
             <a:r>
-              <a:rPr lang="en-GB" sz="4400" baseline="0" dirty="0" smtClean="0"/>
+              <a:rPr lang="en-GB" sz="4400" baseline="0" dirty="0"/>
               <a:t> the plane wave,</a:t>
             </a:r>
             <a:r>
-              <a:rPr lang="en-GB" sz="4400" dirty="0" smtClean="0"/>
+              <a:rPr lang="en-GB" sz="4400" dirty="0"/>
               <a:t> and then map the approximation to signals sent to each loudspeaker</a:t>
             </a:r>
-            <a:endParaRPr lang="en-GB" sz="4400" dirty="0"/>
           </a:p>
         </p:txBody>
       </p:sp>
